--- a/202131205_김승진_실무게임프로그래밍_기획서.pptx
+++ b/202131205_김승진_실무게임프로그래밍_기획서.pptx
@@ -261,7 +261,7 @@
           <a:p>
             <a:fld id="{16DB16CA-D4AF-495C-A36B-A16844DE5D9E}" type="datetimeFigureOut">
               <a:rPr lang="ko-KR" altLang="en-US" smtClean="0"/>
-              <a:t>2022. 9. 21.</a:t>
+              <a:t>2022-09-22</a:t>
             </a:fld>
             <a:endParaRPr lang="ko-KR" altLang="en-US"/>
           </a:p>
@@ -429,7 +429,7 @@
           <a:p>
             <a:fld id="{16DB16CA-D4AF-495C-A36B-A16844DE5D9E}" type="datetimeFigureOut">
               <a:rPr lang="ko-KR" altLang="en-US" smtClean="0"/>
-              <a:t>2022. 9. 21.</a:t>
+              <a:t>2022-09-22</a:t>
             </a:fld>
             <a:endParaRPr lang="ko-KR" altLang="en-US"/>
           </a:p>
@@ -607,7 +607,7 @@
           <a:p>
             <a:fld id="{16DB16CA-D4AF-495C-A36B-A16844DE5D9E}" type="datetimeFigureOut">
               <a:rPr lang="ko-KR" altLang="en-US" smtClean="0"/>
-              <a:t>2022. 9. 21.</a:t>
+              <a:t>2022-09-22</a:t>
             </a:fld>
             <a:endParaRPr lang="ko-KR" altLang="en-US"/>
           </a:p>
@@ -775,7 +775,7 @@
           <a:p>
             <a:fld id="{16DB16CA-D4AF-495C-A36B-A16844DE5D9E}" type="datetimeFigureOut">
               <a:rPr lang="ko-KR" altLang="en-US" smtClean="0"/>
-              <a:t>2022. 9. 21.</a:t>
+              <a:t>2022-09-22</a:t>
             </a:fld>
             <a:endParaRPr lang="ko-KR" altLang="en-US"/>
           </a:p>
@@ -1020,7 +1020,7 @@
           <a:p>
             <a:fld id="{16DB16CA-D4AF-495C-A36B-A16844DE5D9E}" type="datetimeFigureOut">
               <a:rPr lang="ko-KR" altLang="en-US" smtClean="0"/>
-              <a:t>2022. 9. 21.</a:t>
+              <a:t>2022-09-22</a:t>
             </a:fld>
             <a:endParaRPr lang="ko-KR" altLang="en-US"/>
           </a:p>
@@ -1249,7 +1249,7 @@
           <a:p>
             <a:fld id="{16DB16CA-D4AF-495C-A36B-A16844DE5D9E}" type="datetimeFigureOut">
               <a:rPr lang="ko-KR" altLang="en-US" smtClean="0"/>
-              <a:t>2022. 9. 21.</a:t>
+              <a:t>2022-09-22</a:t>
             </a:fld>
             <a:endParaRPr lang="ko-KR" altLang="en-US"/>
           </a:p>
@@ -1613,7 +1613,7 @@
           <a:p>
             <a:fld id="{16DB16CA-D4AF-495C-A36B-A16844DE5D9E}" type="datetimeFigureOut">
               <a:rPr lang="ko-KR" altLang="en-US" smtClean="0"/>
-              <a:t>2022. 9. 21.</a:t>
+              <a:t>2022-09-22</a:t>
             </a:fld>
             <a:endParaRPr lang="ko-KR" altLang="en-US"/>
           </a:p>
@@ -1730,7 +1730,7 @@
           <a:p>
             <a:fld id="{16DB16CA-D4AF-495C-A36B-A16844DE5D9E}" type="datetimeFigureOut">
               <a:rPr lang="ko-KR" altLang="en-US" smtClean="0"/>
-              <a:t>2022. 9. 21.</a:t>
+              <a:t>2022-09-22</a:t>
             </a:fld>
             <a:endParaRPr lang="ko-KR" altLang="en-US"/>
           </a:p>
@@ -1825,7 +1825,7 @@
           <a:p>
             <a:fld id="{16DB16CA-D4AF-495C-A36B-A16844DE5D9E}" type="datetimeFigureOut">
               <a:rPr lang="ko-KR" altLang="en-US" smtClean="0"/>
-              <a:t>2022. 9. 21.</a:t>
+              <a:t>2022-09-22</a:t>
             </a:fld>
             <a:endParaRPr lang="ko-KR" altLang="en-US"/>
           </a:p>
@@ -2100,7 +2100,7 @@
           <a:p>
             <a:fld id="{16DB16CA-D4AF-495C-A36B-A16844DE5D9E}" type="datetimeFigureOut">
               <a:rPr lang="ko-KR" altLang="en-US" smtClean="0"/>
-              <a:t>2022. 9. 21.</a:t>
+              <a:t>2022-09-22</a:t>
             </a:fld>
             <a:endParaRPr lang="ko-KR" altLang="en-US"/>
           </a:p>
@@ -2352,7 +2352,7 @@
           <a:p>
             <a:fld id="{16DB16CA-D4AF-495C-A36B-A16844DE5D9E}" type="datetimeFigureOut">
               <a:rPr lang="ko-KR" altLang="en-US" smtClean="0"/>
-              <a:t>2022. 9. 21.</a:t>
+              <a:t>2022-09-22</a:t>
             </a:fld>
             <a:endParaRPr lang="ko-KR" altLang="en-US"/>
           </a:p>
@@ -2563,7 +2563,7 @@
           <a:p>
             <a:fld id="{16DB16CA-D4AF-495C-A36B-A16844DE5D9E}" type="datetimeFigureOut">
               <a:rPr lang="ko-KR" altLang="en-US" smtClean="0"/>
-              <a:t>2022. 9. 21.</a:t>
+              <a:t>2022-09-22</a:t>
             </a:fld>
             <a:endParaRPr lang="ko-KR" altLang="en-US"/>
           </a:p>
@@ -16371,16 +16371,8 @@
               <a:t>, </a:t>
             </a:r>
             <a:r>
-              <a:rPr lang="ko-KR" altLang="en-US" sz="2800" b="1" dirty="0"/>
-              <a:t>주문내역</a:t>
-            </a:r>
-            <a:r>
-              <a:rPr lang="en-US" altLang="ko-KR" sz="2800" b="1" dirty="0"/>
-              <a:t>, </a:t>
-            </a:r>
-            <a:r>
-              <a:rPr lang="ko-KR" altLang="en-US" sz="2800" b="1" dirty="0"/>
-              <a:t>찜 목록 등</a:t>
+              <a:rPr lang="ko-KR" altLang="en-US" sz="2800" b="1" dirty="0" smtClean="0"/>
+              <a:t>주문내역 등</a:t>
             </a:r>
             <a:r>
               <a:rPr lang="en-US" altLang="ko-KR" sz="2800" b="1" dirty="0"/>
@@ -16747,10 +16739,32 @@
           <a:lstStyle/>
           <a:p>
             <a:r>
-              <a:rPr lang="en-US" altLang="ko-KR" dirty="0"/>
-              <a:t>asd123</a:t>
-            </a:r>
-            <a:endParaRPr lang="ko-KR" altLang="en-US" dirty="0"/>
+              <a:rPr lang="ko-KR" altLang="en-US" dirty="0" smtClean="0">
+                <a:solidFill>
+                  <a:schemeClr val="bg1">
+                    <a:lumMod val="50000"/>
+                  </a:schemeClr>
+                </a:solidFill>
+              </a:rPr>
+              <a:t>이메일을 입력해주세요</a:t>
+            </a:r>
+            <a:r>
+              <a:rPr lang="en-US" altLang="ko-KR" dirty="0" smtClean="0">
+                <a:solidFill>
+                  <a:schemeClr val="bg1">
+                    <a:lumMod val="50000"/>
+                  </a:schemeClr>
+                </a:solidFill>
+              </a:rPr>
+              <a:t>.</a:t>
+            </a:r>
+            <a:endParaRPr lang="ko-KR" altLang="en-US" dirty="0">
+              <a:solidFill>
+                <a:schemeClr val="bg1">
+                  <a:lumMod val="50000"/>
+                </a:schemeClr>
+              </a:solidFill>
+            </a:endParaRPr>
           </a:p>
         </p:txBody>
       </p:sp>
@@ -16936,8 +16950,8 @@
         </p:nvSpPr>
         <p:spPr>
           <a:xfrm>
-            <a:off x="148243" y="1694586"/>
-            <a:ext cx="11729258" cy="5067559"/>
+            <a:off x="148242" y="1612669"/>
+            <a:ext cx="11880274" cy="5149476"/>
           </a:xfrm>
           <a:prstGeom prst="rect">
             <a:avLst/>
@@ -16979,7 +16993,7 @@
         </p:nvSpPr>
         <p:spPr>
           <a:xfrm>
-            <a:off x="3589712" y="3701976"/>
+            <a:off x="3564774" y="3391931"/>
             <a:ext cx="4089862" cy="462700"/>
           </a:xfrm>
           <a:prstGeom prst="rect">
@@ -17022,7 +17036,7 @@
         </p:nvSpPr>
         <p:spPr>
           <a:xfrm>
-            <a:off x="3589712" y="4192871"/>
+            <a:off x="3564774" y="3882826"/>
             <a:ext cx="4089862" cy="428322"/>
           </a:xfrm>
           <a:prstGeom prst="rect">
@@ -17065,7 +17079,7 @@
         </p:nvSpPr>
         <p:spPr>
           <a:xfrm>
-            <a:off x="3589712" y="6139693"/>
+            <a:off x="3564774" y="5829648"/>
             <a:ext cx="4089862" cy="540466"/>
           </a:xfrm>
           <a:prstGeom prst="rect">
@@ -17108,7 +17122,7 @@
         </p:nvSpPr>
         <p:spPr>
           <a:xfrm>
-            <a:off x="5044439" y="6170068"/>
+            <a:off x="5019501" y="5860023"/>
             <a:ext cx="1920240" cy="369332"/>
           </a:xfrm>
           <a:prstGeom prst="rect">
@@ -17137,7 +17151,7 @@
         </p:nvSpPr>
         <p:spPr>
           <a:xfrm>
-            <a:off x="3589712" y="4243255"/>
+            <a:off x="3564774" y="3933210"/>
             <a:ext cx="3883430" cy="369332"/>
           </a:xfrm>
           <a:prstGeom prst="rect">
@@ -17160,7 +17174,7 @@
                   </a:schemeClr>
                 </a:solidFill>
               </a:rPr>
-              <a:t>비밀번호를 한 번 더 입력해 주세요</a:t>
+              <a:t>비밀번호를 입력해 주세요</a:t>
             </a:r>
             <a:r>
               <a:rPr lang="en-US" altLang="ko-KR" dirty="0">
@@ -17215,13 +17229,13 @@
       </p:pic>
       <p:sp>
         <p:nvSpPr>
-          <p:cNvPr id="14" name="직사각형 13"/>
+          <p:cNvPr id="15" name="직사각형 14"/>
           <p:cNvSpPr/>
           <p:nvPr/>
         </p:nvSpPr>
         <p:spPr>
           <a:xfrm>
-            <a:off x="3589712" y="3214084"/>
+            <a:off x="3564774" y="4360594"/>
             <a:ext cx="4089862" cy="462700"/>
           </a:xfrm>
           <a:prstGeom prst="rect">
@@ -17258,56 +17272,13 @@
       </p:sp>
       <p:sp>
         <p:nvSpPr>
-          <p:cNvPr id="15" name="직사각형 14"/>
-          <p:cNvSpPr/>
-          <p:nvPr/>
-        </p:nvSpPr>
-        <p:spPr>
-          <a:xfrm>
-            <a:off x="3589712" y="4670639"/>
-            <a:ext cx="4089862" cy="462700"/>
-          </a:xfrm>
-          <a:prstGeom prst="rect">
-            <a:avLst/>
-          </a:prstGeom>
-          <a:solidFill>
-            <a:schemeClr val="bg1"/>
-          </a:solidFill>
-        </p:spPr>
-        <p:style>
-          <a:lnRef idx="2">
-            <a:schemeClr val="accent1">
-              <a:shade val="50000"/>
-            </a:schemeClr>
-          </a:lnRef>
-          <a:fillRef idx="1">
-            <a:schemeClr val="accent1"/>
-          </a:fillRef>
-          <a:effectRef idx="0">
-            <a:schemeClr val="accent1"/>
-          </a:effectRef>
-          <a:fontRef idx="minor">
-            <a:schemeClr val="lt1"/>
-          </a:fontRef>
-        </p:style>
-        <p:txBody>
-          <a:bodyPr rtlCol="0" anchor="ctr"/>
-          <a:lstStyle/>
-          <a:p>
-            <a:pPr algn="ctr"/>
-            <a:endParaRPr lang="ko-KR" altLang="en-US"/>
-          </a:p>
-        </p:txBody>
-      </p:sp>
-      <p:sp>
-        <p:nvSpPr>
           <p:cNvPr id="20" name="TextBox 19"/>
           <p:cNvSpPr txBox="1"/>
           <p:nvPr/>
         </p:nvSpPr>
         <p:spPr>
           <a:xfrm>
-            <a:off x="3589712" y="3760829"/>
+            <a:off x="3564774" y="3450784"/>
             <a:ext cx="2909454" cy="369332"/>
           </a:xfrm>
           <a:prstGeom prst="rect">
@@ -17321,6 +17292,17 @@
           </a:bodyPr>
           <a:lstStyle/>
           <a:p>
+            <a:r>
+              <a:rPr lang="ko-KR" altLang="en-US" dirty="0" smtClean="0">
+                <a:solidFill>
+                  <a:schemeClr val="tx1">
+                    <a:lumMod val="50000"/>
+                    <a:lumOff val="50000"/>
+                  </a:schemeClr>
+                </a:solidFill>
+              </a:rPr>
+              <a:t>이메일을 </a:t>
+            </a:r>
             <a:r>
               <a:rPr lang="ko-KR" altLang="en-US" dirty="0">
                 <a:solidFill>
@@ -17330,7 +17312,7 @@
                   </a:schemeClr>
                 </a:solidFill>
               </a:rPr>
-              <a:t>비밀번호를 입력해 주세요</a:t>
+              <a:t>입력해 주세요</a:t>
             </a:r>
             <a:r>
               <a:rPr lang="en-US" altLang="ko-KR" dirty="0">
@@ -17356,14 +17338,14 @@
       </p:sp>
       <p:sp>
         <p:nvSpPr>
-          <p:cNvPr id="23" name="TextBox 22"/>
-          <p:cNvSpPr txBox="1"/>
-          <p:nvPr/>
-        </p:nvSpPr>
-        <p:spPr>
-          <a:xfrm>
-            <a:off x="3589712" y="3290924"/>
-            <a:ext cx="2909454" cy="369332"/>
+          <p:cNvPr id="24" name="TextBox 23"/>
+          <p:cNvSpPr txBox="1"/>
+          <p:nvPr/>
+        </p:nvSpPr>
+        <p:spPr>
+          <a:xfrm>
+            <a:off x="3564774" y="4401140"/>
+            <a:ext cx="4089862" cy="369332"/>
           </a:xfrm>
           <a:prstGeom prst="rect">
             <a:avLst/>
@@ -17385,7 +17367,7 @@
                   </a:schemeClr>
                 </a:solidFill>
               </a:rPr>
-              <a:t>아이디를 입력해 주세요</a:t>
+              <a:t>비밀번호를 한 번 더 입력해 주세요</a:t>
             </a:r>
             <a:r>
               <a:rPr lang="en-US" altLang="ko-KR" dirty="0">
@@ -17411,13 +17393,99 @@
       </p:sp>
       <p:sp>
         <p:nvSpPr>
-          <p:cNvPr id="24" name="TextBox 23"/>
-          <p:cNvSpPr txBox="1"/>
-          <p:nvPr/>
-        </p:nvSpPr>
-        <p:spPr>
-          <a:xfrm>
-            <a:off x="3589712" y="4711185"/>
+          <p:cNvPr id="25" name="직사각형 24"/>
+          <p:cNvSpPr/>
+          <p:nvPr/>
+        </p:nvSpPr>
+        <p:spPr>
+          <a:xfrm>
+            <a:off x="3564774" y="4853490"/>
+            <a:ext cx="4089862" cy="462700"/>
+          </a:xfrm>
+          <a:prstGeom prst="rect">
+            <a:avLst/>
+          </a:prstGeom>
+          <a:solidFill>
+            <a:schemeClr val="bg1"/>
+          </a:solidFill>
+        </p:spPr>
+        <p:style>
+          <a:lnRef idx="2">
+            <a:schemeClr val="accent1">
+              <a:shade val="50000"/>
+            </a:schemeClr>
+          </a:lnRef>
+          <a:fillRef idx="1">
+            <a:schemeClr val="accent1"/>
+          </a:fillRef>
+          <a:effectRef idx="0">
+            <a:schemeClr val="accent1"/>
+          </a:effectRef>
+          <a:fontRef idx="minor">
+            <a:schemeClr val="lt1"/>
+          </a:fontRef>
+        </p:style>
+        <p:txBody>
+          <a:bodyPr rtlCol="0" anchor="ctr"/>
+          <a:lstStyle/>
+          <a:p>
+            <a:pPr algn="ctr"/>
+            <a:endParaRPr lang="ko-KR" altLang="en-US"/>
+          </a:p>
+        </p:txBody>
+      </p:sp>
+      <p:sp>
+        <p:nvSpPr>
+          <p:cNvPr id="26" name="직사각형 25"/>
+          <p:cNvSpPr/>
+          <p:nvPr/>
+        </p:nvSpPr>
+        <p:spPr>
+          <a:xfrm>
+            <a:off x="3564774" y="5346386"/>
+            <a:ext cx="4089862" cy="462700"/>
+          </a:xfrm>
+          <a:prstGeom prst="rect">
+            <a:avLst/>
+          </a:prstGeom>
+          <a:solidFill>
+            <a:schemeClr val="bg1"/>
+          </a:solidFill>
+        </p:spPr>
+        <p:style>
+          <a:lnRef idx="2">
+            <a:schemeClr val="accent1">
+              <a:shade val="50000"/>
+            </a:schemeClr>
+          </a:lnRef>
+          <a:fillRef idx="1">
+            <a:schemeClr val="accent1"/>
+          </a:fillRef>
+          <a:effectRef idx="0">
+            <a:schemeClr val="accent1"/>
+          </a:effectRef>
+          <a:fontRef idx="minor">
+            <a:schemeClr val="lt1"/>
+          </a:fontRef>
+        </p:style>
+        <p:txBody>
+          <a:bodyPr rtlCol="0" anchor="ctr"/>
+          <a:lstStyle/>
+          <a:p>
+            <a:pPr algn="ctr"/>
+            <a:endParaRPr lang="ko-KR" altLang="en-US"/>
+          </a:p>
+        </p:txBody>
+      </p:sp>
+      <p:sp>
+        <p:nvSpPr>
+          <p:cNvPr id="27" name="TextBox 26"/>
+          <p:cNvSpPr txBox="1"/>
+          <p:nvPr/>
+        </p:nvSpPr>
+        <p:spPr>
+          <a:xfrm>
+            <a:off x="3564774" y="4895068"/>
             <a:ext cx="3767052" cy="369332"/>
           </a:xfrm>
           <a:prstGeom prst="rect">
@@ -17440,7 +17508,7 @@
                   </a:schemeClr>
                 </a:solidFill>
               </a:rPr>
-              <a:t>이메일을 입력해 주세요</a:t>
+              <a:t>사용하실 닉네임을 입력해 주세요</a:t>
             </a:r>
             <a:r>
               <a:rPr lang="en-US" altLang="ko-KR" dirty="0">
@@ -17466,154 +17534,13 @@
       </p:sp>
       <p:sp>
         <p:nvSpPr>
-          <p:cNvPr id="25" name="직사각형 24"/>
-          <p:cNvSpPr/>
-          <p:nvPr/>
-        </p:nvSpPr>
-        <p:spPr>
-          <a:xfrm>
-            <a:off x="3589712" y="5163535"/>
-            <a:ext cx="4089862" cy="462700"/>
-          </a:xfrm>
-          <a:prstGeom prst="rect">
-            <a:avLst/>
-          </a:prstGeom>
-          <a:solidFill>
-            <a:schemeClr val="bg1"/>
-          </a:solidFill>
-        </p:spPr>
-        <p:style>
-          <a:lnRef idx="2">
-            <a:schemeClr val="accent1">
-              <a:shade val="50000"/>
-            </a:schemeClr>
-          </a:lnRef>
-          <a:fillRef idx="1">
-            <a:schemeClr val="accent1"/>
-          </a:fillRef>
-          <a:effectRef idx="0">
-            <a:schemeClr val="accent1"/>
-          </a:effectRef>
-          <a:fontRef idx="minor">
-            <a:schemeClr val="lt1"/>
-          </a:fontRef>
-        </p:style>
-        <p:txBody>
-          <a:bodyPr rtlCol="0" anchor="ctr"/>
-          <a:lstStyle/>
-          <a:p>
-            <a:pPr algn="ctr"/>
-            <a:endParaRPr lang="ko-KR" altLang="en-US"/>
-          </a:p>
-        </p:txBody>
-      </p:sp>
-      <p:sp>
-        <p:nvSpPr>
-          <p:cNvPr id="26" name="직사각형 25"/>
-          <p:cNvSpPr/>
-          <p:nvPr/>
-        </p:nvSpPr>
-        <p:spPr>
-          <a:xfrm>
-            <a:off x="3589712" y="5656431"/>
-            <a:ext cx="4089862" cy="462700"/>
-          </a:xfrm>
-          <a:prstGeom prst="rect">
-            <a:avLst/>
-          </a:prstGeom>
-          <a:solidFill>
-            <a:schemeClr val="bg1"/>
-          </a:solidFill>
-        </p:spPr>
-        <p:style>
-          <a:lnRef idx="2">
-            <a:schemeClr val="accent1">
-              <a:shade val="50000"/>
-            </a:schemeClr>
-          </a:lnRef>
-          <a:fillRef idx="1">
-            <a:schemeClr val="accent1"/>
-          </a:fillRef>
-          <a:effectRef idx="0">
-            <a:schemeClr val="accent1"/>
-          </a:effectRef>
-          <a:fontRef idx="minor">
-            <a:schemeClr val="lt1"/>
-          </a:fontRef>
-        </p:style>
-        <p:txBody>
-          <a:bodyPr rtlCol="0" anchor="ctr"/>
-          <a:lstStyle/>
-          <a:p>
-            <a:pPr algn="ctr"/>
-            <a:endParaRPr lang="ko-KR" altLang="en-US"/>
-          </a:p>
-        </p:txBody>
-      </p:sp>
-      <p:sp>
-        <p:nvSpPr>
-          <p:cNvPr id="27" name="TextBox 26"/>
-          <p:cNvSpPr txBox="1"/>
-          <p:nvPr/>
-        </p:nvSpPr>
-        <p:spPr>
-          <a:xfrm>
-            <a:off x="3589712" y="5205113"/>
-            <a:ext cx="3767052" cy="369332"/>
-          </a:xfrm>
-          <a:prstGeom prst="rect">
-            <a:avLst/>
-          </a:prstGeom>
-          <a:noFill/>
-        </p:spPr>
-        <p:txBody>
-          <a:bodyPr wrap="square" rtlCol="0">
-            <a:spAutoFit/>
-          </a:bodyPr>
-          <a:lstStyle/>
-          <a:p>
-            <a:r>
-              <a:rPr lang="ko-KR" altLang="en-US" dirty="0">
-                <a:solidFill>
-                  <a:schemeClr val="tx1">
-                    <a:lumMod val="50000"/>
-                    <a:lumOff val="50000"/>
-                  </a:schemeClr>
-                </a:solidFill>
-              </a:rPr>
-              <a:t>사용하실 닉네임을 입력해 주세요</a:t>
-            </a:r>
-            <a:r>
-              <a:rPr lang="en-US" altLang="ko-KR" dirty="0">
-                <a:solidFill>
-                  <a:schemeClr val="tx1">
-                    <a:lumMod val="50000"/>
-                    <a:lumOff val="50000"/>
-                  </a:schemeClr>
-                </a:solidFill>
-              </a:rPr>
-              <a:t>.</a:t>
-            </a:r>
-            <a:endParaRPr lang="ko-KR" altLang="en-US" dirty="0">
-              <a:solidFill>
-                <a:schemeClr val="tx1">
-                  <a:lumMod val="50000"/>
-                  <a:lumOff val="50000"/>
-                </a:schemeClr>
-              </a:solidFill>
-            </a:endParaRPr>
-          </a:p>
-        </p:txBody>
-      </p:sp>
-      <p:sp>
-        <p:nvSpPr>
           <p:cNvPr id="28" name="TextBox 27"/>
           <p:cNvSpPr txBox="1"/>
           <p:nvPr/>
         </p:nvSpPr>
         <p:spPr>
           <a:xfrm>
-            <a:off x="3589712" y="5703115"/>
+            <a:off x="3564774" y="5393070"/>
             <a:ext cx="3767052" cy="369332"/>
           </a:xfrm>
           <a:prstGeom prst="rect">

--- a/202131205_김승진_실무게임프로그래밍_기획서.pptx
+++ b/202131205_김승진_실무게임프로그래밍_기획서.pptx
@@ -27,7 +27,6 @@
     <p:sldId id="275" r:id="rId21"/>
     <p:sldId id="282" r:id="rId22"/>
     <p:sldId id="283" r:id="rId23"/>
-    <p:sldId id="262" r:id="rId24"/>
   </p:sldIdLst>
   <p:sldSz cx="12192000" cy="6858000"/>
   <p:notesSz cx="6858000" cy="9144000"/>
@@ -263,7 +262,7 @@
           <a:p>
             <a:fld id="{16DB16CA-D4AF-495C-A36B-A16844DE5D9E}" type="datetimeFigureOut">
               <a:rPr lang="ko-KR" altLang="en-US" smtClean="0"/>
-              <a:t>2022-09-22</a:t>
+              <a:t>2022-09-23</a:t>
             </a:fld>
             <a:endParaRPr lang="ko-KR" altLang="en-US"/>
           </a:p>
@@ -431,7 +430,7 @@
           <a:p>
             <a:fld id="{16DB16CA-D4AF-495C-A36B-A16844DE5D9E}" type="datetimeFigureOut">
               <a:rPr lang="ko-KR" altLang="en-US" smtClean="0"/>
-              <a:t>2022-09-22</a:t>
+              <a:t>2022-09-23</a:t>
             </a:fld>
             <a:endParaRPr lang="ko-KR" altLang="en-US"/>
           </a:p>
@@ -609,7 +608,7 @@
           <a:p>
             <a:fld id="{16DB16CA-D4AF-495C-A36B-A16844DE5D9E}" type="datetimeFigureOut">
               <a:rPr lang="ko-KR" altLang="en-US" smtClean="0"/>
-              <a:t>2022-09-22</a:t>
+              <a:t>2022-09-23</a:t>
             </a:fld>
             <a:endParaRPr lang="ko-KR" altLang="en-US"/>
           </a:p>
@@ -777,7 +776,7 @@
           <a:p>
             <a:fld id="{16DB16CA-D4AF-495C-A36B-A16844DE5D9E}" type="datetimeFigureOut">
               <a:rPr lang="ko-KR" altLang="en-US" smtClean="0"/>
-              <a:t>2022-09-22</a:t>
+              <a:t>2022-09-23</a:t>
             </a:fld>
             <a:endParaRPr lang="ko-KR" altLang="en-US"/>
           </a:p>
@@ -1022,7 +1021,7 @@
           <a:p>
             <a:fld id="{16DB16CA-D4AF-495C-A36B-A16844DE5D9E}" type="datetimeFigureOut">
               <a:rPr lang="ko-KR" altLang="en-US" smtClean="0"/>
-              <a:t>2022-09-22</a:t>
+              <a:t>2022-09-23</a:t>
             </a:fld>
             <a:endParaRPr lang="ko-KR" altLang="en-US"/>
           </a:p>
@@ -1251,7 +1250,7 @@
           <a:p>
             <a:fld id="{16DB16CA-D4AF-495C-A36B-A16844DE5D9E}" type="datetimeFigureOut">
               <a:rPr lang="ko-KR" altLang="en-US" smtClean="0"/>
-              <a:t>2022-09-22</a:t>
+              <a:t>2022-09-23</a:t>
             </a:fld>
             <a:endParaRPr lang="ko-KR" altLang="en-US"/>
           </a:p>
@@ -1615,7 +1614,7 @@
           <a:p>
             <a:fld id="{16DB16CA-D4AF-495C-A36B-A16844DE5D9E}" type="datetimeFigureOut">
               <a:rPr lang="ko-KR" altLang="en-US" smtClean="0"/>
-              <a:t>2022-09-22</a:t>
+              <a:t>2022-09-23</a:t>
             </a:fld>
             <a:endParaRPr lang="ko-KR" altLang="en-US"/>
           </a:p>
@@ -1732,7 +1731,7 @@
           <a:p>
             <a:fld id="{16DB16CA-D4AF-495C-A36B-A16844DE5D9E}" type="datetimeFigureOut">
               <a:rPr lang="ko-KR" altLang="en-US" smtClean="0"/>
-              <a:t>2022-09-22</a:t>
+              <a:t>2022-09-23</a:t>
             </a:fld>
             <a:endParaRPr lang="ko-KR" altLang="en-US"/>
           </a:p>
@@ -1827,7 +1826,7 @@
           <a:p>
             <a:fld id="{16DB16CA-D4AF-495C-A36B-A16844DE5D9E}" type="datetimeFigureOut">
               <a:rPr lang="ko-KR" altLang="en-US" smtClean="0"/>
-              <a:t>2022-09-22</a:t>
+              <a:t>2022-09-23</a:t>
             </a:fld>
             <a:endParaRPr lang="ko-KR" altLang="en-US"/>
           </a:p>
@@ -2102,7 +2101,7 @@
           <a:p>
             <a:fld id="{16DB16CA-D4AF-495C-A36B-A16844DE5D9E}" type="datetimeFigureOut">
               <a:rPr lang="ko-KR" altLang="en-US" smtClean="0"/>
-              <a:t>2022-09-22</a:t>
+              <a:t>2022-09-23</a:t>
             </a:fld>
             <a:endParaRPr lang="ko-KR" altLang="en-US"/>
           </a:p>
@@ -2354,7 +2353,7 @@
           <a:p>
             <a:fld id="{16DB16CA-D4AF-495C-A36B-A16844DE5D9E}" type="datetimeFigureOut">
               <a:rPr lang="ko-KR" altLang="en-US" smtClean="0"/>
-              <a:t>2022-09-22</a:t>
+              <a:t>2022-09-23</a:t>
             </a:fld>
             <a:endParaRPr lang="ko-KR" altLang="en-US"/>
           </a:p>
@@ -2565,7 +2564,7 @@
           <a:p>
             <a:fld id="{16DB16CA-D4AF-495C-A36B-A16844DE5D9E}" type="datetimeFigureOut">
               <a:rPr lang="ko-KR" altLang="en-US" smtClean="0"/>
-              <a:t>2022-09-22</a:t>
+              <a:t>2022-09-23</a:t>
             </a:fld>
             <a:endParaRPr lang="ko-KR" altLang="en-US"/>
           </a:p>
@@ -7797,6 +7796,231 @@
           </a:p>
         </p:txBody>
       </p:sp>
+      <p:sp>
+        <p:nvSpPr>
+          <p:cNvPr id="34" name="모서리가 둥근 직사각형 33"/>
+          <p:cNvSpPr/>
+          <p:nvPr/>
+        </p:nvSpPr>
+        <p:spPr>
+          <a:xfrm>
+            <a:off x="4077627" y="6077808"/>
+            <a:ext cx="1221498" cy="379543"/>
+          </a:xfrm>
+          <a:prstGeom prst="roundRect">
+            <a:avLst/>
+          </a:prstGeom>
+          <a:solidFill>
+            <a:schemeClr val="bg2">
+              <a:lumMod val="90000"/>
+            </a:schemeClr>
+          </a:solidFill>
+        </p:spPr>
+        <p:style>
+          <a:lnRef idx="2">
+            <a:schemeClr val="accent1">
+              <a:shade val="50000"/>
+            </a:schemeClr>
+          </a:lnRef>
+          <a:fillRef idx="1">
+            <a:schemeClr val="accent1"/>
+          </a:fillRef>
+          <a:effectRef idx="0">
+            <a:schemeClr val="accent1"/>
+          </a:effectRef>
+          <a:fontRef idx="minor">
+            <a:schemeClr val="lt1"/>
+          </a:fontRef>
+        </p:style>
+        <p:txBody>
+          <a:bodyPr rtlCol="0" anchor="ctr"/>
+          <a:lstStyle/>
+          <a:p>
+            <a:pPr algn="ctr"/>
+            <a:endParaRPr lang="ko-KR" altLang="en-US"/>
+          </a:p>
+        </p:txBody>
+      </p:sp>
+      <p:sp>
+        <p:nvSpPr>
+          <p:cNvPr id="37" name="TextBox 36"/>
+          <p:cNvSpPr txBox="1"/>
+          <p:nvPr/>
+        </p:nvSpPr>
+        <p:spPr>
+          <a:xfrm>
+            <a:off x="4042754" y="6125333"/>
+            <a:ext cx="1368831" cy="276999"/>
+          </a:xfrm>
+          <a:prstGeom prst="rect">
+            <a:avLst/>
+          </a:prstGeom>
+          <a:noFill/>
+        </p:spPr>
+        <p:txBody>
+          <a:bodyPr wrap="square" rtlCol="0">
+            <a:spAutoFit/>
+          </a:bodyPr>
+          <a:lstStyle/>
+          <a:p>
+            <a:r>
+              <a:rPr lang="ko-KR" altLang="en-US" sz="1200" b="1" dirty="0" smtClean="0"/>
+              <a:t>장바구니에 추가</a:t>
+            </a:r>
+            <a:endParaRPr lang="ko-KR" altLang="en-US" sz="1200" b="1" dirty="0"/>
+          </a:p>
+        </p:txBody>
+      </p:sp>
+      <p:sp>
+        <p:nvSpPr>
+          <p:cNvPr id="43" name="모서리가 둥근 직사각형 42"/>
+          <p:cNvSpPr/>
+          <p:nvPr/>
+        </p:nvSpPr>
+        <p:spPr>
+          <a:xfrm>
+            <a:off x="10191081" y="4300995"/>
+            <a:ext cx="1221498" cy="379543"/>
+          </a:xfrm>
+          <a:prstGeom prst="roundRect">
+            <a:avLst/>
+          </a:prstGeom>
+          <a:solidFill>
+            <a:schemeClr val="bg2">
+              <a:lumMod val="90000"/>
+            </a:schemeClr>
+          </a:solidFill>
+        </p:spPr>
+        <p:style>
+          <a:lnRef idx="2">
+            <a:schemeClr val="accent1">
+              <a:shade val="50000"/>
+            </a:schemeClr>
+          </a:lnRef>
+          <a:fillRef idx="1">
+            <a:schemeClr val="accent1"/>
+          </a:fillRef>
+          <a:effectRef idx="0">
+            <a:schemeClr val="accent1"/>
+          </a:effectRef>
+          <a:fontRef idx="minor">
+            <a:schemeClr val="lt1"/>
+          </a:fontRef>
+        </p:style>
+        <p:txBody>
+          <a:bodyPr rtlCol="0" anchor="ctr"/>
+          <a:lstStyle/>
+          <a:p>
+            <a:pPr algn="ctr"/>
+            <a:endParaRPr lang="ko-KR" altLang="en-US"/>
+          </a:p>
+        </p:txBody>
+      </p:sp>
+      <p:sp>
+        <p:nvSpPr>
+          <p:cNvPr id="45" name="모서리가 둥근 직사각형 44"/>
+          <p:cNvSpPr/>
+          <p:nvPr/>
+        </p:nvSpPr>
+        <p:spPr>
+          <a:xfrm>
+            <a:off x="10191081" y="6074062"/>
+            <a:ext cx="1221498" cy="379543"/>
+          </a:xfrm>
+          <a:prstGeom prst="roundRect">
+            <a:avLst/>
+          </a:prstGeom>
+          <a:solidFill>
+            <a:schemeClr val="bg2">
+              <a:lumMod val="90000"/>
+            </a:schemeClr>
+          </a:solidFill>
+        </p:spPr>
+        <p:style>
+          <a:lnRef idx="2">
+            <a:schemeClr val="accent1">
+              <a:shade val="50000"/>
+            </a:schemeClr>
+          </a:lnRef>
+          <a:fillRef idx="1">
+            <a:schemeClr val="accent1"/>
+          </a:fillRef>
+          <a:effectRef idx="0">
+            <a:schemeClr val="accent1"/>
+          </a:effectRef>
+          <a:fontRef idx="minor">
+            <a:schemeClr val="lt1"/>
+          </a:fontRef>
+        </p:style>
+        <p:txBody>
+          <a:bodyPr rtlCol="0" anchor="ctr"/>
+          <a:lstStyle/>
+          <a:p>
+            <a:pPr algn="ctr"/>
+            <a:endParaRPr lang="ko-KR" altLang="en-US"/>
+          </a:p>
+        </p:txBody>
+      </p:sp>
+      <p:sp>
+        <p:nvSpPr>
+          <p:cNvPr id="50" name="TextBox 49"/>
+          <p:cNvSpPr txBox="1"/>
+          <p:nvPr/>
+        </p:nvSpPr>
+        <p:spPr>
+          <a:xfrm>
+            <a:off x="10150530" y="4352266"/>
+            <a:ext cx="1368831" cy="276999"/>
+          </a:xfrm>
+          <a:prstGeom prst="rect">
+            <a:avLst/>
+          </a:prstGeom>
+          <a:noFill/>
+        </p:spPr>
+        <p:txBody>
+          <a:bodyPr wrap="square" rtlCol="0">
+            <a:spAutoFit/>
+          </a:bodyPr>
+          <a:lstStyle/>
+          <a:p>
+            <a:r>
+              <a:rPr lang="ko-KR" altLang="en-US" sz="1200" b="1" dirty="0" smtClean="0"/>
+              <a:t>장바구니에 추가</a:t>
+            </a:r>
+            <a:endParaRPr lang="ko-KR" altLang="en-US" sz="1200" b="1" dirty="0"/>
+          </a:p>
+        </p:txBody>
+      </p:sp>
+      <p:sp>
+        <p:nvSpPr>
+          <p:cNvPr id="52" name="TextBox 51"/>
+          <p:cNvSpPr txBox="1"/>
+          <p:nvPr/>
+        </p:nvSpPr>
+        <p:spPr>
+          <a:xfrm>
+            <a:off x="10159695" y="6135008"/>
+            <a:ext cx="1368831" cy="276999"/>
+          </a:xfrm>
+          <a:prstGeom prst="rect">
+            <a:avLst/>
+          </a:prstGeom>
+          <a:noFill/>
+        </p:spPr>
+        <p:txBody>
+          <a:bodyPr wrap="square" rtlCol="0">
+            <a:spAutoFit/>
+          </a:bodyPr>
+          <a:lstStyle/>
+          <a:p>
+            <a:r>
+              <a:rPr lang="ko-KR" altLang="en-US" sz="1200" b="1" dirty="0" smtClean="0"/>
+              <a:t>장바구니에 추가</a:t>
+            </a:r>
+            <a:endParaRPr lang="ko-KR" altLang="en-US" sz="1200" b="1" dirty="0"/>
+          </a:p>
+        </p:txBody>
+      </p:sp>
     </p:spTree>
     <p:extLst>
       <p:ext uri="{BB962C8B-B14F-4D97-AF65-F5344CB8AC3E}">
@@ -7875,7 +8099,7 @@
         </p:nvSpPr>
         <p:spPr>
           <a:xfrm>
-            <a:off x="239683" y="1654251"/>
+            <a:off x="231371" y="1739566"/>
             <a:ext cx="11729258" cy="5067559"/>
           </a:xfrm>
           <a:prstGeom prst="rect">
@@ -8081,8 +8305,8 @@
         </p:nvSpPr>
         <p:spPr>
           <a:xfrm>
-            <a:off x="598517" y="3331060"/>
-            <a:ext cx="4813068" cy="1496291"/>
+            <a:off x="572885" y="3330374"/>
+            <a:ext cx="11179231" cy="3410562"/>
           </a:xfrm>
           <a:prstGeom prst="roundRect">
             <a:avLst/>
@@ -8118,550 +8342,100 @@
       </p:sp>
       <p:sp>
         <p:nvSpPr>
-          <p:cNvPr id="35" name="모서리가 둥근 직사각형 34"/>
-          <p:cNvSpPr/>
-          <p:nvPr/>
-        </p:nvSpPr>
-        <p:spPr>
-          <a:xfrm>
-            <a:off x="6702830" y="3331060"/>
-            <a:ext cx="4813068" cy="1496291"/>
-          </a:xfrm>
-          <a:prstGeom prst="roundRect">
-            <a:avLst/>
-          </a:prstGeom>
-          <a:solidFill>
-            <a:schemeClr val="bg1"/>
-          </a:solidFill>
-        </p:spPr>
-        <p:style>
-          <a:lnRef idx="2">
-            <a:schemeClr val="accent1">
-              <a:shade val="50000"/>
-            </a:schemeClr>
-          </a:lnRef>
-          <a:fillRef idx="1">
-            <a:schemeClr val="accent1"/>
-          </a:fillRef>
-          <a:effectRef idx="0">
-            <a:schemeClr val="accent1"/>
-          </a:effectRef>
-          <a:fontRef idx="minor">
-            <a:schemeClr val="lt1"/>
-          </a:fontRef>
-        </p:style>
-        <p:txBody>
-          <a:bodyPr rtlCol="0" anchor="ctr"/>
-          <a:lstStyle/>
-          <a:p>
-            <a:pPr algn="ctr"/>
-            <a:endParaRPr lang="ko-KR" altLang="en-US"/>
-          </a:p>
-        </p:txBody>
-      </p:sp>
-      <p:sp>
-        <p:nvSpPr>
-          <p:cNvPr id="36" name="모서리가 둥근 직사각형 35"/>
-          <p:cNvSpPr/>
-          <p:nvPr/>
-        </p:nvSpPr>
-        <p:spPr>
-          <a:xfrm>
-            <a:off x="6702830" y="5068652"/>
-            <a:ext cx="4813068" cy="1496291"/>
-          </a:xfrm>
-          <a:prstGeom prst="roundRect">
-            <a:avLst/>
-          </a:prstGeom>
-          <a:solidFill>
-            <a:schemeClr val="bg1"/>
-          </a:solidFill>
-        </p:spPr>
-        <p:style>
-          <a:lnRef idx="2">
-            <a:schemeClr val="accent1">
-              <a:shade val="50000"/>
-            </a:schemeClr>
-          </a:lnRef>
-          <a:fillRef idx="1">
-            <a:schemeClr val="accent1"/>
-          </a:fillRef>
-          <a:effectRef idx="0">
-            <a:schemeClr val="accent1"/>
-          </a:effectRef>
-          <a:fontRef idx="minor">
-            <a:schemeClr val="lt1"/>
-          </a:fontRef>
-        </p:style>
-        <p:txBody>
-          <a:bodyPr rtlCol="0" anchor="ctr"/>
-          <a:lstStyle/>
-          <a:p>
-            <a:pPr algn="ctr"/>
-            <a:endParaRPr lang="ko-KR" altLang="en-US"/>
-          </a:p>
-        </p:txBody>
-      </p:sp>
-      <p:sp>
-        <p:nvSpPr>
-          <p:cNvPr id="38" name="모서리가 둥근 직사각형 37"/>
-          <p:cNvSpPr/>
-          <p:nvPr/>
-        </p:nvSpPr>
-        <p:spPr>
-          <a:xfrm>
-            <a:off x="598517" y="5068651"/>
-            <a:ext cx="4813068" cy="1496291"/>
-          </a:xfrm>
-          <a:prstGeom prst="roundRect">
-            <a:avLst/>
-          </a:prstGeom>
-          <a:solidFill>
-            <a:schemeClr val="bg1"/>
-          </a:solidFill>
-        </p:spPr>
-        <p:style>
-          <a:lnRef idx="2">
-            <a:schemeClr val="accent1">
-              <a:shade val="50000"/>
-            </a:schemeClr>
-          </a:lnRef>
-          <a:fillRef idx="1">
-            <a:schemeClr val="accent1"/>
-          </a:fillRef>
-          <a:effectRef idx="0">
-            <a:schemeClr val="accent1"/>
-          </a:effectRef>
-          <a:fontRef idx="minor">
-            <a:schemeClr val="lt1"/>
-          </a:fontRef>
-        </p:style>
-        <p:txBody>
-          <a:bodyPr rtlCol="0" anchor="ctr"/>
-          <a:lstStyle/>
-          <a:p>
-            <a:pPr algn="ctr"/>
-            <a:endParaRPr lang="ko-KR" altLang="en-US"/>
-          </a:p>
-        </p:txBody>
-      </p:sp>
-      <p:sp>
-        <p:nvSpPr>
-          <p:cNvPr id="14" name="모서리가 둥근 직사각형 13"/>
-          <p:cNvSpPr/>
-          <p:nvPr/>
-        </p:nvSpPr>
-        <p:spPr>
-          <a:xfrm>
-            <a:off x="768925" y="3497314"/>
-            <a:ext cx="1216433" cy="1163782"/>
-          </a:xfrm>
-          <a:prstGeom prst="roundRect">
-            <a:avLst/>
-          </a:prstGeom>
-          <a:solidFill>
-            <a:schemeClr val="bg1"/>
-          </a:solidFill>
-        </p:spPr>
-        <p:style>
-          <a:lnRef idx="2">
-            <a:schemeClr val="accent1">
-              <a:shade val="50000"/>
-            </a:schemeClr>
-          </a:lnRef>
-          <a:fillRef idx="1">
-            <a:schemeClr val="accent1"/>
-          </a:fillRef>
-          <a:effectRef idx="0">
-            <a:schemeClr val="accent1"/>
-          </a:effectRef>
-          <a:fontRef idx="minor">
-            <a:schemeClr val="lt1"/>
-          </a:fontRef>
-        </p:style>
-        <p:txBody>
-          <a:bodyPr rtlCol="0" anchor="ctr"/>
-          <a:lstStyle/>
-          <a:p>
-            <a:pPr algn="ctr"/>
-            <a:endParaRPr lang="ko-KR" altLang="en-US"/>
-          </a:p>
-        </p:txBody>
-      </p:sp>
-      <p:sp>
-        <p:nvSpPr>
-          <p:cNvPr id="39" name="모서리가 둥근 직사각형 38"/>
-          <p:cNvSpPr/>
-          <p:nvPr/>
-        </p:nvSpPr>
-        <p:spPr>
-          <a:xfrm>
-            <a:off x="768926" y="5234905"/>
-            <a:ext cx="1216433" cy="1163782"/>
-          </a:xfrm>
-          <a:prstGeom prst="roundRect">
-            <a:avLst/>
-          </a:prstGeom>
-          <a:solidFill>
-            <a:schemeClr val="bg1"/>
-          </a:solidFill>
-        </p:spPr>
-        <p:style>
-          <a:lnRef idx="2">
-            <a:schemeClr val="accent1">
-              <a:shade val="50000"/>
-            </a:schemeClr>
-          </a:lnRef>
-          <a:fillRef idx="1">
-            <a:schemeClr val="accent1"/>
-          </a:fillRef>
-          <a:effectRef idx="0">
-            <a:schemeClr val="accent1"/>
-          </a:effectRef>
-          <a:fontRef idx="minor">
-            <a:schemeClr val="lt1"/>
-          </a:fontRef>
-        </p:style>
-        <p:txBody>
-          <a:bodyPr rtlCol="0" anchor="ctr"/>
-          <a:lstStyle/>
-          <a:p>
-            <a:pPr algn="ctr"/>
-            <a:endParaRPr lang="ko-KR" altLang="en-US"/>
-          </a:p>
-        </p:txBody>
-      </p:sp>
-      <p:sp>
-        <p:nvSpPr>
-          <p:cNvPr id="40" name="모서리가 둥근 직사각형 39"/>
-          <p:cNvSpPr/>
-          <p:nvPr/>
-        </p:nvSpPr>
-        <p:spPr>
-          <a:xfrm>
-            <a:off x="6862155" y="3497314"/>
-            <a:ext cx="1216433" cy="1163782"/>
-          </a:xfrm>
-          <a:prstGeom prst="roundRect">
-            <a:avLst/>
-          </a:prstGeom>
-          <a:solidFill>
-            <a:schemeClr val="bg1"/>
-          </a:solidFill>
-        </p:spPr>
-        <p:style>
-          <a:lnRef idx="2">
-            <a:schemeClr val="accent1">
-              <a:shade val="50000"/>
-            </a:schemeClr>
-          </a:lnRef>
-          <a:fillRef idx="1">
-            <a:schemeClr val="accent1"/>
-          </a:fillRef>
-          <a:effectRef idx="0">
-            <a:schemeClr val="accent1"/>
-          </a:effectRef>
-          <a:fontRef idx="minor">
-            <a:schemeClr val="lt1"/>
-          </a:fontRef>
-        </p:style>
-        <p:txBody>
-          <a:bodyPr rtlCol="0" anchor="ctr"/>
-          <a:lstStyle/>
-          <a:p>
-            <a:pPr algn="ctr"/>
-            <a:endParaRPr lang="ko-KR" altLang="en-US"/>
-          </a:p>
-        </p:txBody>
-      </p:sp>
-      <p:sp>
-        <p:nvSpPr>
-          <p:cNvPr id="41" name="모서리가 둥근 직사각형 40"/>
-          <p:cNvSpPr/>
-          <p:nvPr/>
-        </p:nvSpPr>
-        <p:spPr>
-          <a:xfrm>
-            <a:off x="6862154" y="5248225"/>
-            <a:ext cx="1216433" cy="1163782"/>
-          </a:xfrm>
-          <a:prstGeom prst="roundRect">
-            <a:avLst/>
-          </a:prstGeom>
-          <a:solidFill>
-            <a:schemeClr val="bg1"/>
-          </a:solidFill>
-        </p:spPr>
-        <p:style>
-          <a:lnRef idx="2">
-            <a:schemeClr val="accent1">
-              <a:shade val="50000"/>
-            </a:schemeClr>
-          </a:lnRef>
-          <a:fillRef idx="1">
-            <a:schemeClr val="accent1"/>
-          </a:fillRef>
-          <a:effectRef idx="0">
-            <a:schemeClr val="accent1"/>
-          </a:effectRef>
-          <a:fontRef idx="minor">
-            <a:schemeClr val="lt1"/>
-          </a:fontRef>
-        </p:style>
-        <p:txBody>
-          <a:bodyPr rtlCol="0" anchor="ctr"/>
-          <a:lstStyle/>
-          <a:p>
-            <a:pPr algn="ctr"/>
-            <a:endParaRPr lang="ko-KR" altLang="en-US"/>
-          </a:p>
-        </p:txBody>
-      </p:sp>
-      <p:sp>
-        <p:nvSpPr>
           <p:cNvPr id="44" name="TextBox 43"/>
           <p:cNvSpPr txBox="1"/>
           <p:nvPr/>
         </p:nvSpPr>
         <p:spPr>
           <a:xfrm>
-            <a:off x="2022767" y="3495021"/>
-            <a:ext cx="1632070" cy="338554"/>
-          </a:xfrm>
-          <a:prstGeom prst="rect">
-            <a:avLst/>
-          </a:prstGeom>
-          <a:noFill/>
-        </p:spPr>
-        <p:txBody>
-          <a:bodyPr wrap="square" rtlCol="0">
-            <a:spAutoFit/>
-          </a:bodyPr>
-          <a:lstStyle/>
-          <a:p>
+            <a:off x="908860" y="3542403"/>
+            <a:ext cx="8235140" cy="830997"/>
+          </a:xfrm>
+          <a:prstGeom prst="rect">
+            <a:avLst/>
+          </a:prstGeom>
+          <a:noFill/>
+        </p:spPr>
+        <p:txBody>
+          <a:bodyPr wrap="square" rtlCol="0">
+            <a:spAutoFit/>
+          </a:bodyPr>
+          <a:lstStyle/>
+          <a:p>
+            <a:r>
+              <a:rPr lang="en-US" altLang="ko-KR" sz="1600" b="1" dirty="0" smtClean="0"/>
+              <a:t>100% </a:t>
+            </a:r>
+            <a:r>
+              <a:rPr lang="ko-KR" altLang="en-US" sz="1600" b="1" dirty="0" smtClean="0"/>
+              <a:t>국내산만 사용하는 도미노 피자입니다</a:t>
+            </a:r>
+            <a:r>
+              <a:rPr lang="en-US" altLang="ko-KR" sz="1600" b="1" dirty="0" smtClean="0"/>
+              <a:t>. </a:t>
+            </a:r>
+            <a:r>
+              <a:rPr lang="ko-KR" altLang="en-US" sz="1600" b="1" dirty="0" smtClean="0"/>
+              <a:t>찾아주셔서 감사합니다</a:t>
+            </a:r>
+            <a:r>
+              <a:rPr lang="en-US" altLang="ko-KR" sz="1600" b="1" dirty="0" smtClean="0"/>
+              <a:t>.</a:t>
+            </a:r>
+          </a:p>
+          <a:p>
+            <a:r>
+              <a:rPr lang="en-US" altLang="ko-KR" sz="1600" b="1" dirty="0"/>
+              <a:t>100% </a:t>
+            </a:r>
             <a:r>
               <a:rPr lang="ko-KR" altLang="en-US" sz="1600" b="1" dirty="0"/>
-              <a:t>고구마 피자</a:t>
-            </a:r>
-          </a:p>
-        </p:txBody>
-      </p:sp>
-      <p:sp>
-        <p:nvSpPr>
-          <p:cNvPr id="46" name="TextBox 45"/>
-          <p:cNvSpPr txBox="1"/>
-          <p:nvPr/>
-        </p:nvSpPr>
-        <p:spPr>
-          <a:xfrm>
-            <a:off x="2022767" y="5275276"/>
-            <a:ext cx="1632070" cy="338554"/>
-          </a:xfrm>
-          <a:prstGeom prst="rect">
-            <a:avLst/>
-          </a:prstGeom>
-          <a:noFill/>
-        </p:spPr>
-        <p:txBody>
-          <a:bodyPr wrap="square" rtlCol="0">
-            <a:spAutoFit/>
-          </a:bodyPr>
-          <a:lstStyle/>
-          <a:p>
+              <a:t>국내산만 사용하는 도미노 피자입니다</a:t>
+            </a:r>
+            <a:r>
+              <a:rPr lang="en-US" altLang="ko-KR" sz="1600" b="1" dirty="0"/>
+              <a:t>. </a:t>
+            </a:r>
             <a:r>
               <a:rPr lang="ko-KR" altLang="en-US" sz="1600" b="1" dirty="0"/>
-              <a:t>불고기 피자</a:t>
-            </a:r>
-          </a:p>
-        </p:txBody>
-      </p:sp>
-      <p:sp>
-        <p:nvSpPr>
-          <p:cNvPr id="47" name="TextBox 46"/>
-          <p:cNvSpPr txBox="1"/>
-          <p:nvPr/>
-        </p:nvSpPr>
-        <p:spPr>
-          <a:xfrm>
-            <a:off x="8085514" y="3519421"/>
-            <a:ext cx="1632070" cy="338554"/>
-          </a:xfrm>
-          <a:prstGeom prst="rect">
-            <a:avLst/>
-          </a:prstGeom>
-          <a:noFill/>
-        </p:spPr>
-        <p:txBody>
-          <a:bodyPr wrap="square" rtlCol="0">
-            <a:spAutoFit/>
-          </a:bodyPr>
-          <a:lstStyle/>
-          <a:p>
+              <a:t>찾아주셔서 </a:t>
+            </a:r>
+            <a:r>
+              <a:rPr lang="ko-KR" altLang="en-US" sz="1600" b="1" dirty="0" smtClean="0"/>
+              <a:t>감사합니다</a:t>
+            </a:r>
+            <a:r>
+              <a:rPr lang="en-US" altLang="ko-KR" sz="1600" b="1" dirty="0" smtClean="0"/>
+              <a:t>.</a:t>
+            </a:r>
+            <a:endParaRPr lang="en-US" altLang="ko-KR" sz="1600" b="1" dirty="0" smtClean="0"/>
+          </a:p>
+          <a:p>
+            <a:r>
+              <a:rPr lang="en-US" altLang="ko-KR" sz="1600" b="1" dirty="0"/>
+              <a:t>100% </a:t>
+            </a:r>
             <a:r>
               <a:rPr lang="ko-KR" altLang="en-US" sz="1600" b="1" dirty="0"/>
-              <a:t>치즈 피자</a:t>
-            </a:r>
-          </a:p>
-        </p:txBody>
-      </p:sp>
-      <p:sp>
-        <p:nvSpPr>
-          <p:cNvPr id="48" name="TextBox 47"/>
-          <p:cNvSpPr txBox="1"/>
-          <p:nvPr/>
-        </p:nvSpPr>
-        <p:spPr>
-          <a:xfrm>
-            <a:off x="8085516" y="5275276"/>
-            <a:ext cx="1632070" cy="338554"/>
-          </a:xfrm>
-          <a:prstGeom prst="rect">
-            <a:avLst/>
-          </a:prstGeom>
-          <a:noFill/>
-        </p:spPr>
-        <p:txBody>
-          <a:bodyPr wrap="square" rtlCol="0">
-            <a:spAutoFit/>
-          </a:bodyPr>
-          <a:lstStyle/>
-          <a:p>
+              <a:t>국내산만 사용하는 도미노 피자입니다</a:t>
+            </a:r>
+            <a:r>
+              <a:rPr lang="en-US" altLang="ko-KR" sz="1600" b="1" dirty="0"/>
+              <a:t>. </a:t>
+            </a:r>
             <a:r>
               <a:rPr lang="ko-KR" altLang="en-US" sz="1600" b="1" dirty="0"/>
-              <a:t>새우 피자</a:t>
-            </a:r>
-          </a:p>
-        </p:txBody>
-      </p:sp>
-      <p:sp>
-        <p:nvSpPr>
-          <p:cNvPr id="49" name="TextBox 48"/>
-          <p:cNvSpPr txBox="1"/>
-          <p:nvPr/>
-        </p:nvSpPr>
-        <p:spPr>
-          <a:xfrm>
-            <a:off x="2022767" y="3833575"/>
-            <a:ext cx="2823553" cy="261610"/>
-          </a:xfrm>
-          <a:prstGeom prst="rect">
-            <a:avLst/>
-          </a:prstGeom>
-          <a:noFill/>
-        </p:spPr>
-        <p:txBody>
-          <a:bodyPr wrap="square" rtlCol="0">
-            <a:spAutoFit/>
-          </a:bodyPr>
-          <a:lstStyle/>
-          <a:p>
-            <a:r>
-              <a:rPr lang="en-US" altLang="ko-KR" sz="1100" b="1" dirty="0"/>
-              <a:t>10,000</a:t>
-            </a:r>
-            <a:r>
-              <a:rPr lang="ko-KR" altLang="en-US" sz="1100" b="1" dirty="0"/>
-              <a:t>원</a:t>
-            </a:r>
-          </a:p>
-        </p:txBody>
-      </p:sp>
-      <p:sp>
-        <p:nvSpPr>
-          <p:cNvPr id="51" name="TextBox 50"/>
-          <p:cNvSpPr txBox="1"/>
-          <p:nvPr/>
-        </p:nvSpPr>
-        <p:spPr>
-          <a:xfrm>
-            <a:off x="2022765" y="5613830"/>
-            <a:ext cx="2823553" cy="261610"/>
-          </a:xfrm>
-          <a:prstGeom prst="rect">
-            <a:avLst/>
-          </a:prstGeom>
-          <a:noFill/>
-        </p:spPr>
-        <p:txBody>
-          <a:bodyPr wrap="square" rtlCol="0">
-            <a:spAutoFit/>
-          </a:bodyPr>
-          <a:lstStyle/>
-          <a:p>
-            <a:r>
-              <a:rPr lang="en-US" altLang="ko-KR" sz="1100" b="1" dirty="0"/>
-              <a:t>11,000</a:t>
-            </a:r>
-            <a:r>
-              <a:rPr lang="ko-KR" altLang="en-US" sz="1100" b="1" dirty="0"/>
-              <a:t>원</a:t>
-            </a:r>
-          </a:p>
-        </p:txBody>
-      </p:sp>
-      <p:sp>
-        <p:nvSpPr>
-          <p:cNvPr id="53" name="TextBox 52"/>
-          <p:cNvSpPr txBox="1"/>
-          <p:nvPr/>
-        </p:nvSpPr>
-        <p:spPr>
-          <a:xfrm>
-            <a:off x="8085517" y="3833575"/>
-            <a:ext cx="2823553" cy="261610"/>
-          </a:xfrm>
-          <a:prstGeom prst="rect">
-            <a:avLst/>
-          </a:prstGeom>
-          <a:noFill/>
-        </p:spPr>
-        <p:txBody>
-          <a:bodyPr wrap="square" rtlCol="0">
-            <a:spAutoFit/>
-          </a:bodyPr>
-          <a:lstStyle/>
-          <a:p>
-            <a:r>
-              <a:rPr lang="en-US" altLang="ko-KR" sz="1100" b="1" dirty="0"/>
-              <a:t>3,000</a:t>
-            </a:r>
-            <a:r>
-              <a:rPr lang="ko-KR" altLang="en-US" sz="1100" b="1" dirty="0"/>
-              <a:t>원</a:t>
-            </a:r>
-          </a:p>
-        </p:txBody>
-      </p:sp>
-      <p:sp>
-        <p:nvSpPr>
-          <p:cNvPr id="55" name="TextBox 54"/>
-          <p:cNvSpPr txBox="1"/>
-          <p:nvPr/>
-        </p:nvSpPr>
-        <p:spPr>
-          <a:xfrm>
-            <a:off x="8085515" y="5606642"/>
-            <a:ext cx="2823553" cy="261610"/>
-          </a:xfrm>
-          <a:prstGeom prst="rect">
-            <a:avLst/>
-          </a:prstGeom>
-          <a:noFill/>
-        </p:spPr>
-        <p:txBody>
-          <a:bodyPr wrap="square" rtlCol="0">
-            <a:spAutoFit/>
-          </a:bodyPr>
-          <a:lstStyle/>
-          <a:p>
-            <a:r>
-              <a:rPr lang="en-US" altLang="ko-KR" sz="1100" b="1" dirty="0"/>
-              <a:t>13,000</a:t>
-            </a:r>
-            <a:r>
-              <a:rPr lang="ko-KR" altLang="en-US" sz="1100" b="1" dirty="0"/>
-              <a:t>원</a:t>
-            </a:r>
+              <a:t>찾아주셔서 </a:t>
+            </a:r>
+            <a:r>
+              <a:rPr lang="ko-KR" altLang="en-US" sz="1600" b="1" dirty="0" smtClean="0"/>
+              <a:t>감사합니다</a:t>
+            </a:r>
+            <a:r>
+              <a:rPr lang="en-US" altLang="ko-KR" sz="1600" b="1" dirty="0" smtClean="0"/>
+              <a:t>.</a:t>
+            </a:r>
+            <a:endParaRPr lang="ko-KR" altLang="en-US" sz="1600" b="1" dirty="0"/>
           </a:p>
         </p:txBody>
       </p:sp>
@@ -8914,6 +8688,196 @@
               <a:rPr lang="ko-KR" altLang="en-US" b="1" dirty="0"/>
               <a:t>리뷰</a:t>
             </a:r>
+          </a:p>
+        </p:txBody>
+      </p:sp>
+      <p:cxnSp>
+        <p:nvCxnSpPr>
+          <p:cNvPr id="16" name="직선 연결선 15"/>
+          <p:cNvCxnSpPr/>
+          <p:nvPr/>
+        </p:nvCxnSpPr>
+        <p:spPr>
+          <a:xfrm flipV="1">
+            <a:off x="673331" y="4838007"/>
+            <a:ext cx="11014364" cy="8313"/>
+          </a:xfrm>
+          <a:prstGeom prst="line">
+            <a:avLst/>
+          </a:prstGeom>
+        </p:spPr>
+        <p:style>
+          <a:lnRef idx="1">
+            <a:schemeClr val="accent1"/>
+          </a:lnRef>
+          <a:fillRef idx="0">
+            <a:schemeClr val="accent1"/>
+          </a:fillRef>
+          <a:effectRef idx="0">
+            <a:schemeClr val="accent1"/>
+          </a:effectRef>
+          <a:fontRef idx="minor">
+            <a:schemeClr val="tx1"/>
+          </a:fontRef>
+        </p:style>
+      </p:cxnSp>
+      <p:sp>
+        <p:nvSpPr>
+          <p:cNvPr id="17" name="TextBox 16"/>
+          <p:cNvSpPr txBox="1"/>
+          <p:nvPr/>
+        </p:nvSpPr>
+        <p:spPr>
+          <a:xfrm>
+            <a:off x="846511" y="5076313"/>
+            <a:ext cx="1880063" cy="338554"/>
+          </a:xfrm>
+          <a:prstGeom prst="rect">
+            <a:avLst/>
+          </a:prstGeom>
+          <a:noFill/>
+        </p:spPr>
+        <p:txBody>
+          <a:bodyPr wrap="square" rtlCol="0">
+            <a:spAutoFit/>
+          </a:bodyPr>
+          <a:lstStyle/>
+          <a:p>
+            <a:r>
+              <a:rPr lang="ko-KR" altLang="en-US" sz="1600" b="1" dirty="0" err="1" smtClean="0"/>
+              <a:t>배달팁</a:t>
+            </a:r>
+            <a:r>
+              <a:rPr lang="ko-KR" altLang="en-US" sz="1600" b="1" dirty="0" smtClean="0"/>
+              <a:t> </a:t>
+            </a:r>
+            <a:r>
+              <a:rPr lang="en-US" altLang="ko-KR" sz="1600" b="1" dirty="0" smtClean="0"/>
+              <a:t>: 3,000</a:t>
+            </a:r>
+            <a:r>
+              <a:rPr lang="ko-KR" altLang="en-US" sz="1600" b="1" dirty="0" smtClean="0"/>
+              <a:t>원</a:t>
+            </a:r>
+            <a:endParaRPr lang="ko-KR" altLang="en-US" sz="1600" b="1" dirty="0"/>
+          </a:p>
+        </p:txBody>
+      </p:sp>
+      <p:sp>
+        <p:nvSpPr>
+          <p:cNvPr id="37" name="TextBox 36"/>
+          <p:cNvSpPr txBox="1"/>
+          <p:nvPr/>
+        </p:nvSpPr>
+        <p:spPr>
+          <a:xfrm>
+            <a:off x="846510" y="5507412"/>
+            <a:ext cx="2902530" cy="338554"/>
+          </a:xfrm>
+          <a:prstGeom prst="rect">
+            <a:avLst/>
+          </a:prstGeom>
+          <a:noFill/>
+        </p:spPr>
+        <p:txBody>
+          <a:bodyPr wrap="square" rtlCol="0">
+            <a:spAutoFit/>
+          </a:bodyPr>
+          <a:lstStyle/>
+          <a:p>
+            <a:r>
+              <a:rPr lang="ko-KR" altLang="en-US" sz="1600" b="1" dirty="0" smtClean="0"/>
+              <a:t>최소주문금액 </a:t>
+            </a:r>
+            <a:r>
+              <a:rPr lang="en-US" altLang="ko-KR" sz="1600" b="1" dirty="0" smtClean="0"/>
+              <a:t>: 3,000</a:t>
+            </a:r>
+            <a:r>
+              <a:rPr lang="ko-KR" altLang="en-US" sz="1600" b="1" dirty="0" smtClean="0"/>
+              <a:t>원</a:t>
+            </a:r>
+            <a:endParaRPr lang="ko-KR" altLang="en-US" sz="1600" b="1" dirty="0"/>
+          </a:p>
+        </p:txBody>
+      </p:sp>
+      <p:sp>
+        <p:nvSpPr>
+          <p:cNvPr id="42" name="TextBox 41"/>
+          <p:cNvSpPr txBox="1"/>
+          <p:nvPr/>
+        </p:nvSpPr>
+        <p:spPr>
+          <a:xfrm>
+            <a:off x="7909561" y="5455074"/>
+            <a:ext cx="2902530" cy="338554"/>
+          </a:xfrm>
+          <a:prstGeom prst="rect">
+            <a:avLst/>
+          </a:prstGeom>
+          <a:noFill/>
+        </p:spPr>
+        <p:txBody>
+          <a:bodyPr wrap="square" rtlCol="0">
+            <a:spAutoFit/>
+          </a:bodyPr>
+          <a:lstStyle/>
+          <a:p>
+            <a:r>
+              <a:rPr lang="ko-KR" altLang="en-US" sz="1600" b="1" dirty="0" err="1" smtClean="0"/>
+              <a:t>배달시간</a:t>
+            </a:r>
+            <a:r>
+              <a:rPr lang="ko-KR" altLang="en-US" sz="1600" b="1" dirty="0" smtClean="0"/>
+              <a:t> </a:t>
+            </a:r>
+            <a:r>
+              <a:rPr lang="en-US" altLang="ko-KR" sz="1600" b="1" dirty="0" smtClean="0"/>
+              <a:t>: 30</a:t>
+            </a:r>
+            <a:r>
+              <a:rPr lang="ko-KR" altLang="en-US" sz="1600" b="1" dirty="0" smtClean="0"/>
+              <a:t>분</a:t>
+            </a:r>
+            <a:endParaRPr lang="ko-KR" altLang="en-US" sz="1600" b="1" dirty="0"/>
+          </a:p>
+        </p:txBody>
+      </p:sp>
+      <p:sp>
+        <p:nvSpPr>
+          <p:cNvPr id="43" name="TextBox 42"/>
+          <p:cNvSpPr txBox="1"/>
+          <p:nvPr/>
+        </p:nvSpPr>
+        <p:spPr>
+          <a:xfrm>
+            <a:off x="7909561" y="5076313"/>
+            <a:ext cx="3452551" cy="338554"/>
+          </a:xfrm>
+          <a:prstGeom prst="rect">
+            <a:avLst/>
+          </a:prstGeom>
+          <a:noFill/>
+        </p:spPr>
+        <p:txBody>
+          <a:bodyPr wrap="square" rtlCol="0">
+            <a:spAutoFit/>
+          </a:bodyPr>
+          <a:lstStyle/>
+          <a:p>
+            <a:r>
+              <a:rPr lang="ko-KR" altLang="en-US" sz="1600" b="1" dirty="0" smtClean="0"/>
+              <a:t>매장 전화번호 </a:t>
+            </a:r>
+            <a:r>
+              <a:rPr lang="en-US" altLang="ko-KR" sz="1600" b="1" dirty="0"/>
+              <a:t>:</a:t>
+            </a:r>
+            <a:r>
+              <a:rPr lang="en-US" altLang="ko-KR" sz="1600" b="1" dirty="0" smtClean="0"/>
+              <a:t> 010 – 1234 - 5678 </a:t>
+            </a:r>
+            <a:endParaRPr lang="ko-KR" altLang="en-US" sz="1600" b="1" dirty="0"/>
           </a:p>
         </p:txBody>
       </p:sp>
@@ -10825,11 +10789,7 @@
           <a:p>
             <a:r>
               <a:rPr lang="ko-KR" altLang="en-US" b="1" dirty="0" smtClean="0"/>
-              <a:t>만료</a:t>
-            </a:r>
-            <a:r>
-              <a:rPr lang="ko-KR" altLang="en-US" b="1" dirty="0" smtClean="0"/>
-              <a:t>일</a:t>
+              <a:t>만료일</a:t>
             </a:r>
             <a:endParaRPr lang="ko-KR" altLang="en-US" b="1" dirty="0"/>
           </a:p>
@@ -11366,11 +11326,7 @@
           <a:p>
             <a:r>
               <a:rPr lang="en-US" altLang="ko-KR" b="1" dirty="0" smtClean="0"/>
-              <a:t>10,</a:t>
-            </a:r>
-            <a:r>
-              <a:rPr lang="en-US" altLang="ko-KR" b="1" dirty="0" smtClean="0"/>
-              <a:t>000</a:t>
+              <a:t>10,000</a:t>
             </a:r>
             <a:r>
               <a:rPr lang="ko-KR" altLang="en-US" b="1" dirty="0" smtClean="0"/>
@@ -13511,7 +13467,6 @@
               <a:rPr lang="ko-KR" altLang="en-US" dirty="0"/>
               <a:t>기</a:t>
             </a:r>
-            <a:endParaRPr lang="ko-KR" altLang="en-US" dirty="0"/>
           </a:p>
         </p:txBody>
       </p:sp>
@@ -15158,11 +15113,7 @@
           <a:p>
             <a:r>
               <a:rPr lang="ko-KR" altLang="en-US" b="1" dirty="0" smtClean="0"/>
-              <a:t>주문하신  </a:t>
-            </a:r>
-            <a:r>
-              <a:rPr lang="ko-KR" altLang="en-US" b="1" dirty="0" smtClean="0"/>
-              <a:t>메뉴</a:t>
+              <a:t>주문하신  메뉴</a:t>
             </a:r>
             <a:endParaRPr lang="ko-KR" altLang="en-US" b="1" dirty="0"/>
           </a:p>
@@ -16471,11 +16422,7 @@
           <a:p>
             <a:r>
               <a:rPr lang="en-US" altLang="ko-KR" b="1" dirty="0" smtClean="0"/>
-              <a:t>10,</a:t>
-            </a:r>
-            <a:r>
-              <a:rPr lang="en-US" altLang="ko-KR" b="1" dirty="0" smtClean="0"/>
-              <a:t>000</a:t>
+              <a:t>10,000</a:t>
             </a:r>
             <a:r>
               <a:rPr lang="ko-KR" altLang="en-US" b="1" dirty="0" smtClean="0"/>
@@ -16639,74 +16586,6 @@
     <p:extLst>
       <p:ext uri="{BB962C8B-B14F-4D97-AF65-F5344CB8AC3E}">
         <p14:creationId xmlns:p14="http://schemas.microsoft.com/office/powerpoint/2010/main" val="296269224"/>
-      </p:ext>
-    </p:extLst>
-  </p:cSld>
-  <p:clrMapOvr>
-    <a:masterClrMapping/>
-  </p:clrMapOvr>
-</p:sld>
-</file>
-
-<file path=ppt/slides/slide23.xml><?xml version="1.0" encoding="utf-8"?>
-<p:sld xmlns:a="http://schemas.openxmlformats.org/drawingml/2006/main" xmlns:r="http://schemas.openxmlformats.org/officeDocument/2006/relationships" xmlns:p="http://schemas.openxmlformats.org/presentationml/2006/main">
-  <p:cSld>
-    <p:spTree>
-      <p:nvGrpSpPr>
-        <p:cNvPr id="1" name=""/>
-        <p:cNvGrpSpPr/>
-        <p:nvPr/>
-      </p:nvGrpSpPr>
-      <p:grpSpPr>
-        <a:xfrm>
-          <a:off x="0" y="0"/>
-          <a:ext cx="0" cy="0"/>
-          <a:chOff x="0" y="0"/>
-          <a:chExt cx="0" cy="0"/>
-        </a:xfrm>
-      </p:grpSpPr>
-      <p:sp>
-        <p:nvSpPr>
-          <p:cNvPr id="2" name="제목 1"/>
-          <p:cNvSpPr>
-            <a:spLocks noGrp="1"/>
-          </p:cNvSpPr>
-          <p:nvPr>
-            <p:ph type="title"/>
-          </p:nvPr>
-        </p:nvSpPr>
-        <p:spPr/>
-        <p:txBody>
-          <a:bodyPr/>
-          <a:lstStyle/>
-          <a:p>
-            <a:endParaRPr lang="ko-KR" altLang="en-US"/>
-          </a:p>
-        </p:txBody>
-      </p:sp>
-      <p:sp>
-        <p:nvSpPr>
-          <p:cNvPr id="3" name="내용 개체 틀 2"/>
-          <p:cNvSpPr>
-            <a:spLocks noGrp="1"/>
-          </p:cNvSpPr>
-          <p:nvPr>
-            <p:ph idx="1"/>
-          </p:nvPr>
-        </p:nvSpPr>
-        <p:spPr/>
-        <p:txBody>
-          <a:bodyPr/>
-          <a:lstStyle/>
-          <a:p>
-            <a:endParaRPr lang="ko-KR" altLang="en-US" dirty="0"/>
-          </a:p>
-        </p:txBody>
-      </p:sp>
-    </p:spTree>
-    <p:extLst>
-      <p:ext uri="{BB962C8B-B14F-4D97-AF65-F5344CB8AC3E}">
-        <p14:creationId xmlns:p14="http://schemas.microsoft.com/office/powerpoint/2010/main" val="2148206755"/>
       </p:ext>
     </p:extLst>
   </p:cSld>
@@ -18320,11 +18199,7 @@
           <a:p>
             <a:r>
               <a:rPr lang="ko-KR" altLang="en-US" sz="1200" dirty="0" smtClean="0"/>
-              <a:t>회원가입</a:t>
-            </a:r>
-            <a:r>
-              <a:rPr lang="ko-KR" altLang="en-US" sz="1200" dirty="0" smtClean="0"/>
-              <a:t> </a:t>
+              <a:t>회원가입 </a:t>
             </a:r>
             <a:r>
               <a:rPr lang="ko-KR" altLang="en-US" sz="1200" dirty="0"/>
@@ -18818,11 +18693,7 @@
           <a:p>
             <a:r>
               <a:rPr lang="ko-KR" altLang="en-US" sz="1400" dirty="0" smtClean="0"/>
-              <a:t>회원가입</a:t>
-            </a:r>
-            <a:r>
-              <a:rPr lang="ko-KR" altLang="en-US" sz="1400" dirty="0" smtClean="0"/>
-              <a:t> </a:t>
+              <a:t>회원가입 </a:t>
             </a:r>
             <a:r>
               <a:rPr lang="en-US" altLang="ko-KR" sz="1400" dirty="0"/>
@@ -21710,11 +21581,7 @@
           <a:p>
             <a:r>
               <a:rPr lang="ko-KR" altLang="en-US" sz="1100" dirty="0" smtClean="0"/>
-              <a:t>주문</a:t>
-            </a:r>
-            <a:r>
-              <a:rPr lang="ko-KR" altLang="en-US" sz="1100" dirty="0" smtClean="0"/>
-              <a:t> 정보 제공</a:t>
+              <a:t>주문 정보 제공</a:t>
             </a:r>
             <a:endParaRPr lang="ko-KR" altLang="en-US" sz="1100" dirty="0"/>
           </a:p>
@@ -22059,11 +21926,7 @@
             </a:r>
             <a:r>
               <a:rPr lang="ko-KR" altLang="en-US" sz="2800" b="1" dirty="0" smtClean="0"/>
-              <a:t>장바구니 </a:t>
-            </a:r>
-            <a:r>
-              <a:rPr lang="ko-KR" altLang="en-US" sz="2800" b="1" dirty="0" smtClean="0"/>
-              <a:t>등</a:t>
+              <a:t>장바구니 등</a:t>
             </a:r>
             <a:r>
               <a:rPr lang="en-US" altLang="ko-KR" sz="2800" b="1" dirty="0"/>

--- a/202131205_김승진_실무게임프로그래밍_기획서.pptx
+++ b/202131205_김승진_실무게임프로그래밍_기획서.pptx
@@ -27,6 +27,7 @@
     <p:sldId id="275" r:id="rId21"/>
     <p:sldId id="282" r:id="rId22"/>
     <p:sldId id="283" r:id="rId23"/>
+    <p:sldId id="284" r:id="rId24"/>
   </p:sldIdLst>
   <p:sldSz cx="12192000" cy="6858000"/>
   <p:notesSz cx="6858000" cy="9144000"/>
@@ -8408,7 +8409,6 @@
               <a:rPr lang="en-US" altLang="ko-KR" sz="1600" b="1" dirty="0" smtClean="0"/>
               <a:t>.</a:t>
             </a:r>
-            <a:endParaRPr lang="en-US" altLang="ko-KR" sz="1600" b="1" dirty="0" smtClean="0"/>
           </a:p>
           <a:p>
             <a:r>
@@ -16586,6 +16586,120 @@
     <p:extLst>
       <p:ext uri="{BB962C8B-B14F-4D97-AF65-F5344CB8AC3E}">
         <p14:creationId xmlns:p14="http://schemas.microsoft.com/office/powerpoint/2010/main" val="296269224"/>
+      </p:ext>
+    </p:extLst>
+  </p:cSld>
+  <p:clrMapOvr>
+    <a:masterClrMapping/>
+  </p:clrMapOvr>
+</p:sld>
+</file>
+
+<file path=ppt/slides/slide23.xml><?xml version="1.0" encoding="utf-8"?>
+<p:sld xmlns:a="http://schemas.openxmlformats.org/drawingml/2006/main" xmlns:r="http://schemas.openxmlformats.org/officeDocument/2006/relationships" xmlns:p="http://schemas.openxmlformats.org/presentationml/2006/main">
+  <p:cSld>
+    <p:spTree>
+      <p:nvGrpSpPr>
+        <p:cNvPr id="1" name=""/>
+        <p:cNvGrpSpPr/>
+        <p:nvPr/>
+      </p:nvGrpSpPr>
+      <p:grpSpPr>
+        <a:xfrm>
+          <a:off x="0" y="0"/>
+          <a:ext cx="0" cy="0"/>
+          <a:chOff x="0" y="0"/>
+          <a:chExt cx="0" cy="0"/>
+        </a:xfrm>
+      </p:grpSpPr>
+      <p:sp>
+        <p:nvSpPr>
+          <p:cNvPr id="2" name="제목 1"/>
+          <p:cNvSpPr>
+            <a:spLocks noGrp="1"/>
+          </p:cNvSpPr>
+          <p:nvPr>
+            <p:ph type="title"/>
+          </p:nvPr>
+        </p:nvSpPr>
+        <p:spPr/>
+        <p:txBody>
+          <a:bodyPr/>
+          <a:lstStyle/>
+          <a:p>
+            <a:r>
+              <a:rPr lang="ko-KR" altLang="en-US" dirty="0" smtClean="0"/>
+              <a:t>비고</a:t>
+            </a:r>
+            <a:endParaRPr lang="ko-KR" altLang="en-US" dirty="0"/>
+          </a:p>
+        </p:txBody>
+      </p:sp>
+      <p:sp>
+        <p:nvSpPr>
+          <p:cNvPr id="3" name="내용 개체 틀 2"/>
+          <p:cNvSpPr>
+            <a:spLocks noGrp="1"/>
+          </p:cNvSpPr>
+          <p:nvPr>
+            <p:ph idx="1"/>
+          </p:nvPr>
+        </p:nvSpPr>
+        <p:spPr/>
+        <p:txBody>
+          <a:bodyPr/>
+          <a:lstStyle/>
+          <a:p>
+            <a:r>
+              <a:rPr lang="ko-KR" altLang="en-US" dirty="0" smtClean="0"/>
+              <a:t>해당 기획서는 개발 일정에 맞춰 추가 및 수정될 예정입니다</a:t>
+            </a:r>
+            <a:r>
+              <a:rPr lang="en-US" altLang="ko-KR" dirty="0" smtClean="0"/>
+              <a:t>.</a:t>
+            </a:r>
+          </a:p>
+          <a:p>
+            <a:r>
+              <a:rPr lang="ko-KR" altLang="en-US" dirty="0" smtClean="0"/>
+              <a:t>업데이트된 기획서 및 코드</a:t>
+            </a:r>
+            <a:r>
+              <a:rPr lang="en-US" altLang="ko-KR" dirty="0" smtClean="0"/>
+              <a:t>, DB </a:t>
+            </a:r>
+            <a:r>
+              <a:rPr lang="ko-KR" altLang="en-US" dirty="0" smtClean="0"/>
+              <a:t>테이블 생성 쿼리 등은 </a:t>
+            </a:r>
+            <a:r>
+              <a:rPr lang="ko-KR" altLang="en-US" dirty="0" err="1" smtClean="0"/>
+              <a:t>깃허브에서</a:t>
+            </a:r>
+            <a:r>
+              <a:rPr lang="ko-KR" altLang="en-US" dirty="0" smtClean="0"/>
+              <a:t> 확인하실 수 있습니다</a:t>
+            </a:r>
+            <a:r>
+              <a:rPr lang="en-US" altLang="ko-KR" dirty="0" smtClean="0"/>
+              <a:t>.</a:t>
+            </a:r>
+          </a:p>
+          <a:p>
+            <a:r>
+              <a:rPr lang="en-US" altLang="ko-KR" dirty="0">
+                <a:hlinkClick r:id="rId2"/>
+              </a:rPr>
+              <a:t>https://github.com/Camelllia/BaeminApplication</a:t>
+            </a:r>
+            <a:endParaRPr lang="ko-KR" altLang="en-US" dirty="0"/>
+          </a:p>
+        </p:txBody>
+      </p:sp>
+    </p:spTree>
+    <p:extLst>
+      <p:ext uri="{BB962C8B-B14F-4D97-AF65-F5344CB8AC3E}">
+        <p14:creationId xmlns:p14="http://schemas.microsoft.com/office/powerpoint/2010/main" val="1612792825"/>
       </p:ext>
     </p:extLst>
   </p:cSld>

--- a/202131205_김승진_실무게임프로그래밍_기획서.pptx
+++ b/202131205_김승진_실무게임프로그래밍_기획서.pptx
@@ -21,8 +21,8 @@
     <p:sldId id="271" r:id="rId15"/>
     <p:sldId id="278" r:id="rId16"/>
     <p:sldId id="277" r:id="rId17"/>
-    <p:sldId id="281" r:id="rId18"/>
-    <p:sldId id="280" r:id="rId19"/>
+    <p:sldId id="286" r:id="rId18"/>
+    <p:sldId id="281" r:id="rId19"/>
     <p:sldId id="272" r:id="rId20"/>
     <p:sldId id="275" r:id="rId21"/>
     <p:sldId id="282" r:id="rId22"/>
@@ -263,7 +263,7 @@
           <a:p>
             <a:fld id="{16DB16CA-D4AF-495C-A36B-A16844DE5D9E}" type="datetimeFigureOut">
               <a:rPr lang="ko-KR" altLang="en-US" smtClean="0"/>
-              <a:t>2022-09-23</a:t>
+              <a:t>2022-09-28</a:t>
             </a:fld>
             <a:endParaRPr lang="ko-KR" altLang="en-US"/>
           </a:p>
@@ -431,7 +431,7 @@
           <a:p>
             <a:fld id="{16DB16CA-D4AF-495C-A36B-A16844DE5D9E}" type="datetimeFigureOut">
               <a:rPr lang="ko-KR" altLang="en-US" smtClean="0"/>
-              <a:t>2022-09-23</a:t>
+              <a:t>2022-09-28</a:t>
             </a:fld>
             <a:endParaRPr lang="ko-KR" altLang="en-US"/>
           </a:p>
@@ -609,7 +609,7 @@
           <a:p>
             <a:fld id="{16DB16CA-D4AF-495C-A36B-A16844DE5D9E}" type="datetimeFigureOut">
               <a:rPr lang="ko-KR" altLang="en-US" smtClean="0"/>
-              <a:t>2022-09-23</a:t>
+              <a:t>2022-09-28</a:t>
             </a:fld>
             <a:endParaRPr lang="ko-KR" altLang="en-US"/>
           </a:p>
@@ -777,7 +777,7 @@
           <a:p>
             <a:fld id="{16DB16CA-D4AF-495C-A36B-A16844DE5D9E}" type="datetimeFigureOut">
               <a:rPr lang="ko-KR" altLang="en-US" smtClean="0"/>
-              <a:t>2022-09-23</a:t>
+              <a:t>2022-09-28</a:t>
             </a:fld>
             <a:endParaRPr lang="ko-KR" altLang="en-US"/>
           </a:p>
@@ -1022,7 +1022,7 @@
           <a:p>
             <a:fld id="{16DB16CA-D4AF-495C-A36B-A16844DE5D9E}" type="datetimeFigureOut">
               <a:rPr lang="ko-KR" altLang="en-US" smtClean="0"/>
-              <a:t>2022-09-23</a:t>
+              <a:t>2022-09-28</a:t>
             </a:fld>
             <a:endParaRPr lang="ko-KR" altLang="en-US"/>
           </a:p>
@@ -1251,7 +1251,7 @@
           <a:p>
             <a:fld id="{16DB16CA-D4AF-495C-A36B-A16844DE5D9E}" type="datetimeFigureOut">
               <a:rPr lang="ko-KR" altLang="en-US" smtClean="0"/>
-              <a:t>2022-09-23</a:t>
+              <a:t>2022-09-28</a:t>
             </a:fld>
             <a:endParaRPr lang="ko-KR" altLang="en-US"/>
           </a:p>
@@ -1615,7 +1615,7 @@
           <a:p>
             <a:fld id="{16DB16CA-D4AF-495C-A36B-A16844DE5D9E}" type="datetimeFigureOut">
               <a:rPr lang="ko-KR" altLang="en-US" smtClean="0"/>
-              <a:t>2022-09-23</a:t>
+              <a:t>2022-09-28</a:t>
             </a:fld>
             <a:endParaRPr lang="ko-KR" altLang="en-US"/>
           </a:p>
@@ -1732,7 +1732,7 @@
           <a:p>
             <a:fld id="{16DB16CA-D4AF-495C-A36B-A16844DE5D9E}" type="datetimeFigureOut">
               <a:rPr lang="ko-KR" altLang="en-US" smtClean="0"/>
-              <a:t>2022-09-23</a:t>
+              <a:t>2022-09-28</a:t>
             </a:fld>
             <a:endParaRPr lang="ko-KR" altLang="en-US"/>
           </a:p>
@@ -1827,7 +1827,7 @@
           <a:p>
             <a:fld id="{16DB16CA-D4AF-495C-A36B-A16844DE5D9E}" type="datetimeFigureOut">
               <a:rPr lang="ko-KR" altLang="en-US" smtClean="0"/>
-              <a:t>2022-09-23</a:t>
+              <a:t>2022-09-28</a:t>
             </a:fld>
             <a:endParaRPr lang="ko-KR" altLang="en-US"/>
           </a:p>
@@ -2102,7 +2102,7 @@
           <a:p>
             <a:fld id="{16DB16CA-D4AF-495C-A36B-A16844DE5D9E}" type="datetimeFigureOut">
               <a:rPr lang="ko-KR" altLang="en-US" smtClean="0"/>
-              <a:t>2022-09-23</a:t>
+              <a:t>2022-09-28</a:t>
             </a:fld>
             <a:endParaRPr lang="ko-KR" altLang="en-US"/>
           </a:p>
@@ -2354,7 +2354,7 @@
           <a:p>
             <a:fld id="{16DB16CA-D4AF-495C-A36B-A16844DE5D9E}" type="datetimeFigureOut">
               <a:rPr lang="ko-KR" altLang="en-US" smtClean="0"/>
-              <a:t>2022-09-23</a:t>
+              <a:t>2022-09-28</a:t>
             </a:fld>
             <a:endParaRPr lang="ko-KR" altLang="en-US"/>
           </a:p>
@@ -2565,7 +2565,7 @@
           <a:p>
             <a:fld id="{16DB16CA-D4AF-495C-A36B-A16844DE5D9E}" type="datetimeFigureOut">
               <a:rPr lang="ko-KR" altLang="en-US" smtClean="0"/>
-              <a:t>2022-09-23</a:t>
+              <a:t>2022-09-28</a:t>
             </a:fld>
             <a:endParaRPr lang="ko-KR" altLang="en-US"/>
           </a:p>
@@ -10506,11 +10506,11 @@
           <a:p>
             <a:r>
               <a:rPr lang="en-US" altLang="ko-KR" dirty="0"/>
-              <a:t>LAYOUT – </a:t>
+              <a:t>LAYOUT - </a:t>
             </a:r>
             <a:r>
               <a:rPr lang="ko-KR" altLang="en-US" dirty="0" err="1" smtClean="0"/>
-              <a:t>쿠폰함</a:t>
+              <a:t>리뷰작성</a:t>
             </a:r>
             <a:endParaRPr lang="ko-KR" altLang="en-US" dirty="0"/>
           </a:p>
@@ -10518,14 +10518,14 @@
       </p:sp>
       <p:sp>
         <p:nvSpPr>
-          <p:cNvPr id="5" name="직사각형 4"/>
+          <p:cNvPr id="7" name="직사각형 6"/>
           <p:cNvSpPr/>
           <p:nvPr/>
         </p:nvSpPr>
         <p:spPr>
           <a:xfrm>
-            <a:off x="430875" y="1798754"/>
-            <a:ext cx="11346873" cy="653501"/>
+            <a:off x="148242" y="1612669"/>
+            <a:ext cx="11880274" cy="5149476"/>
           </a:xfrm>
           <a:prstGeom prst="rect">
             <a:avLst/>
@@ -10561,46 +10561,16 @@
       </p:sp>
       <p:sp>
         <p:nvSpPr>
-          <p:cNvPr id="26" name="TextBox 25"/>
-          <p:cNvSpPr txBox="1"/>
-          <p:nvPr/>
-        </p:nvSpPr>
-        <p:spPr>
-          <a:xfrm>
-            <a:off x="5500257" y="1940838"/>
-            <a:ext cx="1208107" cy="369332"/>
-          </a:xfrm>
-          <a:prstGeom prst="rect">
-            <a:avLst/>
-          </a:prstGeom>
-          <a:noFill/>
-        </p:spPr>
-        <p:txBody>
-          <a:bodyPr wrap="square" rtlCol="0">
-            <a:spAutoFit/>
-          </a:bodyPr>
-          <a:lstStyle/>
-          <a:p>
-            <a:r>
-              <a:rPr lang="ko-KR" altLang="en-US" b="1" smtClean="0"/>
-              <a:t>쿠폰함</a:t>
-            </a:r>
-            <a:endParaRPr lang="ko-KR" altLang="en-US" b="1" dirty="0"/>
-          </a:p>
-        </p:txBody>
-      </p:sp>
-      <p:sp>
-        <p:nvSpPr>
-          <p:cNvPr id="3" name="모서리가 둥근 직사각형 2"/>
+          <p:cNvPr id="3" name="직사각형 2"/>
           <p:cNvSpPr/>
           <p:nvPr/>
         </p:nvSpPr>
         <p:spPr>
           <a:xfrm>
-            <a:off x="430875" y="2701636"/>
-            <a:ext cx="11414761" cy="4048299"/>
-          </a:xfrm>
-          <a:prstGeom prst="roundRect">
+            <a:off x="3564774" y="3391931"/>
+            <a:ext cx="4089862" cy="462700"/>
+          </a:xfrm>
+          <a:prstGeom prst="rect">
             <a:avLst/>
           </a:prstGeom>
           <a:solidFill>
@@ -10634,16 +10604,16 @@
       </p:sp>
       <p:sp>
         <p:nvSpPr>
-          <p:cNvPr id="4" name="모서리가 둥근 직사각형 3"/>
+          <p:cNvPr id="13" name="직사각형 12"/>
           <p:cNvSpPr/>
           <p:nvPr/>
         </p:nvSpPr>
         <p:spPr>
           <a:xfrm>
-            <a:off x="809103" y="2971483"/>
-            <a:ext cx="10658303" cy="781397"/>
-          </a:xfrm>
-          <a:prstGeom prst="roundRect">
+            <a:off x="3564774" y="3882826"/>
+            <a:ext cx="4089862" cy="428322"/>
+          </a:xfrm>
+          <a:prstGeom prst="rect">
             <a:avLst/>
           </a:prstGeom>
           <a:solidFill>
@@ -10677,290 +10647,20 @@
       </p:sp>
       <p:sp>
         <p:nvSpPr>
-          <p:cNvPr id="37" name="TextBox 36"/>
-          <p:cNvSpPr txBox="1"/>
-          <p:nvPr/>
-        </p:nvSpPr>
-        <p:spPr>
-          <a:xfrm>
-            <a:off x="1234453" y="3185092"/>
-            <a:ext cx="922703" cy="369332"/>
-          </a:xfrm>
-          <a:prstGeom prst="rect">
-            <a:avLst/>
-          </a:prstGeom>
-          <a:noFill/>
-        </p:spPr>
-        <p:txBody>
-          <a:bodyPr wrap="square" rtlCol="0">
-            <a:spAutoFit/>
-          </a:bodyPr>
-          <a:lstStyle/>
-          <a:p>
-            <a:r>
-              <a:rPr lang="en-US" altLang="ko-KR" b="1" dirty="0" smtClean="0"/>
-              <a:t>No</a:t>
-            </a:r>
-            <a:endParaRPr lang="ko-KR" altLang="en-US" b="1" dirty="0"/>
-          </a:p>
-        </p:txBody>
-      </p:sp>
-      <p:sp>
-        <p:nvSpPr>
-          <p:cNvPr id="42" name="TextBox 41"/>
-          <p:cNvSpPr txBox="1"/>
-          <p:nvPr/>
-        </p:nvSpPr>
-        <p:spPr>
-          <a:xfrm>
-            <a:off x="2937166" y="3179467"/>
-            <a:ext cx="922703" cy="369332"/>
-          </a:xfrm>
-          <a:prstGeom prst="rect">
-            <a:avLst/>
-          </a:prstGeom>
-          <a:noFill/>
-        </p:spPr>
-        <p:txBody>
-          <a:bodyPr wrap="square" rtlCol="0">
-            <a:spAutoFit/>
-          </a:bodyPr>
-          <a:lstStyle/>
-          <a:p>
-            <a:r>
-              <a:rPr lang="ko-KR" altLang="en-US" b="1" dirty="0" err="1" smtClean="0"/>
-              <a:t>쿠폰명</a:t>
-            </a:r>
-            <a:endParaRPr lang="ko-KR" altLang="en-US" b="1" dirty="0"/>
-          </a:p>
-        </p:txBody>
-      </p:sp>
-      <p:sp>
-        <p:nvSpPr>
-          <p:cNvPr id="43" name="TextBox 42"/>
-          <p:cNvSpPr txBox="1"/>
-          <p:nvPr/>
-        </p:nvSpPr>
-        <p:spPr>
-          <a:xfrm>
-            <a:off x="5173297" y="3183674"/>
-            <a:ext cx="1144376" cy="369332"/>
-          </a:xfrm>
-          <a:prstGeom prst="rect">
-            <a:avLst/>
-          </a:prstGeom>
-          <a:noFill/>
-        </p:spPr>
-        <p:txBody>
-          <a:bodyPr wrap="square" rtlCol="0">
-            <a:spAutoFit/>
-          </a:bodyPr>
-          <a:lstStyle/>
-          <a:p>
-            <a:r>
-              <a:rPr lang="ko-KR" altLang="en-US" b="1" dirty="0" err="1" smtClean="0"/>
-              <a:t>할인금액</a:t>
-            </a:r>
-            <a:endParaRPr lang="ko-KR" altLang="en-US" b="1" dirty="0"/>
-          </a:p>
-        </p:txBody>
-      </p:sp>
-      <p:sp>
-        <p:nvSpPr>
-          <p:cNvPr id="45" name="TextBox 44"/>
-          <p:cNvSpPr txBox="1"/>
-          <p:nvPr/>
-        </p:nvSpPr>
-        <p:spPr>
-          <a:xfrm>
-            <a:off x="9723129" y="3183674"/>
-            <a:ext cx="1144376" cy="369332"/>
-          </a:xfrm>
-          <a:prstGeom prst="rect">
-            <a:avLst/>
-          </a:prstGeom>
-          <a:noFill/>
-        </p:spPr>
-        <p:txBody>
-          <a:bodyPr wrap="square" rtlCol="0">
-            <a:spAutoFit/>
-          </a:bodyPr>
-          <a:lstStyle/>
-          <a:p>
-            <a:r>
-              <a:rPr lang="ko-KR" altLang="en-US" b="1" dirty="0" smtClean="0"/>
-              <a:t>만료일</a:t>
-            </a:r>
-            <a:endParaRPr lang="ko-KR" altLang="en-US" b="1" dirty="0"/>
-          </a:p>
-        </p:txBody>
-      </p:sp>
-      <p:sp>
-        <p:nvSpPr>
-          <p:cNvPr id="57" name="TextBox 56"/>
-          <p:cNvSpPr txBox="1"/>
-          <p:nvPr/>
-        </p:nvSpPr>
-        <p:spPr>
-          <a:xfrm>
-            <a:off x="7444050" y="3171255"/>
-            <a:ext cx="1144376" cy="369332"/>
-          </a:xfrm>
-          <a:prstGeom prst="rect">
-            <a:avLst/>
-          </a:prstGeom>
-          <a:noFill/>
-        </p:spPr>
-        <p:txBody>
-          <a:bodyPr wrap="square" rtlCol="0">
-            <a:spAutoFit/>
-          </a:bodyPr>
-          <a:lstStyle/>
-          <a:p>
-            <a:r>
-              <a:rPr lang="ko-KR" altLang="en-US" b="1" dirty="0" smtClean="0"/>
-              <a:t>지급일</a:t>
-            </a:r>
-            <a:endParaRPr lang="ko-KR" altLang="en-US" b="1" dirty="0"/>
-          </a:p>
-        </p:txBody>
-      </p:sp>
-      <p:cxnSp>
-        <p:nvCxnSpPr>
-          <p:cNvPr id="15" name="직선 연결선 14"/>
-          <p:cNvCxnSpPr/>
-          <p:nvPr/>
-        </p:nvCxnSpPr>
-        <p:spPr>
-          <a:xfrm flipH="1">
-            <a:off x="2261062" y="2971483"/>
-            <a:ext cx="8313" cy="781397"/>
-          </a:xfrm>
-          <a:prstGeom prst="line">
-            <a:avLst/>
-          </a:prstGeom>
-        </p:spPr>
-        <p:style>
-          <a:lnRef idx="1">
-            <a:schemeClr val="accent1"/>
-          </a:lnRef>
-          <a:fillRef idx="0">
-            <a:schemeClr val="accent1"/>
-          </a:fillRef>
-          <a:effectRef idx="0">
-            <a:schemeClr val="accent1"/>
-          </a:effectRef>
-          <a:fontRef idx="minor">
-            <a:schemeClr val="tx1"/>
-          </a:fontRef>
-        </p:style>
-      </p:cxnSp>
-      <p:cxnSp>
-        <p:nvCxnSpPr>
-          <p:cNvPr id="31" name="직선 연결선 30"/>
-          <p:cNvCxnSpPr/>
-          <p:nvPr/>
-        </p:nvCxnSpPr>
-        <p:spPr>
-          <a:xfrm>
-            <a:off x="4497185" y="2971483"/>
-            <a:ext cx="0" cy="781397"/>
-          </a:xfrm>
-          <a:prstGeom prst="line">
-            <a:avLst/>
-          </a:prstGeom>
-        </p:spPr>
-        <p:style>
-          <a:lnRef idx="1">
-            <a:schemeClr val="accent1"/>
-          </a:lnRef>
-          <a:fillRef idx="0">
-            <a:schemeClr val="accent1"/>
-          </a:fillRef>
-          <a:effectRef idx="0">
-            <a:schemeClr val="accent1"/>
-          </a:effectRef>
-          <a:fontRef idx="minor">
-            <a:schemeClr val="tx1"/>
-          </a:fontRef>
-        </p:style>
-      </p:cxnSp>
-      <p:cxnSp>
-        <p:nvCxnSpPr>
-          <p:cNvPr id="33" name="직선 연결선 32"/>
-          <p:cNvCxnSpPr/>
-          <p:nvPr/>
-        </p:nvCxnSpPr>
-        <p:spPr>
-          <a:xfrm>
-            <a:off x="6941127" y="2971483"/>
-            <a:ext cx="8313" cy="781397"/>
-          </a:xfrm>
-          <a:prstGeom prst="line">
-            <a:avLst/>
-          </a:prstGeom>
-        </p:spPr>
-        <p:style>
-          <a:lnRef idx="1">
-            <a:schemeClr val="accent1"/>
-          </a:lnRef>
-          <a:fillRef idx="0">
-            <a:schemeClr val="accent1"/>
-          </a:fillRef>
-          <a:effectRef idx="0">
-            <a:schemeClr val="accent1"/>
-          </a:effectRef>
-          <a:fontRef idx="minor">
-            <a:schemeClr val="tx1"/>
-          </a:fontRef>
-        </p:style>
-      </p:cxnSp>
-      <p:cxnSp>
-        <p:nvCxnSpPr>
-          <p:cNvPr id="61" name="직선 연결선 60"/>
-          <p:cNvCxnSpPr/>
-          <p:nvPr/>
-        </p:nvCxnSpPr>
-        <p:spPr>
-          <a:xfrm>
-            <a:off x="8819804" y="2971483"/>
-            <a:ext cx="8312" cy="781397"/>
-          </a:xfrm>
-          <a:prstGeom prst="line">
-            <a:avLst/>
-          </a:prstGeom>
-        </p:spPr>
-        <p:style>
-          <a:lnRef idx="1">
-            <a:schemeClr val="accent1"/>
-          </a:lnRef>
-          <a:fillRef idx="0">
-            <a:schemeClr val="accent1"/>
-          </a:fillRef>
-          <a:effectRef idx="0">
-            <a:schemeClr val="accent1"/>
-          </a:effectRef>
-          <a:fontRef idx="minor">
-            <a:schemeClr val="tx1"/>
-          </a:fontRef>
-        </p:style>
-      </p:cxnSp>
-      <p:sp>
-        <p:nvSpPr>
-          <p:cNvPr id="63" name="직사각형 62"/>
+          <p:cNvPr id="17" name="직사각형 16"/>
           <p:cNvSpPr/>
           <p:nvPr/>
         </p:nvSpPr>
         <p:spPr>
           <a:xfrm>
-            <a:off x="809104" y="3740359"/>
-            <a:ext cx="10658302" cy="2860148"/>
+            <a:off x="3564774" y="5522486"/>
+            <a:ext cx="4089862" cy="540466"/>
           </a:xfrm>
           <a:prstGeom prst="rect">
             <a:avLst/>
           </a:prstGeom>
           <a:solidFill>
-            <a:schemeClr val="bg1"/>
+            <a:schemeClr val="accent3"/>
           </a:solidFill>
         </p:spPr>
         <p:style>
@@ -10988,478 +10688,510 @@
           </a:p>
         </p:txBody>
       </p:sp>
-      <p:cxnSp>
-        <p:nvCxnSpPr>
-          <p:cNvPr id="65" name="직선 연결선 64"/>
-          <p:cNvCxnSpPr>
-            <a:stCxn id="63" idx="1"/>
-          </p:cNvCxnSpPr>
-          <p:nvPr/>
-        </p:nvCxnSpPr>
-        <p:spPr>
-          <a:xfrm>
-            <a:off x="809104" y="5170433"/>
-            <a:ext cx="10695711" cy="8597"/>
-          </a:xfrm>
-          <a:prstGeom prst="line">
-            <a:avLst/>
-          </a:prstGeom>
+      <p:sp>
+        <p:nvSpPr>
+          <p:cNvPr id="18" name="TextBox 17"/>
+          <p:cNvSpPr txBox="1"/>
+          <p:nvPr/>
+        </p:nvSpPr>
+        <p:spPr>
+          <a:xfrm>
+            <a:off x="5062685" y="5608925"/>
+            <a:ext cx="1920240" cy="369332"/>
+          </a:xfrm>
+          <a:prstGeom prst="rect">
+            <a:avLst/>
+          </a:prstGeom>
+          <a:noFill/>
+        </p:spPr>
+        <p:txBody>
+          <a:bodyPr wrap="square" rtlCol="0">
+            <a:spAutoFit/>
+          </a:bodyPr>
+          <a:lstStyle/>
+          <a:p>
+            <a:r>
+              <a:rPr lang="ko-KR" altLang="en-US" b="1" dirty="0" err="1" smtClean="0"/>
+              <a:t>리뷰작성</a:t>
+            </a:r>
+            <a:endParaRPr lang="ko-KR" altLang="en-US" b="1" dirty="0"/>
+          </a:p>
+        </p:txBody>
+      </p:sp>
+      <p:sp>
+        <p:nvSpPr>
+          <p:cNvPr id="19" name="TextBox 18"/>
+          <p:cNvSpPr txBox="1"/>
+          <p:nvPr/>
+        </p:nvSpPr>
+        <p:spPr>
+          <a:xfrm>
+            <a:off x="3564774" y="3933210"/>
+            <a:ext cx="3883430" cy="369332"/>
+          </a:xfrm>
+          <a:prstGeom prst="rect">
+            <a:avLst/>
+          </a:prstGeom>
+          <a:noFill/>
+        </p:spPr>
+        <p:txBody>
+          <a:bodyPr wrap="square" rtlCol="0">
+            <a:spAutoFit/>
+          </a:bodyPr>
+          <a:lstStyle/>
+          <a:p>
+            <a:r>
+              <a:rPr lang="ko-KR" altLang="en-US" dirty="0" smtClean="0">
+                <a:solidFill>
+                  <a:schemeClr val="tx1">
+                    <a:lumMod val="50000"/>
+                    <a:lumOff val="50000"/>
+                  </a:schemeClr>
+                </a:solidFill>
+              </a:rPr>
+              <a:t>리뷰 내용을 </a:t>
+            </a:r>
+            <a:r>
+              <a:rPr lang="ko-KR" altLang="en-US" dirty="0">
+                <a:solidFill>
+                  <a:schemeClr val="tx1">
+                    <a:lumMod val="50000"/>
+                    <a:lumOff val="50000"/>
+                  </a:schemeClr>
+                </a:solidFill>
+              </a:rPr>
+              <a:t>입력해 주세요</a:t>
+            </a:r>
+            <a:r>
+              <a:rPr lang="en-US" altLang="ko-KR" dirty="0">
+                <a:solidFill>
+                  <a:schemeClr val="tx1">
+                    <a:lumMod val="50000"/>
+                    <a:lumOff val="50000"/>
+                  </a:schemeClr>
+                </a:solidFill>
+              </a:rPr>
+              <a:t>.</a:t>
+            </a:r>
+            <a:endParaRPr lang="ko-KR" altLang="en-US" dirty="0">
+              <a:solidFill>
+                <a:schemeClr val="tx1">
+                  <a:lumMod val="50000"/>
+                  <a:lumOff val="50000"/>
+                </a:schemeClr>
+              </a:solidFill>
+            </a:endParaRPr>
+          </a:p>
+        </p:txBody>
+      </p:sp>
+      <p:pic>
+        <p:nvPicPr>
+          <p:cNvPr id="21" name="내용 개체 틀 20"/>
+          <p:cNvPicPr>
+            <a:picLocks noGrp="1" noChangeAspect="1"/>
+          </p:cNvPicPr>
+          <p:nvPr>
+            <p:ph idx="1"/>
+          </p:nvPr>
+        </p:nvPicPr>
+        <p:blipFill>
+          <a:blip r:embed="rId2">
+            <a:extLst>
+              <a:ext uri="{28A0092B-C50C-407E-A947-70E740481C1C}">
+                <a14:useLocalDpi xmlns:a14="http://schemas.microsoft.com/office/drawing/2010/main" val="0"/>
+              </a:ext>
+            </a:extLst>
+          </a:blip>
+          <a:stretch>
+            <a:fillRect/>
+          </a:stretch>
+        </p:blipFill>
+        <p:spPr>
+          <a:xfrm>
+            <a:off x="3018576" y="1890394"/>
+            <a:ext cx="4725059" cy="1409897"/>
+          </a:xfrm>
+        </p:spPr>
+      </p:pic>
+      <p:sp>
+        <p:nvSpPr>
+          <p:cNvPr id="15" name="직사각형 14"/>
+          <p:cNvSpPr/>
+          <p:nvPr/>
+        </p:nvSpPr>
+        <p:spPr>
+          <a:xfrm>
+            <a:off x="3564774" y="4360594"/>
+            <a:ext cx="4089862" cy="462700"/>
+          </a:xfrm>
+          <a:prstGeom prst="rect">
+            <a:avLst/>
+          </a:prstGeom>
+          <a:solidFill>
+            <a:schemeClr val="bg1"/>
+          </a:solidFill>
         </p:spPr>
         <p:style>
-          <a:lnRef idx="1">
-            <a:schemeClr val="accent1"/>
+          <a:lnRef idx="2">
+            <a:schemeClr val="accent1">
+              <a:shade val="50000"/>
+            </a:schemeClr>
           </a:lnRef>
-          <a:fillRef idx="0">
+          <a:fillRef idx="1">
             <a:schemeClr val="accent1"/>
           </a:fillRef>
           <a:effectRef idx="0">
             <a:schemeClr val="accent1"/>
           </a:effectRef>
           <a:fontRef idx="minor">
-            <a:schemeClr val="tx1"/>
+            <a:schemeClr val="lt1"/>
           </a:fontRef>
         </p:style>
-      </p:cxnSp>
-      <p:cxnSp>
-        <p:nvCxnSpPr>
-          <p:cNvPr id="67" name="직선 연결선 66"/>
-          <p:cNvCxnSpPr/>
-          <p:nvPr/>
-        </p:nvCxnSpPr>
-        <p:spPr>
-          <a:xfrm>
-            <a:off x="2261062" y="3752880"/>
-            <a:ext cx="0" cy="2864052"/>
-          </a:xfrm>
-          <a:prstGeom prst="line">
-            <a:avLst/>
-          </a:prstGeom>
+        <p:txBody>
+          <a:bodyPr rtlCol="0" anchor="ctr"/>
+          <a:lstStyle/>
+          <a:p>
+            <a:pPr algn="ctr"/>
+            <a:endParaRPr lang="ko-KR" altLang="en-US"/>
+          </a:p>
+        </p:txBody>
+      </p:sp>
+      <p:sp>
+        <p:nvSpPr>
+          <p:cNvPr id="20" name="TextBox 19"/>
+          <p:cNvSpPr txBox="1"/>
+          <p:nvPr/>
+        </p:nvSpPr>
+        <p:spPr>
+          <a:xfrm>
+            <a:off x="3564773" y="3450784"/>
+            <a:ext cx="3259975" cy="369332"/>
+          </a:xfrm>
+          <a:prstGeom prst="rect">
+            <a:avLst/>
+          </a:prstGeom>
+          <a:noFill/>
+        </p:spPr>
+        <p:txBody>
+          <a:bodyPr wrap="square" rtlCol="0">
+            <a:spAutoFit/>
+          </a:bodyPr>
+          <a:lstStyle/>
+          <a:p>
+            <a:r>
+              <a:rPr lang="ko-KR" altLang="en-US" smtClean="0">
+                <a:solidFill>
+                  <a:schemeClr val="tx1">
+                    <a:lumMod val="50000"/>
+                    <a:lumOff val="50000"/>
+                  </a:schemeClr>
+                </a:solidFill>
+              </a:rPr>
+              <a:t>리뷰 제목을 </a:t>
+            </a:r>
+            <a:r>
+              <a:rPr lang="ko-KR" altLang="en-US" dirty="0">
+                <a:solidFill>
+                  <a:schemeClr val="tx1">
+                    <a:lumMod val="50000"/>
+                    <a:lumOff val="50000"/>
+                  </a:schemeClr>
+                </a:solidFill>
+              </a:rPr>
+              <a:t>입력해 주세요</a:t>
+            </a:r>
+            <a:r>
+              <a:rPr lang="en-US" altLang="ko-KR" dirty="0">
+                <a:solidFill>
+                  <a:schemeClr val="tx1">
+                    <a:lumMod val="50000"/>
+                    <a:lumOff val="50000"/>
+                  </a:schemeClr>
+                </a:solidFill>
+              </a:rPr>
+              <a:t>.</a:t>
+            </a:r>
+            <a:endParaRPr lang="ko-KR" altLang="en-US" dirty="0">
+              <a:solidFill>
+                <a:schemeClr val="tx1">
+                  <a:lumMod val="50000"/>
+                  <a:lumOff val="50000"/>
+                </a:schemeClr>
+              </a:solidFill>
+            </a:endParaRPr>
+          </a:p>
+        </p:txBody>
+      </p:sp>
+      <p:sp>
+        <p:nvSpPr>
+          <p:cNvPr id="24" name="TextBox 23"/>
+          <p:cNvSpPr txBox="1"/>
+          <p:nvPr/>
+        </p:nvSpPr>
+        <p:spPr>
+          <a:xfrm>
+            <a:off x="3564774" y="4401140"/>
+            <a:ext cx="4089862" cy="369332"/>
+          </a:xfrm>
+          <a:prstGeom prst="rect">
+            <a:avLst/>
+          </a:prstGeom>
+          <a:noFill/>
+        </p:spPr>
+        <p:txBody>
+          <a:bodyPr wrap="square" rtlCol="0">
+            <a:spAutoFit/>
+          </a:bodyPr>
+          <a:lstStyle/>
+          <a:p>
+            <a:r>
+              <a:rPr lang="ko-KR" altLang="en-US" dirty="0" err="1" smtClean="0">
+                <a:solidFill>
+                  <a:schemeClr val="tx1">
+                    <a:lumMod val="50000"/>
+                    <a:lumOff val="50000"/>
+                  </a:schemeClr>
+                </a:solidFill>
+              </a:rPr>
+              <a:t>별점을</a:t>
+            </a:r>
+            <a:r>
+              <a:rPr lang="ko-KR" altLang="en-US" dirty="0" smtClean="0">
+                <a:solidFill>
+                  <a:schemeClr val="tx1">
+                    <a:lumMod val="50000"/>
+                    <a:lumOff val="50000"/>
+                  </a:schemeClr>
+                </a:solidFill>
+              </a:rPr>
+              <a:t> 입력해주세요</a:t>
+            </a:r>
+            <a:r>
+              <a:rPr lang="en-US" altLang="ko-KR" dirty="0" smtClean="0">
+                <a:solidFill>
+                  <a:schemeClr val="tx1">
+                    <a:lumMod val="50000"/>
+                    <a:lumOff val="50000"/>
+                  </a:schemeClr>
+                </a:solidFill>
+              </a:rPr>
+              <a:t>(</a:t>
+            </a:r>
+            <a:r>
+              <a:rPr lang="ko-KR" altLang="en-US" dirty="0" smtClean="0">
+                <a:solidFill>
+                  <a:schemeClr val="tx1">
+                    <a:lumMod val="50000"/>
+                    <a:lumOff val="50000"/>
+                  </a:schemeClr>
+                </a:solidFill>
+              </a:rPr>
+              <a:t>최대 </a:t>
+            </a:r>
+            <a:r>
+              <a:rPr lang="en-US" altLang="ko-KR" dirty="0" smtClean="0">
+                <a:solidFill>
+                  <a:schemeClr val="tx1">
+                    <a:lumMod val="50000"/>
+                    <a:lumOff val="50000"/>
+                  </a:schemeClr>
+                </a:solidFill>
+              </a:rPr>
+              <a:t>5</a:t>
+            </a:r>
+            <a:r>
+              <a:rPr lang="ko-KR" altLang="en-US" dirty="0" smtClean="0">
+                <a:solidFill>
+                  <a:schemeClr val="tx1">
+                    <a:lumMod val="50000"/>
+                    <a:lumOff val="50000"/>
+                  </a:schemeClr>
+                </a:solidFill>
+              </a:rPr>
+              <a:t>점</a:t>
+            </a:r>
+            <a:r>
+              <a:rPr lang="en-US" altLang="ko-KR" dirty="0" smtClean="0">
+                <a:solidFill>
+                  <a:schemeClr val="tx1">
+                    <a:lumMod val="50000"/>
+                    <a:lumOff val="50000"/>
+                  </a:schemeClr>
+                </a:solidFill>
+              </a:rPr>
+              <a:t>)</a:t>
+            </a:r>
+            <a:endParaRPr lang="ko-KR" altLang="en-US" dirty="0">
+              <a:solidFill>
+                <a:schemeClr val="tx1">
+                  <a:lumMod val="50000"/>
+                  <a:lumOff val="50000"/>
+                </a:schemeClr>
+              </a:solidFill>
+            </a:endParaRPr>
+          </a:p>
+        </p:txBody>
+      </p:sp>
+      <p:sp>
+        <p:nvSpPr>
+          <p:cNvPr id="23" name="모서리가 둥근 직사각형 22"/>
+          <p:cNvSpPr/>
+          <p:nvPr/>
+        </p:nvSpPr>
+        <p:spPr>
+          <a:xfrm>
+            <a:off x="6435908" y="4949441"/>
+            <a:ext cx="1221498" cy="503425"/>
+          </a:xfrm>
+          <a:prstGeom prst="roundRect">
+            <a:avLst/>
+          </a:prstGeom>
+          <a:solidFill>
+            <a:schemeClr val="bg2">
+              <a:lumMod val="90000"/>
+            </a:schemeClr>
+          </a:solidFill>
         </p:spPr>
         <p:style>
-          <a:lnRef idx="1">
-            <a:schemeClr val="accent1"/>
+          <a:lnRef idx="2">
+            <a:schemeClr val="accent1">
+              <a:shade val="50000"/>
+            </a:schemeClr>
           </a:lnRef>
-          <a:fillRef idx="0">
+          <a:fillRef idx="1">
             <a:schemeClr val="accent1"/>
           </a:fillRef>
           <a:effectRef idx="0">
             <a:schemeClr val="accent1"/>
           </a:effectRef>
           <a:fontRef idx="minor">
-            <a:schemeClr val="tx1"/>
+            <a:schemeClr val="lt1"/>
           </a:fontRef>
         </p:style>
-      </p:cxnSp>
-      <p:cxnSp>
-        <p:nvCxnSpPr>
-          <p:cNvPr id="70" name="직선 연결선 69"/>
-          <p:cNvCxnSpPr/>
-          <p:nvPr/>
-        </p:nvCxnSpPr>
-        <p:spPr>
-          <a:xfrm>
-            <a:off x="4497185" y="3752880"/>
-            <a:ext cx="0" cy="2864052"/>
-          </a:xfrm>
-          <a:prstGeom prst="line">
-            <a:avLst/>
-          </a:prstGeom>
+        <p:txBody>
+          <a:bodyPr rtlCol="0" anchor="ctr"/>
+          <a:lstStyle/>
+          <a:p>
+            <a:pPr algn="ctr"/>
+            <a:endParaRPr lang="ko-KR" altLang="en-US"/>
+          </a:p>
+        </p:txBody>
+      </p:sp>
+      <p:sp>
+        <p:nvSpPr>
+          <p:cNvPr id="29" name="TextBox 28"/>
+          <p:cNvSpPr txBox="1"/>
+          <p:nvPr/>
+        </p:nvSpPr>
+        <p:spPr>
+          <a:xfrm>
+            <a:off x="6482625" y="5033972"/>
+            <a:ext cx="1128063" cy="338554"/>
+          </a:xfrm>
+          <a:prstGeom prst="rect">
+            <a:avLst/>
+          </a:prstGeom>
+          <a:noFill/>
+        </p:spPr>
+        <p:txBody>
+          <a:bodyPr wrap="square" rtlCol="0">
+            <a:spAutoFit/>
+          </a:bodyPr>
+          <a:lstStyle/>
+          <a:p>
+            <a:r>
+              <a:rPr lang="ko-KR" altLang="en-US" sz="1600" b="1" dirty="0" smtClean="0"/>
+              <a:t>파일 선택</a:t>
+            </a:r>
+            <a:endParaRPr lang="ko-KR" altLang="en-US" sz="1600" b="1" dirty="0"/>
+          </a:p>
+        </p:txBody>
+      </p:sp>
+      <p:sp>
+        <p:nvSpPr>
+          <p:cNvPr id="30" name="직사각형 29"/>
+          <p:cNvSpPr/>
+          <p:nvPr/>
+        </p:nvSpPr>
+        <p:spPr>
+          <a:xfrm>
+            <a:off x="3581564" y="4959594"/>
+            <a:ext cx="2807626" cy="503425"/>
+          </a:xfrm>
+          <a:prstGeom prst="rect">
+            <a:avLst/>
+          </a:prstGeom>
+          <a:solidFill>
+            <a:schemeClr val="bg1"/>
+          </a:solidFill>
         </p:spPr>
         <p:style>
-          <a:lnRef idx="1">
-            <a:schemeClr val="accent1"/>
+          <a:lnRef idx="2">
+            <a:schemeClr val="accent1">
+              <a:shade val="50000"/>
+            </a:schemeClr>
           </a:lnRef>
-          <a:fillRef idx="0">
+          <a:fillRef idx="1">
             <a:schemeClr val="accent1"/>
           </a:fillRef>
           <a:effectRef idx="0">
             <a:schemeClr val="accent1"/>
           </a:effectRef>
           <a:fontRef idx="minor">
-            <a:schemeClr val="tx1"/>
+            <a:schemeClr val="lt1"/>
           </a:fontRef>
         </p:style>
-      </p:cxnSp>
-      <p:cxnSp>
-        <p:nvCxnSpPr>
-          <p:cNvPr id="72" name="직선 연결선 71"/>
-          <p:cNvCxnSpPr/>
-          <p:nvPr/>
-        </p:nvCxnSpPr>
-        <p:spPr>
-          <a:xfrm>
-            <a:off x="6949440" y="3752880"/>
-            <a:ext cx="0" cy="2864052"/>
-          </a:xfrm>
-          <a:prstGeom prst="line">
-            <a:avLst/>
-          </a:prstGeom>
-        </p:spPr>
-        <p:style>
-          <a:lnRef idx="1">
-            <a:schemeClr val="accent1"/>
-          </a:lnRef>
-          <a:fillRef idx="0">
-            <a:schemeClr val="accent1"/>
-          </a:fillRef>
-          <a:effectRef idx="0">
-            <a:schemeClr val="accent1"/>
-          </a:effectRef>
-          <a:fontRef idx="minor">
-            <a:schemeClr val="tx1"/>
-          </a:fontRef>
-        </p:style>
-      </p:cxnSp>
-      <p:cxnSp>
-        <p:nvCxnSpPr>
-          <p:cNvPr id="74" name="직선 연결선 73"/>
-          <p:cNvCxnSpPr/>
-          <p:nvPr/>
-        </p:nvCxnSpPr>
-        <p:spPr>
-          <a:xfrm>
-            <a:off x="8828116" y="3752880"/>
-            <a:ext cx="0" cy="2864052"/>
-          </a:xfrm>
-          <a:prstGeom prst="line">
-            <a:avLst/>
-          </a:prstGeom>
-        </p:spPr>
-        <p:style>
-          <a:lnRef idx="1">
-            <a:schemeClr val="accent1"/>
-          </a:lnRef>
-          <a:fillRef idx="0">
-            <a:schemeClr val="accent1"/>
-          </a:fillRef>
-          <a:effectRef idx="0">
-            <a:schemeClr val="accent1"/>
-          </a:effectRef>
-          <a:fontRef idx="minor">
-            <a:schemeClr val="tx1"/>
-          </a:fontRef>
-        </p:style>
-      </p:cxnSp>
-      <p:sp>
-        <p:nvSpPr>
-          <p:cNvPr id="75" name="TextBox 74"/>
-          <p:cNvSpPr txBox="1"/>
-          <p:nvPr/>
-        </p:nvSpPr>
-        <p:spPr>
-          <a:xfrm>
-            <a:off x="1361904" y="4356453"/>
-            <a:ext cx="922703" cy="369332"/>
-          </a:xfrm>
-          <a:prstGeom prst="rect">
-            <a:avLst/>
-          </a:prstGeom>
-          <a:noFill/>
-        </p:spPr>
-        <p:txBody>
-          <a:bodyPr wrap="square" rtlCol="0">
-            <a:spAutoFit/>
-          </a:bodyPr>
-          <a:lstStyle/>
-          <a:p>
-            <a:r>
-              <a:rPr lang="en-US" altLang="ko-KR" b="1" dirty="0"/>
-              <a:t>1</a:t>
-            </a:r>
-            <a:endParaRPr lang="ko-KR" altLang="en-US" b="1" dirty="0"/>
-          </a:p>
-        </p:txBody>
-      </p:sp>
-      <p:sp>
-        <p:nvSpPr>
-          <p:cNvPr id="76" name="TextBox 75"/>
-          <p:cNvSpPr txBox="1"/>
-          <p:nvPr/>
-        </p:nvSpPr>
-        <p:spPr>
-          <a:xfrm>
-            <a:off x="1354984" y="5721527"/>
-            <a:ext cx="922703" cy="369332"/>
-          </a:xfrm>
-          <a:prstGeom prst="rect">
-            <a:avLst/>
-          </a:prstGeom>
-          <a:noFill/>
-        </p:spPr>
-        <p:txBody>
-          <a:bodyPr wrap="square" rtlCol="0">
-            <a:spAutoFit/>
-          </a:bodyPr>
-          <a:lstStyle/>
-          <a:p>
-            <a:r>
-              <a:rPr lang="en-US" altLang="ko-KR" b="1" dirty="0" smtClean="0"/>
-              <a:t>2</a:t>
-            </a:r>
-            <a:endParaRPr lang="ko-KR" altLang="en-US" b="1" dirty="0"/>
-          </a:p>
-        </p:txBody>
-      </p:sp>
-      <p:sp>
-        <p:nvSpPr>
-          <p:cNvPr id="77" name="TextBox 76"/>
-          <p:cNvSpPr txBox="1"/>
-          <p:nvPr/>
-        </p:nvSpPr>
-        <p:spPr>
-          <a:xfrm>
-            <a:off x="2721035" y="4392776"/>
-            <a:ext cx="1227520" cy="369332"/>
-          </a:xfrm>
-          <a:prstGeom prst="rect">
-            <a:avLst/>
-          </a:prstGeom>
-          <a:noFill/>
-        </p:spPr>
-        <p:txBody>
-          <a:bodyPr wrap="square" rtlCol="0">
-            <a:spAutoFit/>
-          </a:bodyPr>
-          <a:lstStyle/>
-          <a:p>
-            <a:r>
-              <a:rPr lang="ko-KR" altLang="en-US" b="1" dirty="0" smtClean="0"/>
-              <a:t>치킨 할인</a:t>
-            </a:r>
-            <a:endParaRPr lang="ko-KR" altLang="en-US" b="1" dirty="0"/>
-          </a:p>
-        </p:txBody>
-      </p:sp>
-      <p:sp>
-        <p:nvSpPr>
-          <p:cNvPr id="79" name="TextBox 78"/>
-          <p:cNvSpPr txBox="1"/>
-          <p:nvPr/>
-        </p:nvSpPr>
-        <p:spPr>
-          <a:xfrm>
-            <a:off x="2721035" y="5715584"/>
-            <a:ext cx="2019991" cy="369332"/>
-          </a:xfrm>
-          <a:prstGeom prst="rect">
-            <a:avLst/>
-          </a:prstGeom>
-          <a:noFill/>
-        </p:spPr>
-        <p:txBody>
-          <a:bodyPr wrap="square" rtlCol="0">
-            <a:spAutoFit/>
-          </a:bodyPr>
-          <a:lstStyle/>
-          <a:p>
-            <a:r>
-              <a:rPr lang="ko-KR" altLang="en-US" b="1" smtClean="0"/>
-              <a:t>피자 할인</a:t>
-            </a:r>
-            <a:endParaRPr lang="ko-KR" altLang="en-US" b="1" dirty="0"/>
-          </a:p>
-        </p:txBody>
-      </p:sp>
-      <p:sp>
-        <p:nvSpPr>
-          <p:cNvPr id="80" name="TextBox 79"/>
-          <p:cNvSpPr txBox="1"/>
-          <p:nvPr/>
-        </p:nvSpPr>
-        <p:spPr>
-          <a:xfrm>
-            <a:off x="5212083" y="4376351"/>
-            <a:ext cx="2019991" cy="369332"/>
-          </a:xfrm>
-          <a:prstGeom prst="rect">
-            <a:avLst/>
-          </a:prstGeom>
-          <a:noFill/>
-        </p:spPr>
-        <p:txBody>
-          <a:bodyPr wrap="square" rtlCol="0">
-            <a:spAutoFit/>
-          </a:bodyPr>
-          <a:lstStyle/>
-          <a:p>
-            <a:r>
-              <a:rPr lang="en-US" altLang="ko-KR" b="1" dirty="0" smtClean="0"/>
-              <a:t>3</a:t>
-            </a:r>
-            <a:r>
-              <a:rPr lang="en-US" altLang="ko-KR" b="1" dirty="0"/>
-              <a:t>,</a:t>
-            </a:r>
-            <a:r>
-              <a:rPr lang="en-US" altLang="ko-KR" b="1" dirty="0" smtClean="0"/>
-              <a:t>000</a:t>
-            </a:r>
-            <a:r>
-              <a:rPr lang="ko-KR" altLang="en-US" b="1" dirty="0" smtClean="0"/>
-              <a:t>원</a:t>
-            </a:r>
-            <a:endParaRPr lang="ko-KR" altLang="en-US" b="1" dirty="0"/>
-          </a:p>
-        </p:txBody>
-      </p:sp>
-      <p:sp>
-        <p:nvSpPr>
-          <p:cNvPr id="81" name="TextBox 80"/>
-          <p:cNvSpPr txBox="1"/>
-          <p:nvPr/>
-        </p:nvSpPr>
-        <p:spPr>
-          <a:xfrm>
-            <a:off x="5146963" y="5699159"/>
-            <a:ext cx="2019991" cy="369332"/>
-          </a:xfrm>
-          <a:prstGeom prst="rect">
-            <a:avLst/>
-          </a:prstGeom>
-          <a:noFill/>
-        </p:spPr>
-        <p:txBody>
-          <a:bodyPr wrap="square" rtlCol="0">
-            <a:spAutoFit/>
-          </a:bodyPr>
-          <a:lstStyle/>
-          <a:p>
-            <a:r>
-              <a:rPr lang="en-US" altLang="ko-KR" b="1" dirty="0" smtClean="0"/>
-              <a:t>10,000</a:t>
-            </a:r>
-            <a:r>
-              <a:rPr lang="ko-KR" altLang="en-US" b="1" dirty="0" smtClean="0"/>
-              <a:t>원</a:t>
-            </a:r>
-            <a:endParaRPr lang="ko-KR" altLang="en-US" b="1" dirty="0"/>
-          </a:p>
-        </p:txBody>
-      </p:sp>
-      <p:sp>
-        <p:nvSpPr>
-          <p:cNvPr id="84" name="TextBox 83"/>
-          <p:cNvSpPr txBox="1"/>
-          <p:nvPr/>
-        </p:nvSpPr>
-        <p:spPr>
-          <a:xfrm>
-            <a:off x="9464040" y="5746815"/>
-            <a:ext cx="2019991" cy="369332"/>
-          </a:xfrm>
-          <a:prstGeom prst="rect">
-            <a:avLst/>
-          </a:prstGeom>
-          <a:noFill/>
-        </p:spPr>
-        <p:txBody>
-          <a:bodyPr wrap="square" rtlCol="0">
-            <a:spAutoFit/>
-          </a:bodyPr>
-          <a:lstStyle/>
-          <a:p>
-            <a:r>
-              <a:rPr lang="en-US" altLang="ko-KR" b="1" dirty="0"/>
-              <a:t>2022-10-13</a:t>
-            </a:r>
-            <a:endParaRPr lang="ko-KR" altLang="en-US" b="1" dirty="0"/>
-          </a:p>
-        </p:txBody>
-      </p:sp>
-      <p:sp>
-        <p:nvSpPr>
-          <p:cNvPr id="85" name="TextBox 84"/>
-          <p:cNvSpPr txBox="1"/>
-          <p:nvPr/>
-        </p:nvSpPr>
-        <p:spPr>
-          <a:xfrm>
-            <a:off x="9401696" y="4392776"/>
-            <a:ext cx="1446412" cy="369332"/>
-          </a:xfrm>
-          <a:prstGeom prst="rect">
-            <a:avLst/>
-          </a:prstGeom>
-          <a:noFill/>
-        </p:spPr>
-        <p:txBody>
-          <a:bodyPr wrap="square" rtlCol="0">
-            <a:spAutoFit/>
-          </a:bodyPr>
-          <a:lstStyle/>
-          <a:p>
-            <a:r>
-              <a:rPr lang="en-US" altLang="ko-KR" b="1" dirty="0"/>
-              <a:t>2022-08-09</a:t>
-            </a:r>
-            <a:endParaRPr lang="ko-KR" altLang="en-US" b="1" dirty="0"/>
-          </a:p>
-        </p:txBody>
-      </p:sp>
-      <p:sp>
-        <p:nvSpPr>
-          <p:cNvPr id="32" name="TextBox 31"/>
-          <p:cNvSpPr txBox="1"/>
-          <p:nvPr/>
-        </p:nvSpPr>
-        <p:spPr>
-          <a:xfrm>
-            <a:off x="7161416" y="4392776"/>
-            <a:ext cx="1446412" cy="369332"/>
-          </a:xfrm>
-          <a:prstGeom prst="rect">
-            <a:avLst/>
-          </a:prstGeom>
-          <a:noFill/>
-        </p:spPr>
-        <p:txBody>
-          <a:bodyPr wrap="square" rtlCol="0">
-            <a:spAutoFit/>
-          </a:bodyPr>
-          <a:lstStyle/>
-          <a:p>
-            <a:r>
-              <a:rPr lang="en-US" altLang="ko-KR" b="1" dirty="0" smtClean="0"/>
-              <a:t>2022-08-06</a:t>
-            </a:r>
-            <a:endParaRPr lang="ko-KR" altLang="en-US" b="1" dirty="0"/>
-          </a:p>
-        </p:txBody>
-      </p:sp>
-      <p:sp>
-        <p:nvSpPr>
-          <p:cNvPr id="34" name="TextBox 33"/>
-          <p:cNvSpPr txBox="1"/>
-          <p:nvPr/>
-        </p:nvSpPr>
-        <p:spPr>
-          <a:xfrm>
-            <a:off x="7161416" y="5715584"/>
-            <a:ext cx="1446412" cy="369332"/>
-          </a:xfrm>
-          <a:prstGeom prst="rect">
-            <a:avLst/>
-          </a:prstGeom>
-          <a:noFill/>
-        </p:spPr>
-        <p:txBody>
-          <a:bodyPr wrap="square" rtlCol="0">
-            <a:spAutoFit/>
-          </a:bodyPr>
-          <a:lstStyle/>
-          <a:p>
-            <a:r>
-              <a:rPr lang="en-US" altLang="ko-KR" b="1" dirty="0" smtClean="0"/>
-              <a:t>2022-08-06</a:t>
-            </a:r>
-            <a:endParaRPr lang="ko-KR" altLang="en-US" b="1" dirty="0"/>
+        <p:txBody>
+          <a:bodyPr rtlCol="0" anchor="ctr"/>
+          <a:lstStyle/>
+          <a:p>
+            <a:pPr algn="ctr"/>
+            <a:endParaRPr lang="ko-KR" altLang="en-US" dirty="0"/>
+          </a:p>
+        </p:txBody>
+      </p:sp>
+      <p:sp>
+        <p:nvSpPr>
+          <p:cNvPr id="31" name="TextBox 30"/>
+          <p:cNvSpPr txBox="1"/>
+          <p:nvPr/>
+        </p:nvSpPr>
+        <p:spPr>
+          <a:xfrm>
+            <a:off x="4498653" y="5042029"/>
+            <a:ext cx="1128063" cy="338554"/>
+          </a:xfrm>
+          <a:prstGeom prst="rect">
+            <a:avLst/>
+          </a:prstGeom>
+          <a:noFill/>
+        </p:spPr>
+        <p:txBody>
+          <a:bodyPr wrap="square" rtlCol="0">
+            <a:spAutoFit/>
+          </a:bodyPr>
+          <a:lstStyle/>
+          <a:p>
+            <a:r>
+              <a:rPr lang="ko-KR" altLang="en-US" sz="1600" b="1" dirty="0" smtClean="0"/>
+              <a:t>치킨</a:t>
+            </a:r>
+            <a:r>
+              <a:rPr lang="en-US" altLang="ko-KR" sz="1600" b="1" dirty="0" smtClean="0"/>
+              <a:t>.</a:t>
+            </a:r>
+            <a:r>
+              <a:rPr lang="en-US" altLang="ko-KR" sz="1600" b="1" dirty="0" smtClean="0"/>
+              <a:t>PNG</a:t>
+            </a:r>
+            <a:endParaRPr lang="ko-KR" altLang="en-US" sz="1600" b="1" dirty="0"/>
           </a:p>
         </p:txBody>
       </p:sp>
     </p:spTree>
     <p:extLst>
       <p:ext uri="{BB962C8B-B14F-4D97-AF65-F5344CB8AC3E}">
-        <p14:creationId xmlns:p14="http://schemas.microsoft.com/office/powerpoint/2010/main" val="2360502066"/>
+        <p14:creationId xmlns:p14="http://schemas.microsoft.com/office/powerpoint/2010/main" val="1903911810"/>
       </p:ext>
     </p:extLst>
   </p:cSld>
@@ -11511,8 +11243,8 @@
               <a:t>LAYOUT – </a:t>
             </a:r>
             <a:r>
-              <a:rPr lang="ko-KR" altLang="en-US" dirty="0" smtClean="0"/>
-              <a:t>리뷰 작성</a:t>
+              <a:rPr lang="ko-KR" altLang="en-US" dirty="0" err="1" smtClean="0"/>
+              <a:t>쿠폰함</a:t>
             </a:r>
             <a:endParaRPr lang="ko-KR" altLang="en-US" dirty="0"/>
           </a:p>
@@ -11563,43 +11295,44 @@
       </p:sp>
       <p:sp>
         <p:nvSpPr>
-          <p:cNvPr id="10" name="TextBox 9"/>
-          <p:cNvSpPr txBox="1"/>
-          <p:nvPr/>
-        </p:nvSpPr>
-        <p:spPr>
-          <a:xfrm>
-            <a:off x="5279965" y="1919691"/>
-            <a:ext cx="1632070" cy="369332"/>
-          </a:xfrm>
-          <a:prstGeom prst="rect">
-            <a:avLst/>
-          </a:prstGeom>
-          <a:noFill/>
-        </p:spPr>
-        <p:txBody>
-          <a:bodyPr wrap="square" rtlCol="0">
-            <a:spAutoFit/>
-          </a:bodyPr>
-          <a:lstStyle/>
-          <a:p>
-            <a:r>
-              <a:rPr lang="ko-KR" altLang="en-US" b="1" dirty="0"/>
-              <a:t>도미노 피자</a:t>
-            </a:r>
-          </a:p>
-        </p:txBody>
-      </p:sp>
-      <p:sp>
-        <p:nvSpPr>
-          <p:cNvPr id="35" name="모서리가 둥근 직사각형 34"/>
+          <p:cNvPr id="26" name="TextBox 25"/>
+          <p:cNvSpPr txBox="1"/>
+          <p:nvPr/>
+        </p:nvSpPr>
+        <p:spPr>
+          <a:xfrm>
+            <a:off x="5500257" y="1940838"/>
+            <a:ext cx="1208107" cy="369332"/>
+          </a:xfrm>
+          <a:prstGeom prst="rect">
+            <a:avLst/>
+          </a:prstGeom>
+          <a:noFill/>
+        </p:spPr>
+        <p:txBody>
+          <a:bodyPr wrap="square" rtlCol="0">
+            <a:spAutoFit/>
+          </a:bodyPr>
+          <a:lstStyle/>
+          <a:p>
+            <a:r>
+              <a:rPr lang="ko-KR" altLang="en-US" b="1" smtClean="0"/>
+              <a:t>쿠폰함</a:t>
+            </a:r>
+            <a:endParaRPr lang="ko-KR" altLang="en-US" b="1" dirty="0"/>
+          </a:p>
+        </p:txBody>
+      </p:sp>
+      <p:sp>
+        <p:nvSpPr>
+          <p:cNvPr id="3" name="모서리가 둥근 직사각형 2"/>
           <p:cNvSpPr/>
           <p:nvPr/>
         </p:nvSpPr>
         <p:spPr>
           <a:xfrm>
-            <a:off x="430874" y="2518729"/>
-            <a:ext cx="11346874" cy="4264456"/>
+            <a:off x="430875" y="2701636"/>
+            <a:ext cx="11414761" cy="4048299"/>
           </a:xfrm>
           <a:prstGeom prst="roundRect">
             <a:avLst/>
@@ -11629,64 +11362,26 @@
           <a:lstStyle/>
           <a:p>
             <a:pPr algn="ctr"/>
-            <a:endParaRPr lang="ko-KR" altLang="en-US" b="1" dirty="0"/>
-          </a:p>
-        </p:txBody>
-      </p:sp>
-      <p:sp>
-        <p:nvSpPr>
-          <p:cNvPr id="8" name="TextBox 7">
-            <a:extLst>
-              <a:ext uri="{FF2B5EF4-FFF2-40B4-BE49-F238E27FC236}">
-                <a16:creationId xmlns:a16="http://schemas.microsoft.com/office/drawing/2014/main" id="{BCE4F2FE-353F-E6BA-8F45-4D3CBA3D1ACD}"/>
-              </a:ext>
-            </a:extLst>
-          </p:cNvPr>
-          <p:cNvSpPr txBox="1"/>
-          <p:nvPr/>
-        </p:nvSpPr>
-        <p:spPr>
-          <a:xfrm>
-            <a:off x="798367" y="2884204"/>
-            <a:ext cx="901754" cy="461665"/>
-          </a:xfrm>
-          <a:prstGeom prst="rect">
-            <a:avLst/>
-          </a:prstGeom>
-          <a:noFill/>
-        </p:spPr>
-        <p:txBody>
-          <a:bodyPr wrap="square" rtlCol="0">
-            <a:spAutoFit/>
-          </a:bodyPr>
-          <a:lstStyle/>
-          <a:p>
-            <a:r>
-              <a:rPr lang="ko-KR" altLang="en-US" sz="2400" b="1" dirty="0" smtClean="0"/>
-              <a:t>제목</a:t>
-            </a:r>
-            <a:endParaRPr lang="ko-KR" altLang="en-US" sz="2400" b="1" dirty="0"/>
-          </a:p>
-        </p:txBody>
-      </p:sp>
-      <p:sp>
-        <p:nvSpPr>
-          <p:cNvPr id="19" name="모서리가 둥근 직사각형 18"/>
+            <a:endParaRPr lang="ko-KR" altLang="en-US"/>
+          </a:p>
+        </p:txBody>
+      </p:sp>
+      <p:sp>
+        <p:nvSpPr>
+          <p:cNvPr id="4" name="모서리가 둥근 직사각형 3"/>
           <p:cNvSpPr/>
           <p:nvPr/>
         </p:nvSpPr>
         <p:spPr>
           <a:xfrm>
-            <a:off x="10227442" y="6246307"/>
-            <a:ext cx="1221498" cy="379543"/>
+            <a:off x="809103" y="2971483"/>
+            <a:ext cx="10658303" cy="781397"/>
           </a:xfrm>
           <a:prstGeom prst="roundRect">
             <a:avLst/>
           </a:prstGeom>
           <a:solidFill>
-            <a:schemeClr val="bg2">
-              <a:lumMod val="90000"/>
-            </a:schemeClr>
+            <a:schemeClr val="bg1"/>
           </a:solidFill>
         </p:spPr>
         <p:style>
@@ -11716,44 +11411,284 @@
       </p:sp>
       <p:sp>
         <p:nvSpPr>
+          <p:cNvPr id="37" name="TextBox 36"/>
+          <p:cNvSpPr txBox="1"/>
+          <p:nvPr/>
+        </p:nvSpPr>
+        <p:spPr>
+          <a:xfrm>
+            <a:off x="1234453" y="3185092"/>
+            <a:ext cx="922703" cy="369332"/>
+          </a:xfrm>
+          <a:prstGeom prst="rect">
+            <a:avLst/>
+          </a:prstGeom>
+          <a:noFill/>
+        </p:spPr>
+        <p:txBody>
+          <a:bodyPr wrap="square" rtlCol="0">
+            <a:spAutoFit/>
+          </a:bodyPr>
+          <a:lstStyle/>
+          <a:p>
+            <a:r>
+              <a:rPr lang="en-US" altLang="ko-KR" b="1" dirty="0" smtClean="0"/>
+              <a:t>No</a:t>
+            </a:r>
+            <a:endParaRPr lang="ko-KR" altLang="en-US" b="1" dirty="0"/>
+          </a:p>
+        </p:txBody>
+      </p:sp>
+      <p:sp>
+        <p:nvSpPr>
           <p:cNvPr id="42" name="TextBox 41"/>
           <p:cNvSpPr txBox="1"/>
           <p:nvPr/>
         </p:nvSpPr>
         <p:spPr>
           <a:xfrm>
-            <a:off x="10274159" y="6266801"/>
-            <a:ext cx="1128063" cy="338554"/>
-          </a:xfrm>
-          <a:prstGeom prst="rect">
-            <a:avLst/>
-          </a:prstGeom>
-          <a:noFill/>
-        </p:spPr>
-        <p:txBody>
-          <a:bodyPr wrap="square" rtlCol="0">
-            <a:spAutoFit/>
-          </a:bodyPr>
-          <a:lstStyle/>
-          <a:p>
-            <a:r>
-              <a:rPr lang="ko-KR" altLang="en-US" sz="1600" b="1" dirty="0" smtClean="0"/>
-              <a:t>리뷰 쓰기</a:t>
-            </a:r>
-            <a:endParaRPr lang="ko-KR" altLang="en-US" sz="1600" b="1" dirty="0"/>
-          </a:p>
-        </p:txBody>
-      </p:sp>
-      <p:sp>
-        <p:nvSpPr>
-          <p:cNvPr id="52" name="직사각형 51"/>
+            <a:off x="2937166" y="3179467"/>
+            <a:ext cx="922703" cy="369332"/>
+          </a:xfrm>
+          <a:prstGeom prst="rect">
+            <a:avLst/>
+          </a:prstGeom>
+          <a:noFill/>
+        </p:spPr>
+        <p:txBody>
+          <a:bodyPr wrap="square" rtlCol="0">
+            <a:spAutoFit/>
+          </a:bodyPr>
+          <a:lstStyle/>
+          <a:p>
+            <a:r>
+              <a:rPr lang="ko-KR" altLang="en-US" b="1" dirty="0" err="1" smtClean="0"/>
+              <a:t>쿠폰명</a:t>
+            </a:r>
+            <a:endParaRPr lang="ko-KR" altLang="en-US" b="1" dirty="0"/>
+          </a:p>
+        </p:txBody>
+      </p:sp>
+      <p:sp>
+        <p:nvSpPr>
+          <p:cNvPr id="43" name="TextBox 42"/>
+          <p:cNvSpPr txBox="1"/>
+          <p:nvPr/>
+        </p:nvSpPr>
+        <p:spPr>
+          <a:xfrm>
+            <a:off x="5173297" y="3183674"/>
+            <a:ext cx="1144376" cy="369332"/>
+          </a:xfrm>
+          <a:prstGeom prst="rect">
+            <a:avLst/>
+          </a:prstGeom>
+          <a:noFill/>
+        </p:spPr>
+        <p:txBody>
+          <a:bodyPr wrap="square" rtlCol="0">
+            <a:spAutoFit/>
+          </a:bodyPr>
+          <a:lstStyle/>
+          <a:p>
+            <a:r>
+              <a:rPr lang="ko-KR" altLang="en-US" b="1" dirty="0" err="1" smtClean="0"/>
+              <a:t>할인금액</a:t>
+            </a:r>
+            <a:endParaRPr lang="ko-KR" altLang="en-US" b="1" dirty="0"/>
+          </a:p>
+        </p:txBody>
+      </p:sp>
+      <p:sp>
+        <p:nvSpPr>
+          <p:cNvPr id="45" name="TextBox 44"/>
+          <p:cNvSpPr txBox="1"/>
+          <p:nvPr/>
+        </p:nvSpPr>
+        <p:spPr>
+          <a:xfrm>
+            <a:off x="9723129" y="3183674"/>
+            <a:ext cx="1144376" cy="369332"/>
+          </a:xfrm>
+          <a:prstGeom prst="rect">
+            <a:avLst/>
+          </a:prstGeom>
+          <a:noFill/>
+        </p:spPr>
+        <p:txBody>
+          <a:bodyPr wrap="square" rtlCol="0">
+            <a:spAutoFit/>
+          </a:bodyPr>
+          <a:lstStyle/>
+          <a:p>
+            <a:r>
+              <a:rPr lang="ko-KR" altLang="en-US" b="1" dirty="0" smtClean="0"/>
+              <a:t>만료일</a:t>
+            </a:r>
+            <a:endParaRPr lang="ko-KR" altLang="en-US" b="1" dirty="0"/>
+          </a:p>
+        </p:txBody>
+      </p:sp>
+      <p:sp>
+        <p:nvSpPr>
+          <p:cNvPr id="57" name="TextBox 56"/>
+          <p:cNvSpPr txBox="1"/>
+          <p:nvPr/>
+        </p:nvSpPr>
+        <p:spPr>
+          <a:xfrm>
+            <a:off x="7444050" y="3171255"/>
+            <a:ext cx="1144376" cy="369332"/>
+          </a:xfrm>
+          <a:prstGeom prst="rect">
+            <a:avLst/>
+          </a:prstGeom>
+          <a:noFill/>
+        </p:spPr>
+        <p:txBody>
+          <a:bodyPr wrap="square" rtlCol="0">
+            <a:spAutoFit/>
+          </a:bodyPr>
+          <a:lstStyle/>
+          <a:p>
+            <a:r>
+              <a:rPr lang="ko-KR" altLang="en-US" b="1" dirty="0" smtClean="0"/>
+              <a:t>지급일</a:t>
+            </a:r>
+            <a:endParaRPr lang="ko-KR" altLang="en-US" b="1" dirty="0"/>
+          </a:p>
+        </p:txBody>
+      </p:sp>
+      <p:cxnSp>
+        <p:nvCxnSpPr>
+          <p:cNvPr id="15" name="직선 연결선 14"/>
+          <p:cNvCxnSpPr/>
+          <p:nvPr/>
+        </p:nvCxnSpPr>
+        <p:spPr>
+          <a:xfrm flipH="1">
+            <a:off x="2261062" y="2971483"/>
+            <a:ext cx="8313" cy="781397"/>
+          </a:xfrm>
+          <a:prstGeom prst="line">
+            <a:avLst/>
+          </a:prstGeom>
+        </p:spPr>
+        <p:style>
+          <a:lnRef idx="1">
+            <a:schemeClr val="accent1"/>
+          </a:lnRef>
+          <a:fillRef idx="0">
+            <a:schemeClr val="accent1"/>
+          </a:fillRef>
+          <a:effectRef idx="0">
+            <a:schemeClr val="accent1"/>
+          </a:effectRef>
+          <a:fontRef idx="minor">
+            <a:schemeClr val="tx1"/>
+          </a:fontRef>
+        </p:style>
+      </p:cxnSp>
+      <p:cxnSp>
+        <p:nvCxnSpPr>
+          <p:cNvPr id="31" name="직선 연결선 30"/>
+          <p:cNvCxnSpPr/>
+          <p:nvPr/>
+        </p:nvCxnSpPr>
+        <p:spPr>
+          <a:xfrm>
+            <a:off x="4497185" y="2971483"/>
+            <a:ext cx="0" cy="781397"/>
+          </a:xfrm>
+          <a:prstGeom prst="line">
+            <a:avLst/>
+          </a:prstGeom>
+        </p:spPr>
+        <p:style>
+          <a:lnRef idx="1">
+            <a:schemeClr val="accent1"/>
+          </a:lnRef>
+          <a:fillRef idx="0">
+            <a:schemeClr val="accent1"/>
+          </a:fillRef>
+          <a:effectRef idx="0">
+            <a:schemeClr val="accent1"/>
+          </a:effectRef>
+          <a:fontRef idx="minor">
+            <a:schemeClr val="tx1"/>
+          </a:fontRef>
+        </p:style>
+      </p:cxnSp>
+      <p:cxnSp>
+        <p:nvCxnSpPr>
+          <p:cNvPr id="33" name="직선 연결선 32"/>
+          <p:cNvCxnSpPr/>
+          <p:nvPr/>
+        </p:nvCxnSpPr>
+        <p:spPr>
+          <a:xfrm>
+            <a:off x="6941127" y="2971483"/>
+            <a:ext cx="8313" cy="781397"/>
+          </a:xfrm>
+          <a:prstGeom prst="line">
+            <a:avLst/>
+          </a:prstGeom>
+        </p:spPr>
+        <p:style>
+          <a:lnRef idx="1">
+            <a:schemeClr val="accent1"/>
+          </a:lnRef>
+          <a:fillRef idx="0">
+            <a:schemeClr val="accent1"/>
+          </a:fillRef>
+          <a:effectRef idx="0">
+            <a:schemeClr val="accent1"/>
+          </a:effectRef>
+          <a:fontRef idx="minor">
+            <a:schemeClr val="tx1"/>
+          </a:fontRef>
+        </p:style>
+      </p:cxnSp>
+      <p:cxnSp>
+        <p:nvCxnSpPr>
+          <p:cNvPr id="61" name="직선 연결선 60"/>
+          <p:cNvCxnSpPr/>
+          <p:nvPr/>
+        </p:nvCxnSpPr>
+        <p:spPr>
+          <a:xfrm>
+            <a:off x="8819804" y="2971483"/>
+            <a:ext cx="8312" cy="781397"/>
+          </a:xfrm>
+          <a:prstGeom prst="line">
+            <a:avLst/>
+          </a:prstGeom>
+        </p:spPr>
+        <p:style>
+          <a:lnRef idx="1">
+            <a:schemeClr val="accent1"/>
+          </a:lnRef>
+          <a:fillRef idx="0">
+            <a:schemeClr val="accent1"/>
+          </a:fillRef>
+          <a:effectRef idx="0">
+            <a:schemeClr val="accent1"/>
+          </a:effectRef>
+          <a:fontRef idx="minor">
+            <a:schemeClr val="tx1"/>
+          </a:fontRef>
+        </p:style>
+      </p:cxnSp>
+      <p:sp>
+        <p:nvSpPr>
+          <p:cNvPr id="63" name="직사각형 62"/>
           <p:cNvSpPr/>
           <p:nvPr/>
         </p:nvSpPr>
         <p:spPr>
           <a:xfrm>
-            <a:off x="1616992" y="2804626"/>
-            <a:ext cx="9596875" cy="592084"/>
+            <a:off x="809104" y="3740359"/>
+            <a:ext cx="10658302" cy="2860148"/>
           </a:xfrm>
           <a:prstGeom prst="rect">
             <a:avLst/>
@@ -11783,233 +11718,22 @@
           <a:lstStyle/>
           <a:p>
             <a:pPr algn="ctr"/>
-            <a:endParaRPr lang="ko-KR" altLang="en-US" dirty="0"/>
-          </a:p>
-        </p:txBody>
-      </p:sp>
-      <p:sp>
-        <p:nvSpPr>
-          <p:cNvPr id="53" name="TextBox 52"/>
-          <p:cNvSpPr txBox="1"/>
-          <p:nvPr/>
-        </p:nvSpPr>
-        <p:spPr>
-          <a:xfrm>
-            <a:off x="1700121" y="2903883"/>
-            <a:ext cx="2860977" cy="400110"/>
-          </a:xfrm>
-          <a:prstGeom prst="rect">
-            <a:avLst/>
-          </a:prstGeom>
-          <a:noFill/>
-        </p:spPr>
-        <p:txBody>
-          <a:bodyPr wrap="square" rtlCol="0">
-            <a:spAutoFit/>
-          </a:bodyPr>
-          <a:lstStyle/>
-          <a:p>
-            <a:r>
-              <a:rPr lang="ko-KR" altLang="en-US" sz="2000" b="1" dirty="0" smtClean="0">
-                <a:solidFill>
-                  <a:schemeClr val="tx1">
-                    <a:lumMod val="50000"/>
-                    <a:lumOff val="50000"/>
-                  </a:schemeClr>
-                </a:solidFill>
-              </a:rPr>
-              <a:t>제목을 입력해주세요</a:t>
-            </a:r>
-            <a:r>
-              <a:rPr lang="en-US" altLang="ko-KR" sz="2000" b="1" dirty="0" smtClean="0">
-                <a:solidFill>
-                  <a:schemeClr val="tx1">
-                    <a:lumMod val="50000"/>
-                    <a:lumOff val="50000"/>
-                  </a:schemeClr>
-                </a:solidFill>
-              </a:rPr>
-              <a:t>.</a:t>
-            </a:r>
-            <a:endParaRPr lang="ko-KR" altLang="en-US" sz="2000" b="1" dirty="0">
-              <a:solidFill>
-                <a:schemeClr val="tx1">
-                  <a:lumMod val="50000"/>
-                  <a:lumOff val="50000"/>
-                </a:schemeClr>
-              </a:solidFill>
-            </a:endParaRPr>
-          </a:p>
-        </p:txBody>
-      </p:sp>
-      <p:sp>
-        <p:nvSpPr>
-          <p:cNvPr id="54" name="TextBox 53">
-            <a:extLst>
-              <a:ext uri="{FF2B5EF4-FFF2-40B4-BE49-F238E27FC236}">
-                <a16:creationId xmlns:a16="http://schemas.microsoft.com/office/drawing/2014/main" id="{BCE4F2FE-353F-E6BA-8F45-4D3CBA3D1ACD}"/>
-              </a:ext>
-            </a:extLst>
-          </p:cNvPr>
-          <p:cNvSpPr txBox="1"/>
-          <p:nvPr/>
-        </p:nvSpPr>
-        <p:spPr>
-          <a:xfrm>
-            <a:off x="792389" y="3709247"/>
-            <a:ext cx="901754" cy="461665"/>
-          </a:xfrm>
-          <a:prstGeom prst="rect">
-            <a:avLst/>
-          </a:prstGeom>
-          <a:noFill/>
-        </p:spPr>
-        <p:txBody>
-          <a:bodyPr wrap="square" rtlCol="0">
-            <a:spAutoFit/>
-          </a:bodyPr>
-          <a:lstStyle/>
-          <a:p>
-            <a:r>
-              <a:rPr lang="ko-KR" altLang="en-US" sz="2400" b="1" dirty="0" smtClean="0"/>
-              <a:t>내용</a:t>
-            </a:r>
-            <a:endParaRPr lang="ko-KR" altLang="en-US" sz="2400" b="1" dirty="0"/>
-          </a:p>
-        </p:txBody>
-      </p:sp>
-      <p:sp>
-        <p:nvSpPr>
-          <p:cNvPr id="56" name="모서리가 둥근 직사각형 55"/>
-          <p:cNvSpPr/>
-          <p:nvPr/>
-        </p:nvSpPr>
-        <p:spPr>
-          <a:xfrm>
-            <a:off x="1616991" y="3495967"/>
-            <a:ext cx="9596875" cy="1805885"/>
-          </a:xfrm>
-          <a:prstGeom prst="roundRect">
-            <a:avLst/>
-          </a:prstGeom>
-          <a:solidFill>
-            <a:schemeClr val="bg1"/>
-          </a:solidFill>
-        </p:spPr>
-        <p:style>
-          <a:lnRef idx="2">
-            <a:schemeClr val="accent1">
-              <a:shade val="50000"/>
-            </a:schemeClr>
-          </a:lnRef>
-          <a:fillRef idx="1">
-            <a:schemeClr val="accent1"/>
-          </a:fillRef>
-          <a:effectRef idx="0">
-            <a:schemeClr val="accent1"/>
-          </a:effectRef>
-          <a:fontRef idx="minor">
-            <a:schemeClr val="lt1"/>
-          </a:fontRef>
-        </p:style>
-        <p:txBody>
-          <a:bodyPr rtlCol="0" anchor="ctr"/>
-          <a:lstStyle/>
-          <a:p>
-            <a:pPr algn="ctr"/>
-            <a:endParaRPr lang="ko-KR" altLang="en-US" b="1" dirty="0"/>
-          </a:p>
-        </p:txBody>
-      </p:sp>
-      <p:sp>
-        <p:nvSpPr>
-          <p:cNvPr id="57" name="TextBox 56">
-            <a:extLst>
-              <a:ext uri="{FF2B5EF4-FFF2-40B4-BE49-F238E27FC236}">
-                <a16:creationId xmlns:a16="http://schemas.microsoft.com/office/drawing/2014/main" id="{BCE4F2FE-353F-E6BA-8F45-4D3CBA3D1ACD}"/>
-              </a:ext>
-            </a:extLst>
-          </p:cNvPr>
-          <p:cNvSpPr txBox="1"/>
-          <p:nvPr/>
-        </p:nvSpPr>
-        <p:spPr>
-          <a:xfrm>
-            <a:off x="792389" y="5546883"/>
-            <a:ext cx="901754" cy="461665"/>
-          </a:xfrm>
-          <a:prstGeom prst="rect">
-            <a:avLst/>
-          </a:prstGeom>
-          <a:noFill/>
-        </p:spPr>
-        <p:txBody>
-          <a:bodyPr wrap="square" rtlCol="0">
-            <a:spAutoFit/>
-          </a:bodyPr>
-          <a:lstStyle/>
-          <a:p>
-            <a:r>
-              <a:rPr lang="ko-KR" altLang="en-US" sz="2400" b="1" dirty="0" err="1" smtClean="0"/>
-              <a:t>별점</a:t>
-            </a:r>
-            <a:endParaRPr lang="ko-KR" altLang="en-US" sz="2400" b="1" dirty="0"/>
-          </a:p>
-        </p:txBody>
-      </p:sp>
-      <p:sp>
-        <p:nvSpPr>
-          <p:cNvPr id="58" name="직사각형 57"/>
-          <p:cNvSpPr/>
-          <p:nvPr/>
-        </p:nvSpPr>
-        <p:spPr>
-          <a:xfrm>
-            <a:off x="1616991" y="5515131"/>
-            <a:ext cx="1583409" cy="503425"/>
-          </a:xfrm>
-          <a:prstGeom prst="rect">
-            <a:avLst/>
-          </a:prstGeom>
-          <a:solidFill>
-            <a:schemeClr val="bg1"/>
-          </a:solidFill>
-        </p:spPr>
-        <p:style>
-          <a:lnRef idx="2">
-            <a:schemeClr val="accent1">
-              <a:shade val="50000"/>
-            </a:schemeClr>
-          </a:lnRef>
-          <a:fillRef idx="1">
-            <a:schemeClr val="accent1"/>
-          </a:fillRef>
-          <a:effectRef idx="0">
-            <a:schemeClr val="accent1"/>
-          </a:effectRef>
-          <a:fontRef idx="minor">
-            <a:schemeClr val="lt1"/>
-          </a:fontRef>
-        </p:style>
-        <p:txBody>
-          <a:bodyPr rtlCol="0" anchor="ctr"/>
-          <a:lstStyle/>
-          <a:p>
-            <a:pPr algn="ctr"/>
-            <a:endParaRPr lang="ko-KR" altLang="en-US" dirty="0"/>
+            <a:endParaRPr lang="ko-KR" altLang="en-US"/>
           </a:p>
         </p:txBody>
       </p:sp>
       <p:cxnSp>
         <p:nvCxnSpPr>
-          <p:cNvPr id="20" name="직선 연결선 19"/>
-          <p:cNvCxnSpPr/>
+          <p:cNvPr id="65" name="직선 연결선 64"/>
+          <p:cNvCxnSpPr>
+            <a:stCxn id="63" idx="1"/>
+          </p:cNvCxnSpPr>
           <p:nvPr/>
         </p:nvCxnSpPr>
         <p:spPr>
           <a:xfrm>
-            <a:off x="2851265" y="5515131"/>
-            <a:ext cx="0" cy="503425"/>
+            <a:off x="809104" y="5170433"/>
+            <a:ext cx="10695711" cy="8597"/>
           </a:xfrm>
           <a:prstGeom prst="line">
             <a:avLst/>
@@ -12030,254 +11754,446 @@
           </a:fontRef>
         </p:style>
       </p:cxnSp>
-      <p:sp>
-        <p:nvSpPr>
-          <p:cNvPr id="59" name="TextBox 58"/>
-          <p:cNvSpPr txBox="1"/>
-          <p:nvPr/>
-        </p:nvSpPr>
-        <p:spPr>
-          <a:xfrm>
-            <a:off x="2851265" y="5597566"/>
-            <a:ext cx="1128063" cy="338554"/>
-          </a:xfrm>
-          <a:prstGeom prst="rect">
-            <a:avLst/>
-          </a:prstGeom>
-          <a:noFill/>
-        </p:spPr>
-        <p:txBody>
-          <a:bodyPr wrap="square" rtlCol="0">
-            <a:spAutoFit/>
-          </a:bodyPr>
-          <a:lstStyle/>
-          <a:p>
-            <a:r>
-              <a:rPr lang="en-US" altLang="ko-KR" sz="1600" b="1" dirty="0"/>
-              <a:t>V</a:t>
-            </a:r>
-            <a:endParaRPr lang="ko-KR" altLang="en-US" sz="1600" b="1" dirty="0"/>
-          </a:p>
-        </p:txBody>
-      </p:sp>
-      <p:sp>
-        <p:nvSpPr>
-          <p:cNvPr id="60" name="TextBox 59"/>
-          <p:cNvSpPr txBox="1"/>
-          <p:nvPr/>
-        </p:nvSpPr>
-        <p:spPr>
-          <a:xfrm>
-            <a:off x="2087728" y="5608438"/>
-            <a:ext cx="1128063" cy="338554"/>
-          </a:xfrm>
-          <a:prstGeom prst="rect">
-            <a:avLst/>
-          </a:prstGeom>
-          <a:noFill/>
-        </p:spPr>
-        <p:txBody>
-          <a:bodyPr wrap="square" rtlCol="0">
-            <a:spAutoFit/>
-          </a:bodyPr>
-          <a:lstStyle/>
-          <a:p>
-            <a:r>
-              <a:rPr lang="en-US" altLang="ko-KR" sz="1600" b="1" dirty="0" smtClean="0"/>
-              <a:t>3</a:t>
-            </a:r>
-            <a:endParaRPr lang="ko-KR" altLang="en-US" sz="1600" b="1" dirty="0"/>
-          </a:p>
-        </p:txBody>
-      </p:sp>
-      <p:sp>
-        <p:nvSpPr>
-          <p:cNvPr id="61" name="TextBox 60">
-            <a:extLst>
-              <a:ext uri="{FF2B5EF4-FFF2-40B4-BE49-F238E27FC236}">
-                <a16:creationId xmlns:a16="http://schemas.microsoft.com/office/drawing/2014/main" id="{BCE4F2FE-353F-E6BA-8F45-4D3CBA3D1ACD}"/>
-              </a:ext>
-            </a:extLst>
-          </p:cNvPr>
-          <p:cNvSpPr txBox="1"/>
-          <p:nvPr/>
-        </p:nvSpPr>
-        <p:spPr>
-          <a:xfrm>
-            <a:off x="3978573" y="5543247"/>
-            <a:ext cx="1856962" cy="461665"/>
-          </a:xfrm>
-          <a:prstGeom prst="rect">
-            <a:avLst/>
-          </a:prstGeom>
-          <a:noFill/>
-        </p:spPr>
-        <p:txBody>
-          <a:bodyPr wrap="square" rtlCol="0">
-            <a:spAutoFit/>
-          </a:bodyPr>
-          <a:lstStyle/>
-          <a:p>
-            <a:r>
-              <a:rPr lang="ko-KR" altLang="en-US" sz="2400" b="1" smtClean="0"/>
-              <a:t>사진 업로드</a:t>
-            </a:r>
-            <a:endParaRPr lang="ko-KR" altLang="en-US" sz="2400" b="1" dirty="0"/>
-          </a:p>
-        </p:txBody>
-      </p:sp>
-      <p:sp>
-        <p:nvSpPr>
-          <p:cNvPr id="63" name="모서리가 둥근 직사각형 62"/>
-          <p:cNvSpPr/>
-          <p:nvPr/>
-        </p:nvSpPr>
-        <p:spPr>
-          <a:xfrm>
-            <a:off x="7433893" y="5470903"/>
-            <a:ext cx="1221498" cy="503425"/>
-          </a:xfrm>
-          <a:prstGeom prst="roundRect">
-            <a:avLst/>
-          </a:prstGeom>
-          <a:solidFill>
-            <a:schemeClr val="bg2">
-              <a:lumMod val="90000"/>
-            </a:schemeClr>
-          </a:solidFill>
+      <p:cxnSp>
+        <p:nvCxnSpPr>
+          <p:cNvPr id="67" name="직선 연결선 66"/>
+          <p:cNvCxnSpPr/>
+          <p:nvPr/>
+        </p:nvCxnSpPr>
+        <p:spPr>
+          <a:xfrm>
+            <a:off x="2261062" y="3752880"/>
+            <a:ext cx="0" cy="2864052"/>
+          </a:xfrm>
+          <a:prstGeom prst="line">
+            <a:avLst/>
+          </a:prstGeom>
         </p:spPr>
         <p:style>
-          <a:lnRef idx="2">
-            <a:schemeClr val="accent1">
-              <a:shade val="50000"/>
-            </a:schemeClr>
+          <a:lnRef idx="1">
+            <a:schemeClr val="accent1"/>
           </a:lnRef>
-          <a:fillRef idx="1">
+          <a:fillRef idx="0">
             <a:schemeClr val="accent1"/>
           </a:fillRef>
           <a:effectRef idx="0">
             <a:schemeClr val="accent1"/>
           </a:effectRef>
           <a:fontRef idx="minor">
-            <a:schemeClr val="lt1"/>
+            <a:schemeClr val="tx1"/>
           </a:fontRef>
         </p:style>
-        <p:txBody>
-          <a:bodyPr rtlCol="0" anchor="ctr"/>
-          <a:lstStyle/>
-          <a:p>
-            <a:pPr algn="ctr"/>
-            <a:endParaRPr lang="ko-KR" altLang="en-US"/>
-          </a:p>
-        </p:txBody>
-      </p:sp>
-      <p:sp>
-        <p:nvSpPr>
-          <p:cNvPr id="64" name="TextBox 63"/>
-          <p:cNvSpPr txBox="1"/>
-          <p:nvPr/>
-        </p:nvSpPr>
-        <p:spPr>
-          <a:xfrm>
-            <a:off x="7480610" y="5555364"/>
-            <a:ext cx="1128063" cy="338554"/>
-          </a:xfrm>
-          <a:prstGeom prst="rect">
-            <a:avLst/>
-          </a:prstGeom>
-          <a:noFill/>
-        </p:spPr>
-        <p:txBody>
-          <a:bodyPr wrap="square" rtlCol="0">
-            <a:spAutoFit/>
-          </a:bodyPr>
-          <a:lstStyle/>
-          <a:p>
-            <a:r>
-              <a:rPr lang="ko-KR" altLang="en-US" sz="1600" b="1" dirty="0" smtClean="0"/>
-              <a:t>파일 선택</a:t>
-            </a:r>
-            <a:endParaRPr lang="ko-KR" altLang="en-US" sz="1600" b="1" dirty="0"/>
-          </a:p>
-        </p:txBody>
-      </p:sp>
-      <p:sp>
-        <p:nvSpPr>
-          <p:cNvPr id="65" name="직사각형 64"/>
-          <p:cNvSpPr/>
-          <p:nvPr/>
-        </p:nvSpPr>
-        <p:spPr>
-          <a:xfrm>
-            <a:off x="5776124" y="5470903"/>
-            <a:ext cx="1583409" cy="503425"/>
-          </a:xfrm>
-          <a:prstGeom prst="rect">
-            <a:avLst/>
-          </a:prstGeom>
-          <a:solidFill>
-            <a:schemeClr val="bg1"/>
-          </a:solidFill>
+      </p:cxnSp>
+      <p:cxnSp>
+        <p:nvCxnSpPr>
+          <p:cNvPr id="70" name="직선 연결선 69"/>
+          <p:cNvCxnSpPr/>
+          <p:nvPr/>
+        </p:nvCxnSpPr>
+        <p:spPr>
+          <a:xfrm>
+            <a:off x="4497185" y="3752880"/>
+            <a:ext cx="0" cy="2864052"/>
+          </a:xfrm>
+          <a:prstGeom prst="line">
+            <a:avLst/>
+          </a:prstGeom>
         </p:spPr>
         <p:style>
-          <a:lnRef idx="2">
-            <a:schemeClr val="accent1">
-              <a:shade val="50000"/>
-            </a:schemeClr>
+          <a:lnRef idx="1">
+            <a:schemeClr val="accent1"/>
           </a:lnRef>
-          <a:fillRef idx="1">
+          <a:fillRef idx="0">
             <a:schemeClr val="accent1"/>
           </a:fillRef>
           <a:effectRef idx="0">
             <a:schemeClr val="accent1"/>
           </a:effectRef>
           <a:fontRef idx="minor">
-            <a:schemeClr val="lt1"/>
+            <a:schemeClr val="tx1"/>
           </a:fontRef>
         </p:style>
-        <p:txBody>
-          <a:bodyPr rtlCol="0" anchor="ctr"/>
-          <a:lstStyle/>
-          <a:p>
-            <a:pPr algn="ctr"/>
-            <a:endParaRPr lang="ko-KR" altLang="en-US" dirty="0"/>
-          </a:p>
-        </p:txBody>
-      </p:sp>
-      <p:sp>
-        <p:nvSpPr>
-          <p:cNvPr id="66" name="TextBox 65"/>
-          <p:cNvSpPr txBox="1"/>
-          <p:nvPr/>
-        </p:nvSpPr>
-        <p:spPr>
-          <a:xfrm>
-            <a:off x="6003796" y="5555364"/>
-            <a:ext cx="1128063" cy="338554"/>
-          </a:xfrm>
-          <a:prstGeom prst="rect">
-            <a:avLst/>
-          </a:prstGeom>
-          <a:noFill/>
-        </p:spPr>
-        <p:txBody>
-          <a:bodyPr wrap="square" rtlCol="0">
-            <a:spAutoFit/>
-          </a:bodyPr>
-          <a:lstStyle/>
-          <a:p>
-            <a:r>
-              <a:rPr lang="en-US" altLang="ko-KR" sz="1600" b="1" dirty="0" smtClean="0"/>
-              <a:t>Test.PNG</a:t>
-            </a:r>
-            <a:endParaRPr lang="ko-KR" altLang="en-US" sz="1600" b="1" dirty="0"/>
+      </p:cxnSp>
+      <p:cxnSp>
+        <p:nvCxnSpPr>
+          <p:cNvPr id="72" name="직선 연결선 71"/>
+          <p:cNvCxnSpPr/>
+          <p:nvPr/>
+        </p:nvCxnSpPr>
+        <p:spPr>
+          <a:xfrm>
+            <a:off x="6949440" y="3752880"/>
+            <a:ext cx="0" cy="2864052"/>
+          </a:xfrm>
+          <a:prstGeom prst="line">
+            <a:avLst/>
+          </a:prstGeom>
+        </p:spPr>
+        <p:style>
+          <a:lnRef idx="1">
+            <a:schemeClr val="accent1"/>
+          </a:lnRef>
+          <a:fillRef idx="0">
+            <a:schemeClr val="accent1"/>
+          </a:fillRef>
+          <a:effectRef idx="0">
+            <a:schemeClr val="accent1"/>
+          </a:effectRef>
+          <a:fontRef idx="minor">
+            <a:schemeClr val="tx1"/>
+          </a:fontRef>
+        </p:style>
+      </p:cxnSp>
+      <p:cxnSp>
+        <p:nvCxnSpPr>
+          <p:cNvPr id="74" name="직선 연결선 73"/>
+          <p:cNvCxnSpPr/>
+          <p:nvPr/>
+        </p:nvCxnSpPr>
+        <p:spPr>
+          <a:xfrm>
+            <a:off x="8828116" y="3752880"/>
+            <a:ext cx="0" cy="2864052"/>
+          </a:xfrm>
+          <a:prstGeom prst="line">
+            <a:avLst/>
+          </a:prstGeom>
+        </p:spPr>
+        <p:style>
+          <a:lnRef idx="1">
+            <a:schemeClr val="accent1"/>
+          </a:lnRef>
+          <a:fillRef idx="0">
+            <a:schemeClr val="accent1"/>
+          </a:fillRef>
+          <a:effectRef idx="0">
+            <a:schemeClr val="accent1"/>
+          </a:effectRef>
+          <a:fontRef idx="minor">
+            <a:schemeClr val="tx1"/>
+          </a:fontRef>
+        </p:style>
+      </p:cxnSp>
+      <p:sp>
+        <p:nvSpPr>
+          <p:cNvPr id="75" name="TextBox 74"/>
+          <p:cNvSpPr txBox="1"/>
+          <p:nvPr/>
+        </p:nvSpPr>
+        <p:spPr>
+          <a:xfrm>
+            <a:off x="1361904" y="4356453"/>
+            <a:ext cx="922703" cy="369332"/>
+          </a:xfrm>
+          <a:prstGeom prst="rect">
+            <a:avLst/>
+          </a:prstGeom>
+          <a:noFill/>
+        </p:spPr>
+        <p:txBody>
+          <a:bodyPr wrap="square" rtlCol="0">
+            <a:spAutoFit/>
+          </a:bodyPr>
+          <a:lstStyle/>
+          <a:p>
+            <a:r>
+              <a:rPr lang="en-US" altLang="ko-KR" b="1" dirty="0"/>
+              <a:t>1</a:t>
+            </a:r>
+            <a:endParaRPr lang="ko-KR" altLang="en-US" b="1" dirty="0"/>
+          </a:p>
+        </p:txBody>
+      </p:sp>
+      <p:sp>
+        <p:nvSpPr>
+          <p:cNvPr id="76" name="TextBox 75"/>
+          <p:cNvSpPr txBox="1"/>
+          <p:nvPr/>
+        </p:nvSpPr>
+        <p:spPr>
+          <a:xfrm>
+            <a:off x="1354984" y="5721527"/>
+            <a:ext cx="922703" cy="369332"/>
+          </a:xfrm>
+          <a:prstGeom prst="rect">
+            <a:avLst/>
+          </a:prstGeom>
+          <a:noFill/>
+        </p:spPr>
+        <p:txBody>
+          <a:bodyPr wrap="square" rtlCol="0">
+            <a:spAutoFit/>
+          </a:bodyPr>
+          <a:lstStyle/>
+          <a:p>
+            <a:r>
+              <a:rPr lang="en-US" altLang="ko-KR" b="1" dirty="0" smtClean="0"/>
+              <a:t>2</a:t>
+            </a:r>
+            <a:endParaRPr lang="ko-KR" altLang="en-US" b="1" dirty="0"/>
+          </a:p>
+        </p:txBody>
+      </p:sp>
+      <p:sp>
+        <p:nvSpPr>
+          <p:cNvPr id="77" name="TextBox 76"/>
+          <p:cNvSpPr txBox="1"/>
+          <p:nvPr/>
+        </p:nvSpPr>
+        <p:spPr>
+          <a:xfrm>
+            <a:off x="2721035" y="4392776"/>
+            <a:ext cx="1227520" cy="369332"/>
+          </a:xfrm>
+          <a:prstGeom prst="rect">
+            <a:avLst/>
+          </a:prstGeom>
+          <a:noFill/>
+        </p:spPr>
+        <p:txBody>
+          <a:bodyPr wrap="square" rtlCol="0">
+            <a:spAutoFit/>
+          </a:bodyPr>
+          <a:lstStyle/>
+          <a:p>
+            <a:r>
+              <a:rPr lang="ko-KR" altLang="en-US" b="1" dirty="0" smtClean="0"/>
+              <a:t>치킨 할인</a:t>
+            </a:r>
+            <a:endParaRPr lang="ko-KR" altLang="en-US" b="1" dirty="0"/>
+          </a:p>
+        </p:txBody>
+      </p:sp>
+      <p:sp>
+        <p:nvSpPr>
+          <p:cNvPr id="79" name="TextBox 78"/>
+          <p:cNvSpPr txBox="1"/>
+          <p:nvPr/>
+        </p:nvSpPr>
+        <p:spPr>
+          <a:xfrm>
+            <a:off x="2721035" y="5715584"/>
+            <a:ext cx="2019991" cy="369332"/>
+          </a:xfrm>
+          <a:prstGeom prst="rect">
+            <a:avLst/>
+          </a:prstGeom>
+          <a:noFill/>
+        </p:spPr>
+        <p:txBody>
+          <a:bodyPr wrap="square" rtlCol="0">
+            <a:spAutoFit/>
+          </a:bodyPr>
+          <a:lstStyle/>
+          <a:p>
+            <a:r>
+              <a:rPr lang="ko-KR" altLang="en-US" b="1" smtClean="0"/>
+              <a:t>피자 할인</a:t>
+            </a:r>
+            <a:endParaRPr lang="ko-KR" altLang="en-US" b="1" dirty="0"/>
+          </a:p>
+        </p:txBody>
+      </p:sp>
+      <p:sp>
+        <p:nvSpPr>
+          <p:cNvPr id="80" name="TextBox 79"/>
+          <p:cNvSpPr txBox="1"/>
+          <p:nvPr/>
+        </p:nvSpPr>
+        <p:spPr>
+          <a:xfrm>
+            <a:off x="5212083" y="4376351"/>
+            <a:ext cx="2019991" cy="369332"/>
+          </a:xfrm>
+          <a:prstGeom prst="rect">
+            <a:avLst/>
+          </a:prstGeom>
+          <a:noFill/>
+        </p:spPr>
+        <p:txBody>
+          <a:bodyPr wrap="square" rtlCol="0">
+            <a:spAutoFit/>
+          </a:bodyPr>
+          <a:lstStyle/>
+          <a:p>
+            <a:r>
+              <a:rPr lang="en-US" altLang="ko-KR" b="1" dirty="0" smtClean="0"/>
+              <a:t>3</a:t>
+            </a:r>
+            <a:r>
+              <a:rPr lang="en-US" altLang="ko-KR" b="1" dirty="0"/>
+              <a:t>,</a:t>
+            </a:r>
+            <a:r>
+              <a:rPr lang="en-US" altLang="ko-KR" b="1" dirty="0" smtClean="0"/>
+              <a:t>000</a:t>
+            </a:r>
+            <a:r>
+              <a:rPr lang="ko-KR" altLang="en-US" b="1" dirty="0" smtClean="0"/>
+              <a:t>원</a:t>
+            </a:r>
+            <a:endParaRPr lang="ko-KR" altLang="en-US" b="1" dirty="0"/>
+          </a:p>
+        </p:txBody>
+      </p:sp>
+      <p:sp>
+        <p:nvSpPr>
+          <p:cNvPr id="81" name="TextBox 80"/>
+          <p:cNvSpPr txBox="1"/>
+          <p:nvPr/>
+        </p:nvSpPr>
+        <p:spPr>
+          <a:xfrm>
+            <a:off x="5146963" y="5699159"/>
+            <a:ext cx="2019991" cy="369332"/>
+          </a:xfrm>
+          <a:prstGeom prst="rect">
+            <a:avLst/>
+          </a:prstGeom>
+          <a:noFill/>
+        </p:spPr>
+        <p:txBody>
+          <a:bodyPr wrap="square" rtlCol="0">
+            <a:spAutoFit/>
+          </a:bodyPr>
+          <a:lstStyle/>
+          <a:p>
+            <a:r>
+              <a:rPr lang="en-US" altLang="ko-KR" b="1" dirty="0" smtClean="0"/>
+              <a:t>10,000</a:t>
+            </a:r>
+            <a:r>
+              <a:rPr lang="ko-KR" altLang="en-US" b="1" dirty="0" smtClean="0"/>
+              <a:t>원</a:t>
+            </a:r>
+            <a:endParaRPr lang="ko-KR" altLang="en-US" b="1" dirty="0"/>
+          </a:p>
+        </p:txBody>
+      </p:sp>
+      <p:sp>
+        <p:nvSpPr>
+          <p:cNvPr id="84" name="TextBox 83"/>
+          <p:cNvSpPr txBox="1"/>
+          <p:nvPr/>
+        </p:nvSpPr>
+        <p:spPr>
+          <a:xfrm>
+            <a:off x="9464040" y="5746815"/>
+            <a:ext cx="2019991" cy="369332"/>
+          </a:xfrm>
+          <a:prstGeom prst="rect">
+            <a:avLst/>
+          </a:prstGeom>
+          <a:noFill/>
+        </p:spPr>
+        <p:txBody>
+          <a:bodyPr wrap="square" rtlCol="0">
+            <a:spAutoFit/>
+          </a:bodyPr>
+          <a:lstStyle/>
+          <a:p>
+            <a:r>
+              <a:rPr lang="en-US" altLang="ko-KR" b="1" dirty="0"/>
+              <a:t>2022-10-13</a:t>
+            </a:r>
+            <a:endParaRPr lang="ko-KR" altLang="en-US" b="1" dirty="0"/>
+          </a:p>
+        </p:txBody>
+      </p:sp>
+      <p:sp>
+        <p:nvSpPr>
+          <p:cNvPr id="85" name="TextBox 84"/>
+          <p:cNvSpPr txBox="1"/>
+          <p:nvPr/>
+        </p:nvSpPr>
+        <p:spPr>
+          <a:xfrm>
+            <a:off x="9401696" y="4392776"/>
+            <a:ext cx="1446412" cy="369332"/>
+          </a:xfrm>
+          <a:prstGeom prst="rect">
+            <a:avLst/>
+          </a:prstGeom>
+          <a:noFill/>
+        </p:spPr>
+        <p:txBody>
+          <a:bodyPr wrap="square" rtlCol="0">
+            <a:spAutoFit/>
+          </a:bodyPr>
+          <a:lstStyle/>
+          <a:p>
+            <a:r>
+              <a:rPr lang="en-US" altLang="ko-KR" b="1" dirty="0"/>
+              <a:t>2022-08-09</a:t>
+            </a:r>
+            <a:endParaRPr lang="ko-KR" altLang="en-US" b="1" dirty="0"/>
+          </a:p>
+        </p:txBody>
+      </p:sp>
+      <p:sp>
+        <p:nvSpPr>
+          <p:cNvPr id="32" name="TextBox 31"/>
+          <p:cNvSpPr txBox="1"/>
+          <p:nvPr/>
+        </p:nvSpPr>
+        <p:spPr>
+          <a:xfrm>
+            <a:off x="7161416" y="4392776"/>
+            <a:ext cx="1446412" cy="369332"/>
+          </a:xfrm>
+          <a:prstGeom prst="rect">
+            <a:avLst/>
+          </a:prstGeom>
+          <a:noFill/>
+        </p:spPr>
+        <p:txBody>
+          <a:bodyPr wrap="square" rtlCol="0">
+            <a:spAutoFit/>
+          </a:bodyPr>
+          <a:lstStyle/>
+          <a:p>
+            <a:r>
+              <a:rPr lang="en-US" altLang="ko-KR" b="1" dirty="0" smtClean="0"/>
+              <a:t>2022-08-06</a:t>
+            </a:r>
+            <a:endParaRPr lang="ko-KR" altLang="en-US" b="1" dirty="0"/>
+          </a:p>
+        </p:txBody>
+      </p:sp>
+      <p:sp>
+        <p:nvSpPr>
+          <p:cNvPr id="34" name="TextBox 33"/>
+          <p:cNvSpPr txBox="1"/>
+          <p:nvPr/>
+        </p:nvSpPr>
+        <p:spPr>
+          <a:xfrm>
+            <a:off x="7161416" y="5715584"/>
+            <a:ext cx="1446412" cy="369332"/>
+          </a:xfrm>
+          <a:prstGeom prst="rect">
+            <a:avLst/>
+          </a:prstGeom>
+          <a:noFill/>
+        </p:spPr>
+        <p:txBody>
+          <a:bodyPr wrap="square" rtlCol="0">
+            <a:spAutoFit/>
+          </a:bodyPr>
+          <a:lstStyle/>
+          <a:p>
+            <a:r>
+              <a:rPr lang="en-US" altLang="ko-KR" b="1" dirty="0" smtClean="0"/>
+              <a:t>2022-08-06</a:t>
+            </a:r>
+            <a:endParaRPr lang="ko-KR" altLang="en-US" b="1" dirty="0"/>
           </a:p>
         </p:txBody>
       </p:sp>
     </p:spTree>
     <p:extLst>
       <p:ext uri="{BB962C8B-B14F-4D97-AF65-F5344CB8AC3E}">
-        <p14:creationId xmlns:p14="http://schemas.microsoft.com/office/powerpoint/2010/main" val="710400572"/>
+        <p14:creationId xmlns:p14="http://schemas.microsoft.com/office/powerpoint/2010/main" val="2360502066"/>
       </p:ext>
     </p:extLst>
   </p:cSld>
@@ -16687,10 +16603,30 @@
           </a:p>
           <a:p>
             <a:r>
+              <a:rPr lang="ko-KR" altLang="en-US" dirty="0" err="1" smtClean="0"/>
+              <a:t>운영툴</a:t>
+            </a:r>
+            <a:r>
+              <a:rPr lang="ko-KR" altLang="en-US" dirty="0" smtClean="0"/>
+              <a:t> 프로젝트를 따로 생성할 계획은 없으며 권한에 따라 상기 프로젝트내에서 가맹점 점주가 매장 관련 정보들을 입력할 수 있는 기능들을 추가할 예정입니다</a:t>
+            </a:r>
+            <a:r>
+              <a:rPr lang="en-US" altLang="ko-KR" dirty="0" smtClean="0"/>
+              <a:t>.</a:t>
+            </a:r>
+          </a:p>
+          <a:p>
+            <a:r>
+              <a:rPr lang="en-US" altLang="ko-KR" dirty="0" smtClean="0">
+                <a:hlinkClick r:id="rId2"/>
+              </a:rPr>
+              <a:t>https</a:t>
+            </a:r>
+            <a:r>
               <a:rPr lang="en-US" altLang="ko-KR" dirty="0">
                 <a:hlinkClick r:id="rId2"/>
               </a:rPr>
-              <a:t>https://github.com/Camelllia/BaeminApplication</a:t>
+              <a:t>://github.com/Camelllia/BaeminApplication</a:t>
             </a:r>
             <a:endParaRPr lang="ko-KR" altLang="en-US" dirty="0"/>
           </a:p>
@@ -20592,7 +20528,7 @@
         </p:nvSpPr>
         <p:spPr>
           <a:xfrm>
-            <a:off x="1583573" y="3535135"/>
+            <a:off x="1614746" y="3509992"/>
             <a:ext cx="1583575" cy="307777"/>
           </a:xfrm>
           <a:prstGeom prst="rect">
@@ -20607,9 +20543,10 @@
           <a:lstStyle/>
           <a:p>
             <a:r>
-              <a:rPr lang="ko-KR" altLang="en-US" sz="1400" dirty="0"/>
-              <a:t>결제 완료</a:t>
-            </a:r>
+              <a:rPr lang="ko-KR" altLang="en-US" sz="1400" dirty="0" smtClean="0"/>
+              <a:t>장바구니</a:t>
+            </a:r>
+            <a:endParaRPr lang="ko-KR" altLang="en-US" sz="1400" dirty="0"/>
           </a:p>
         </p:txBody>
       </p:sp>

--- a/202131205_김승진_실무게임프로그래밍_기획서.pptx
+++ b/202131205_김승진_실무게임프로그래밍_기획서.pptx
@@ -11178,11 +11178,7 @@
             </a:r>
             <a:r>
               <a:rPr lang="en-US" altLang="ko-KR" sz="1600" b="1" dirty="0" smtClean="0"/>
-              <a:t>.</a:t>
-            </a:r>
-            <a:r>
-              <a:rPr lang="en-US" altLang="ko-KR" sz="1600" b="1" dirty="0" smtClean="0"/>
-              <a:t>PNG</a:t>
+              <a:t>.PNG</a:t>
             </a:r>
             <a:endParaRPr lang="ko-KR" altLang="en-US" sz="1600" b="1" dirty="0"/>
           </a:p>
@@ -22222,107 +22218,6 @@
       </p:sp>
       <p:sp>
         <p:nvSpPr>
-          <p:cNvPr id="4" name="TextBox 3"/>
-          <p:cNvSpPr txBox="1"/>
-          <p:nvPr/>
-        </p:nvSpPr>
-        <p:spPr>
-          <a:xfrm>
-            <a:off x="5169130" y="5378087"/>
-            <a:ext cx="1920240" cy="369332"/>
-          </a:xfrm>
-          <a:prstGeom prst="rect">
-            <a:avLst/>
-          </a:prstGeom>
-          <a:noFill/>
-        </p:spPr>
-        <p:txBody>
-          <a:bodyPr wrap="square" rtlCol="0">
-            <a:spAutoFit/>
-          </a:bodyPr>
-          <a:lstStyle/>
-          <a:p>
-            <a:r>
-              <a:rPr lang="ko-KR" altLang="en-US" dirty="0"/>
-              <a:t>로그인</a:t>
-            </a:r>
-          </a:p>
-        </p:txBody>
-      </p:sp>
-      <p:sp>
-        <p:nvSpPr>
-          <p:cNvPr id="17" name="직사각형 16"/>
-          <p:cNvSpPr/>
-          <p:nvPr/>
-        </p:nvSpPr>
-        <p:spPr>
-          <a:xfrm>
-            <a:off x="3589712" y="5196049"/>
-            <a:ext cx="4089862" cy="540466"/>
-          </a:xfrm>
-          <a:prstGeom prst="rect">
-            <a:avLst/>
-          </a:prstGeom>
-          <a:solidFill>
-            <a:schemeClr val="accent3"/>
-          </a:solidFill>
-        </p:spPr>
-        <p:style>
-          <a:lnRef idx="2">
-            <a:schemeClr val="accent1">
-              <a:shade val="50000"/>
-            </a:schemeClr>
-          </a:lnRef>
-          <a:fillRef idx="1">
-            <a:schemeClr val="accent1"/>
-          </a:fillRef>
-          <a:effectRef idx="0">
-            <a:schemeClr val="accent1"/>
-          </a:effectRef>
-          <a:fontRef idx="minor">
-            <a:schemeClr val="lt1"/>
-          </a:fontRef>
-        </p:style>
-        <p:txBody>
-          <a:bodyPr rtlCol="0" anchor="ctr"/>
-          <a:lstStyle/>
-          <a:p>
-            <a:pPr algn="ctr"/>
-            <a:endParaRPr lang="ko-KR" altLang="en-US"/>
-          </a:p>
-        </p:txBody>
-      </p:sp>
-      <p:sp>
-        <p:nvSpPr>
-          <p:cNvPr id="18" name="TextBox 17"/>
-          <p:cNvSpPr txBox="1"/>
-          <p:nvPr/>
-        </p:nvSpPr>
-        <p:spPr>
-          <a:xfrm>
-            <a:off x="4998719" y="5279489"/>
-            <a:ext cx="1920240" cy="369332"/>
-          </a:xfrm>
-          <a:prstGeom prst="rect">
-            <a:avLst/>
-          </a:prstGeom>
-          <a:noFill/>
-        </p:spPr>
-        <p:txBody>
-          <a:bodyPr wrap="square" rtlCol="0">
-            <a:spAutoFit/>
-          </a:bodyPr>
-          <a:lstStyle/>
-          <a:p>
-            <a:r>
-              <a:rPr lang="ko-KR" altLang="en-US" dirty="0"/>
-              <a:t>회원가입</a:t>
-            </a:r>
-          </a:p>
-        </p:txBody>
-      </p:sp>
-      <p:sp>
-        <p:nvSpPr>
           <p:cNvPr id="8" name="TextBox 7"/>
           <p:cNvSpPr txBox="1"/>
           <p:nvPr/>
@@ -22483,6 +22378,139 @@
               <a:rPr lang="ko-KR" altLang="en-US" dirty="0"/>
               <a:t>로그인</a:t>
             </a:r>
+          </a:p>
+        </p:txBody>
+      </p:sp>
+      <p:sp>
+        <p:nvSpPr>
+          <p:cNvPr id="14" name="TextBox 13"/>
+          <p:cNvSpPr txBox="1"/>
+          <p:nvPr/>
+        </p:nvSpPr>
+        <p:spPr>
+          <a:xfrm>
+            <a:off x="4499955" y="6333344"/>
+            <a:ext cx="2269375" cy="338554"/>
+          </a:xfrm>
+          <a:prstGeom prst="rect">
+            <a:avLst/>
+          </a:prstGeom>
+          <a:noFill/>
+        </p:spPr>
+        <p:txBody>
+          <a:bodyPr wrap="square" rtlCol="0">
+            <a:spAutoFit/>
+          </a:bodyPr>
+          <a:lstStyle/>
+          <a:p>
+            <a:r>
+              <a:rPr lang="ko-KR" altLang="en-US" sz="1600" b="1" dirty="0" smtClean="0"/>
+              <a:t>회원 가입하러 가기</a:t>
+            </a:r>
+            <a:endParaRPr lang="ko-KR" altLang="en-US" sz="1600" b="1" dirty="0"/>
+          </a:p>
+        </p:txBody>
+      </p:sp>
+      <p:sp>
+        <p:nvSpPr>
+          <p:cNvPr id="5" name="직사각형 4"/>
+          <p:cNvSpPr/>
+          <p:nvPr/>
+        </p:nvSpPr>
+        <p:spPr>
+          <a:xfrm>
+            <a:off x="3589712" y="5207236"/>
+            <a:ext cx="383771" cy="357669"/>
+          </a:xfrm>
+          <a:prstGeom prst="rect">
+            <a:avLst/>
+          </a:prstGeom>
+          <a:solidFill>
+            <a:schemeClr val="bg1"/>
+          </a:solidFill>
+        </p:spPr>
+        <p:style>
+          <a:lnRef idx="2">
+            <a:schemeClr val="accent1">
+              <a:shade val="50000"/>
+            </a:schemeClr>
+          </a:lnRef>
+          <a:fillRef idx="1">
+            <a:schemeClr val="accent1"/>
+          </a:fillRef>
+          <a:effectRef idx="0">
+            <a:schemeClr val="accent1"/>
+          </a:effectRef>
+          <a:fontRef idx="minor">
+            <a:schemeClr val="lt1"/>
+          </a:fontRef>
+        </p:style>
+        <p:txBody>
+          <a:bodyPr rtlCol="0" anchor="ctr"/>
+          <a:lstStyle/>
+          <a:p>
+            <a:pPr algn="ctr"/>
+            <a:endParaRPr lang="ko-KR" altLang="en-US"/>
+          </a:p>
+        </p:txBody>
+      </p:sp>
+      <p:sp>
+        <p:nvSpPr>
+          <p:cNvPr id="20" name="TextBox 19"/>
+          <p:cNvSpPr txBox="1"/>
+          <p:nvPr/>
+        </p:nvSpPr>
+        <p:spPr>
+          <a:xfrm>
+            <a:off x="3614648" y="5229227"/>
+            <a:ext cx="333897" cy="338554"/>
+          </a:xfrm>
+          <a:prstGeom prst="rect">
+            <a:avLst/>
+          </a:prstGeom>
+          <a:noFill/>
+        </p:spPr>
+        <p:txBody>
+          <a:bodyPr wrap="square" rtlCol="0">
+            <a:spAutoFit/>
+          </a:bodyPr>
+          <a:lstStyle/>
+          <a:p>
+            <a:r>
+              <a:rPr lang="en-US" altLang="ko-KR" sz="1600" b="1" dirty="0"/>
+              <a:t>V</a:t>
+            </a:r>
+            <a:endParaRPr lang="ko-KR" altLang="en-US" sz="1600" b="1" dirty="0"/>
+          </a:p>
+        </p:txBody>
+      </p:sp>
+      <p:sp>
+        <p:nvSpPr>
+          <p:cNvPr id="23" name="TextBox 22"/>
+          <p:cNvSpPr txBox="1"/>
+          <p:nvPr/>
+        </p:nvSpPr>
+        <p:spPr>
+          <a:xfrm>
+            <a:off x="3998419" y="5214670"/>
+            <a:ext cx="1371603" cy="338554"/>
+          </a:xfrm>
+          <a:prstGeom prst="rect">
+            <a:avLst/>
+          </a:prstGeom>
+          <a:noFill/>
+        </p:spPr>
+        <p:txBody>
+          <a:bodyPr wrap="square" rtlCol="0">
+            <a:spAutoFit/>
+          </a:bodyPr>
+          <a:lstStyle/>
+          <a:p>
+            <a:r>
+              <a:rPr lang="ko-KR" altLang="en-US" sz="1600" b="1" smtClean="0"/>
+              <a:t>아이디 저장</a:t>
+            </a:r>
+            <a:endParaRPr lang="ko-KR" altLang="en-US" sz="1600" b="1" dirty="0"/>
           </a:p>
         </p:txBody>
       </p:sp>

--- a/202131205_김승진_실무게임프로그래밍_기획서.pptx
+++ b/202131205_김승진_실무게임프로그래밍_기획서.pptx
@@ -31,7 +31,8 @@
     <p:sldId id="281" r:id="rId25"/>
     <p:sldId id="283" r:id="rId26"/>
     <p:sldId id="288" r:id="rId27"/>
-    <p:sldId id="284" r:id="rId28"/>
+    <p:sldId id="291" r:id="rId28"/>
+    <p:sldId id="284" r:id="rId29"/>
   </p:sldIdLst>
   <p:sldSz cx="12192000" cy="6858000"/>
   <p:notesSz cx="6858000" cy="9144000"/>
@@ -267,7 +268,7 @@
           <a:p>
             <a:fld id="{16DB16CA-D4AF-495C-A36B-A16844DE5D9E}" type="datetimeFigureOut">
               <a:rPr lang="ko-KR" altLang="en-US" smtClean="0"/>
-              <a:t>2022-09-29</a:t>
+              <a:t>2022-10-06</a:t>
             </a:fld>
             <a:endParaRPr lang="ko-KR" altLang="en-US"/>
           </a:p>
@@ -435,7 +436,7 @@
           <a:p>
             <a:fld id="{16DB16CA-D4AF-495C-A36B-A16844DE5D9E}" type="datetimeFigureOut">
               <a:rPr lang="ko-KR" altLang="en-US" smtClean="0"/>
-              <a:t>2022-09-29</a:t>
+              <a:t>2022-10-06</a:t>
             </a:fld>
             <a:endParaRPr lang="ko-KR" altLang="en-US"/>
           </a:p>
@@ -613,7 +614,7 @@
           <a:p>
             <a:fld id="{16DB16CA-D4AF-495C-A36B-A16844DE5D9E}" type="datetimeFigureOut">
               <a:rPr lang="ko-KR" altLang="en-US" smtClean="0"/>
-              <a:t>2022-09-29</a:t>
+              <a:t>2022-10-06</a:t>
             </a:fld>
             <a:endParaRPr lang="ko-KR" altLang="en-US"/>
           </a:p>
@@ -781,7 +782,7 @@
           <a:p>
             <a:fld id="{16DB16CA-D4AF-495C-A36B-A16844DE5D9E}" type="datetimeFigureOut">
               <a:rPr lang="ko-KR" altLang="en-US" smtClean="0"/>
-              <a:t>2022-09-29</a:t>
+              <a:t>2022-10-06</a:t>
             </a:fld>
             <a:endParaRPr lang="ko-KR" altLang="en-US"/>
           </a:p>
@@ -1026,7 +1027,7 @@
           <a:p>
             <a:fld id="{16DB16CA-D4AF-495C-A36B-A16844DE5D9E}" type="datetimeFigureOut">
               <a:rPr lang="ko-KR" altLang="en-US" smtClean="0"/>
-              <a:t>2022-09-29</a:t>
+              <a:t>2022-10-06</a:t>
             </a:fld>
             <a:endParaRPr lang="ko-KR" altLang="en-US"/>
           </a:p>
@@ -1255,7 +1256,7 @@
           <a:p>
             <a:fld id="{16DB16CA-D4AF-495C-A36B-A16844DE5D9E}" type="datetimeFigureOut">
               <a:rPr lang="ko-KR" altLang="en-US" smtClean="0"/>
-              <a:t>2022-09-29</a:t>
+              <a:t>2022-10-06</a:t>
             </a:fld>
             <a:endParaRPr lang="ko-KR" altLang="en-US"/>
           </a:p>
@@ -1619,7 +1620,7 @@
           <a:p>
             <a:fld id="{16DB16CA-D4AF-495C-A36B-A16844DE5D9E}" type="datetimeFigureOut">
               <a:rPr lang="ko-KR" altLang="en-US" smtClean="0"/>
-              <a:t>2022-09-29</a:t>
+              <a:t>2022-10-06</a:t>
             </a:fld>
             <a:endParaRPr lang="ko-KR" altLang="en-US"/>
           </a:p>
@@ -1736,7 +1737,7 @@
           <a:p>
             <a:fld id="{16DB16CA-D4AF-495C-A36B-A16844DE5D9E}" type="datetimeFigureOut">
               <a:rPr lang="ko-KR" altLang="en-US" smtClean="0"/>
-              <a:t>2022-09-29</a:t>
+              <a:t>2022-10-06</a:t>
             </a:fld>
             <a:endParaRPr lang="ko-KR" altLang="en-US"/>
           </a:p>
@@ -1831,7 +1832,7 @@
           <a:p>
             <a:fld id="{16DB16CA-D4AF-495C-A36B-A16844DE5D9E}" type="datetimeFigureOut">
               <a:rPr lang="ko-KR" altLang="en-US" smtClean="0"/>
-              <a:t>2022-09-29</a:t>
+              <a:t>2022-10-06</a:t>
             </a:fld>
             <a:endParaRPr lang="ko-KR" altLang="en-US"/>
           </a:p>
@@ -2106,7 +2107,7 @@
           <a:p>
             <a:fld id="{16DB16CA-D4AF-495C-A36B-A16844DE5D9E}" type="datetimeFigureOut">
               <a:rPr lang="ko-KR" altLang="en-US" smtClean="0"/>
-              <a:t>2022-09-29</a:t>
+              <a:t>2022-10-06</a:t>
             </a:fld>
             <a:endParaRPr lang="ko-KR" altLang="en-US"/>
           </a:p>
@@ -2358,7 +2359,7 @@
           <a:p>
             <a:fld id="{16DB16CA-D4AF-495C-A36B-A16844DE5D9E}" type="datetimeFigureOut">
               <a:rPr lang="ko-KR" altLang="en-US" smtClean="0"/>
-              <a:t>2022-09-29</a:t>
+              <a:t>2022-10-06</a:t>
             </a:fld>
             <a:endParaRPr lang="ko-KR" altLang="en-US"/>
           </a:p>
@@ -2569,7 +2570,7 @@
           <a:p>
             <a:fld id="{16DB16CA-D4AF-495C-A36B-A16844DE5D9E}" type="datetimeFigureOut">
               <a:rPr lang="ko-KR" altLang="en-US" smtClean="0"/>
-              <a:t>2022-09-29</a:t>
+              <a:t>2022-10-06</a:t>
             </a:fld>
             <a:endParaRPr lang="ko-KR" altLang="en-US"/>
           </a:p>
@@ -6886,18 +6887,7 @@
                   </a:schemeClr>
                 </a:solidFill>
               </a:rPr>
-              <a:t>매장 이름</a:t>
-            </a:r>
-            <a:r>
-              <a:rPr lang="ko-KR" altLang="en-US" dirty="0" smtClean="0">
-                <a:solidFill>
-                  <a:schemeClr val="tx1">
-                    <a:lumMod val="50000"/>
-                    <a:lumOff val="50000"/>
-                  </a:schemeClr>
-                </a:solidFill>
-              </a:rPr>
-              <a:t>을 </a:t>
+              <a:t>매장 이름을 </a:t>
             </a:r>
             <a:r>
               <a:rPr lang="ko-KR" altLang="en-US" dirty="0">
@@ -7137,11 +7127,7 @@
             </a:r>
             <a:r>
               <a:rPr lang="en-US" altLang="ko-KR" sz="1600" b="1" dirty="0" smtClean="0"/>
-              <a:t>.</a:t>
-            </a:r>
-            <a:r>
-              <a:rPr lang="en-US" altLang="ko-KR" sz="1600" b="1" dirty="0" smtClean="0"/>
-              <a:t>PNG</a:t>
+              <a:t>.PNG</a:t>
             </a:r>
             <a:endParaRPr lang="ko-KR" altLang="en-US" sz="1600" b="1" dirty="0"/>
           </a:p>
@@ -8308,18 +8294,7 @@
                   </a:schemeClr>
                 </a:solidFill>
               </a:rPr>
-              <a:t>메뉴 가격</a:t>
-            </a:r>
-            <a:r>
-              <a:rPr lang="ko-KR" altLang="en-US" dirty="0" smtClean="0">
-                <a:solidFill>
-                  <a:schemeClr val="tx1">
-                    <a:lumMod val="50000"/>
-                    <a:lumOff val="50000"/>
-                  </a:schemeClr>
-                </a:solidFill>
-              </a:rPr>
-              <a:t>을 </a:t>
+              <a:t>메뉴 가격을 </a:t>
             </a:r>
             <a:r>
               <a:rPr lang="ko-KR" altLang="en-US" dirty="0">
@@ -8414,18 +8389,7 @@
                   </a:schemeClr>
                 </a:solidFill>
               </a:rPr>
-              <a:t>메뉴 이름</a:t>
-            </a:r>
-            <a:r>
-              <a:rPr lang="ko-KR" altLang="en-US" dirty="0" smtClean="0">
-                <a:solidFill>
-                  <a:schemeClr val="tx1">
-                    <a:lumMod val="50000"/>
-                    <a:lumOff val="50000"/>
-                  </a:schemeClr>
-                </a:solidFill>
-              </a:rPr>
-              <a:t>을 </a:t>
+              <a:t>메뉴 이름을 </a:t>
             </a:r>
             <a:r>
               <a:rPr lang="ko-KR" altLang="en-US" dirty="0">
@@ -8606,11 +8570,7 @@
             </a:r>
             <a:r>
               <a:rPr lang="en-US" altLang="ko-KR" sz="1600" b="1" dirty="0" smtClean="0"/>
-              <a:t>.</a:t>
-            </a:r>
-            <a:r>
-              <a:rPr lang="en-US" altLang="ko-KR" sz="1600" b="1" dirty="0" smtClean="0"/>
-              <a:t>PNG</a:t>
+              <a:t>.PNG</a:t>
             </a:r>
             <a:endParaRPr lang="ko-KR" altLang="en-US" sz="1600" b="1" dirty="0"/>
           </a:p>
@@ -16536,11 +16496,7 @@
             </a:r>
             <a:r>
               <a:rPr lang="ko-KR" altLang="en-US" dirty="0" smtClean="0"/>
-              <a:t>주문 정보 </a:t>
-            </a:r>
-            <a:r>
-              <a:rPr lang="ko-KR" altLang="en-US" dirty="0" smtClean="0"/>
-              <a:t>확인</a:t>
+              <a:t>주문 정보 확인</a:t>
             </a:r>
             <a:r>
               <a:rPr lang="en-US" altLang="ko-KR" dirty="0" smtClean="0"/>
@@ -19627,6 +19583,146 @@
 </file>
 
 <file path=ppt/slides/slide27.xml><?xml version="1.0" encoding="utf-8"?>
+<p:sld xmlns:a="http://schemas.openxmlformats.org/drawingml/2006/main" xmlns:r="http://schemas.openxmlformats.org/officeDocument/2006/relationships" xmlns:p="http://schemas.openxmlformats.org/presentationml/2006/main">
+  <p:cSld>
+    <p:spTree>
+      <p:nvGrpSpPr>
+        <p:cNvPr id="1" name=""/>
+        <p:cNvGrpSpPr/>
+        <p:nvPr/>
+      </p:nvGrpSpPr>
+      <p:grpSpPr>
+        <a:xfrm>
+          <a:off x="0" y="0"/>
+          <a:ext cx="0" cy="0"/>
+          <a:chOff x="0" y="0"/>
+          <a:chExt cx="0" cy="0"/>
+        </a:xfrm>
+      </p:grpSpPr>
+      <p:sp>
+        <p:nvSpPr>
+          <p:cNvPr id="2" name="제목 1"/>
+          <p:cNvSpPr>
+            <a:spLocks noGrp="1"/>
+          </p:cNvSpPr>
+          <p:nvPr>
+            <p:ph type="title"/>
+          </p:nvPr>
+        </p:nvSpPr>
+        <p:spPr/>
+        <p:txBody>
+          <a:bodyPr/>
+          <a:lstStyle/>
+          <a:p>
+            <a:r>
+              <a:rPr lang="ko-KR" altLang="en-US" dirty="0" smtClean="0"/>
+              <a:t>프로젝트에 적용한 외부 </a:t>
+            </a:r>
+            <a:r>
+              <a:rPr lang="en-US" altLang="ko-KR" dirty="0" smtClean="0"/>
+              <a:t>API</a:t>
+            </a:r>
+            <a:endParaRPr lang="ko-KR" altLang="en-US" dirty="0"/>
+          </a:p>
+        </p:txBody>
+      </p:sp>
+      <p:sp>
+        <p:nvSpPr>
+          <p:cNvPr id="3" name="내용 개체 틀 2"/>
+          <p:cNvSpPr>
+            <a:spLocks noGrp="1"/>
+          </p:cNvSpPr>
+          <p:nvPr>
+            <p:ph idx="1"/>
+          </p:nvPr>
+        </p:nvSpPr>
+        <p:spPr/>
+        <p:txBody>
+          <a:bodyPr/>
+          <a:lstStyle/>
+          <a:p>
+            <a:r>
+              <a:rPr lang="ko-KR" altLang="en-US" dirty="0" err="1" smtClean="0"/>
+              <a:t>카카오맵</a:t>
+            </a:r>
+            <a:r>
+              <a:rPr lang="ko-KR" altLang="en-US" dirty="0" smtClean="0"/>
+              <a:t> </a:t>
+            </a:r>
+            <a:r>
+              <a:rPr lang="en-US" altLang="ko-KR" dirty="0" smtClean="0"/>
+              <a:t>API</a:t>
+            </a:r>
+          </a:p>
+          <a:p>
+            <a:r>
+              <a:rPr lang="ko-KR" altLang="en-US" dirty="0" smtClean="0"/>
+              <a:t>다음 우편번호 서비스 </a:t>
+            </a:r>
+            <a:r>
+              <a:rPr lang="en-US" altLang="ko-KR" dirty="0" smtClean="0"/>
+              <a:t>API</a:t>
+            </a:r>
+          </a:p>
+          <a:p>
+            <a:r>
+              <a:rPr lang="en-US" altLang="ko-KR" dirty="0" smtClean="0"/>
+              <a:t>(</a:t>
+            </a:r>
+            <a:r>
+              <a:rPr lang="ko-KR" altLang="en-US" dirty="0" smtClean="0"/>
+              <a:t>예정</a:t>
+            </a:r>
+            <a:r>
+              <a:rPr lang="en-US" altLang="ko-KR" dirty="0" smtClean="0"/>
+              <a:t>) – </a:t>
+            </a:r>
+            <a:r>
+              <a:rPr lang="ko-KR" altLang="en-US" dirty="0" smtClean="0"/>
+              <a:t>카카오</a:t>
+            </a:r>
+            <a:r>
+              <a:rPr lang="en-US" altLang="ko-KR" dirty="0" smtClean="0"/>
+              <a:t>/</a:t>
+            </a:r>
+            <a:r>
+              <a:rPr lang="ko-KR" altLang="en-US" dirty="0" smtClean="0"/>
+              <a:t>네이버 소셜 로그인 </a:t>
+            </a:r>
+            <a:r>
+              <a:rPr lang="en-US" altLang="ko-KR" dirty="0" smtClean="0"/>
+              <a:t>API, </a:t>
+            </a:r>
+            <a:r>
+              <a:rPr lang="ko-KR" altLang="en-US" dirty="0" err="1" smtClean="0"/>
+              <a:t>아임포트</a:t>
+            </a:r>
+            <a:r>
+              <a:rPr lang="ko-KR" altLang="en-US" dirty="0" smtClean="0"/>
+              <a:t> 결제 </a:t>
+            </a:r>
+            <a:r>
+              <a:rPr lang="en-US" altLang="ko-KR" dirty="0" smtClean="0"/>
+              <a:t>API</a:t>
+            </a:r>
+            <a:endParaRPr lang="ko-KR" altLang="en-US" dirty="0"/>
+          </a:p>
+        </p:txBody>
+      </p:sp>
+    </p:spTree>
+    <p:extLst>
+      <p:ext uri="{BB962C8B-B14F-4D97-AF65-F5344CB8AC3E}">
+        <p14:creationId xmlns:p14="http://schemas.microsoft.com/office/powerpoint/2010/main" val="2769863128"/>
+      </p:ext>
+    </p:extLst>
+  </p:cSld>
+  <p:clrMapOvr>
+    <a:masterClrMapping/>
+  </p:clrMapOvr>
+</p:sld>
+</file>
+
+<file path=ppt/slides/slide28.xml><?xml version="1.0" encoding="utf-8"?>
 <p:sld xmlns:a="http://schemas.openxmlformats.org/drawingml/2006/main" xmlns:r="http://schemas.openxmlformats.org/officeDocument/2006/relationships" xmlns:p="http://schemas.openxmlformats.org/presentationml/2006/main">
   <p:cSld>
     <p:spTree>

--- a/202131205_김승진_실무게임프로그래밍_기획서.pptx
+++ b/202131205_김승진_실무게임프로그래밍_기획서.pptx
@@ -30,9 +30,10 @@
     <p:sldId id="282" r:id="rId24"/>
     <p:sldId id="281" r:id="rId25"/>
     <p:sldId id="283" r:id="rId26"/>
-    <p:sldId id="288" r:id="rId27"/>
-    <p:sldId id="291" r:id="rId28"/>
-    <p:sldId id="284" r:id="rId29"/>
+    <p:sldId id="293" r:id="rId27"/>
+    <p:sldId id="288" r:id="rId28"/>
+    <p:sldId id="291" r:id="rId29"/>
+    <p:sldId id="284" r:id="rId30"/>
   </p:sldIdLst>
   <p:sldSz cx="12192000" cy="6858000"/>
   <p:notesSz cx="6858000" cy="9144000"/>
@@ -19481,38 +19482,198 @@
             <p:ph type="title"/>
           </p:nvPr>
         </p:nvSpPr>
-        <p:spPr/>
+        <p:spPr>
+          <a:xfrm>
+            <a:off x="846512" y="473191"/>
+            <a:ext cx="10515600" cy="1325563"/>
+          </a:xfrm>
+        </p:spPr>
         <p:txBody>
           <a:bodyPr/>
           <a:lstStyle/>
           <a:p>
             <a:r>
               <a:rPr lang="en-US" altLang="ko-KR" dirty="0"/>
-              <a:t>LAYOUT – </a:t>
+              <a:t>LAYOUT </a:t>
+            </a:r>
+            <a:r>
+              <a:rPr lang="en-US" altLang="ko-KR" dirty="0" smtClean="0"/>
+              <a:t>– </a:t>
             </a:r>
             <a:r>
               <a:rPr lang="ko-KR" altLang="en-US" dirty="0" smtClean="0"/>
-              <a:t>결제</a:t>
+              <a:t>포인트 충전 </a:t>
             </a:r>
             <a:r>
               <a:rPr lang="en-US" altLang="ko-KR" dirty="0" smtClean="0"/>
-              <a:t>(</a:t>
-            </a:r>
-            <a:r>
-              <a:rPr lang="ko-KR" altLang="en-US" dirty="0" smtClean="0"/>
-              <a:t>포인트 충전</a:t>
-            </a:r>
-            <a:r>
-              <a:rPr lang="en-US" altLang="ko-KR" dirty="0" smtClean="0"/>
-              <a:t>)</a:t>
+              <a:t>1</a:t>
             </a:r>
             <a:endParaRPr lang="ko-KR" altLang="en-US" dirty="0"/>
+          </a:p>
+        </p:txBody>
+      </p:sp>
+      <p:sp>
+        <p:nvSpPr>
+          <p:cNvPr id="7" name="직사각형 6"/>
+          <p:cNvSpPr/>
+          <p:nvPr/>
+        </p:nvSpPr>
+        <p:spPr>
+          <a:xfrm>
+            <a:off x="164175" y="1460157"/>
+            <a:ext cx="11880274" cy="5149476"/>
+          </a:xfrm>
+          <a:prstGeom prst="rect">
+            <a:avLst/>
+          </a:prstGeom>
+          <a:solidFill>
+            <a:schemeClr val="bg1"/>
+          </a:solidFill>
+        </p:spPr>
+        <p:style>
+          <a:lnRef idx="2">
+            <a:schemeClr val="accent1">
+              <a:shade val="50000"/>
+            </a:schemeClr>
+          </a:lnRef>
+          <a:fillRef idx="1">
+            <a:schemeClr val="accent1"/>
+          </a:fillRef>
+          <a:effectRef idx="0">
+            <a:schemeClr val="accent1"/>
+          </a:effectRef>
+          <a:fontRef idx="minor">
+            <a:schemeClr val="lt1"/>
+          </a:fontRef>
+        </p:style>
+        <p:txBody>
+          <a:bodyPr rtlCol="0" anchor="ctr"/>
+          <a:lstStyle/>
+          <a:p>
+            <a:pPr algn="ctr"/>
+            <a:endParaRPr lang="ko-KR" altLang="en-US"/>
+          </a:p>
+        </p:txBody>
+      </p:sp>
+      <p:sp>
+        <p:nvSpPr>
+          <p:cNvPr id="3" name="직사각형 2"/>
+          <p:cNvSpPr/>
+          <p:nvPr/>
+        </p:nvSpPr>
+        <p:spPr>
+          <a:xfrm>
+            <a:off x="3564774" y="3738505"/>
+            <a:ext cx="4089862" cy="462700"/>
+          </a:xfrm>
+          <a:prstGeom prst="rect">
+            <a:avLst/>
+          </a:prstGeom>
+          <a:solidFill>
+            <a:schemeClr val="bg1"/>
+          </a:solidFill>
+        </p:spPr>
+        <p:style>
+          <a:lnRef idx="2">
+            <a:schemeClr val="accent1">
+              <a:shade val="50000"/>
+            </a:schemeClr>
+          </a:lnRef>
+          <a:fillRef idx="1">
+            <a:schemeClr val="accent1"/>
+          </a:fillRef>
+          <a:effectRef idx="0">
+            <a:schemeClr val="accent1"/>
+          </a:effectRef>
+          <a:fontRef idx="minor">
+            <a:schemeClr val="lt1"/>
+          </a:fontRef>
+        </p:style>
+        <p:txBody>
+          <a:bodyPr rtlCol="0" anchor="ctr"/>
+          <a:lstStyle/>
+          <a:p>
+            <a:pPr algn="ctr"/>
+            <a:endParaRPr lang="ko-KR" altLang="en-US"/>
+          </a:p>
+        </p:txBody>
+      </p:sp>
+      <p:sp>
+        <p:nvSpPr>
+          <p:cNvPr id="17" name="직사각형 16"/>
+          <p:cNvSpPr/>
+          <p:nvPr/>
+        </p:nvSpPr>
+        <p:spPr>
+          <a:xfrm>
+            <a:off x="3564774" y="4268820"/>
+            <a:ext cx="4089862" cy="540466"/>
+          </a:xfrm>
+          <a:prstGeom prst="rect">
+            <a:avLst/>
+          </a:prstGeom>
+          <a:solidFill>
+            <a:schemeClr val="accent3"/>
+          </a:solidFill>
+        </p:spPr>
+        <p:style>
+          <a:lnRef idx="2">
+            <a:schemeClr val="accent1">
+              <a:shade val="50000"/>
+            </a:schemeClr>
+          </a:lnRef>
+          <a:fillRef idx="1">
+            <a:schemeClr val="accent1"/>
+          </a:fillRef>
+          <a:effectRef idx="0">
+            <a:schemeClr val="accent1"/>
+          </a:effectRef>
+          <a:fontRef idx="minor">
+            <a:schemeClr val="lt1"/>
+          </a:fontRef>
+        </p:style>
+        <p:txBody>
+          <a:bodyPr rtlCol="0" anchor="ctr"/>
+          <a:lstStyle/>
+          <a:p>
+            <a:pPr algn="ctr"/>
+            <a:endParaRPr lang="ko-KR" altLang="en-US"/>
+          </a:p>
+        </p:txBody>
+      </p:sp>
+      <p:sp>
+        <p:nvSpPr>
+          <p:cNvPr id="18" name="TextBox 17"/>
+          <p:cNvSpPr txBox="1"/>
+          <p:nvPr/>
+        </p:nvSpPr>
+        <p:spPr>
+          <a:xfrm>
+            <a:off x="4649585" y="4354387"/>
+            <a:ext cx="1920240" cy="369332"/>
+          </a:xfrm>
+          <a:prstGeom prst="rect">
+            <a:avLst/>
+          </a:prstGeom>
+          <a:noFill/>
+        </p:spPr>
+        <p:txBody>
+          <a:bodyPr wrap="square" rtlCol="0">
+            <a:spAutoFit/>
+          </a:bodyPr>
+          <a:lstStyle/>
+          <a:p>
+            <a:r>
+              <a:rPr lang="ko-KR" altLang="en-US" b="1" dirty="0" smtClean="0"/>
+              <a:t>포인트 충전하기</a:t>
+            </a:r>
+            <a:endParaRPr lang="ko-KR" altLang="en-US" b="1" dirty="0"/>
           </a:p>
         </p:txBody>
       </p:sp>
       <p:pic>
         <p:nvPicPr>
-          <p:cNvPr id="4" name="내용 개체 틀 3"/>
+          <p:cNvPr id="21" name="내용 개체 틀 20"/>
           <p:cNvPicPr>
             <a:picLocks noGrp="1" noChangeAspect="1"/>
           </p:cNvPicPr>
@@ -19534,45 +19695,81 @@
         </p:blipFill>
         <p:spPr>
           <a:xfrm>
-            <a:off x="1676439" y="1540197"/>
-            <a:ext cx="4075968" cy="4936355"/>
+            <a:off x="3018576" y="1890394"/>
+            <a:ext cx="4725059" cy="1409897"/>
           </a:xfrm>
         </p:spPr>
       </p:pic>
-      <p:pic>
-        <p:nvPicPr>
-          <p:cNvPr id="5" name="그림 4"/>
-          <p:cNvPicPr>
-            <a:picLocks noChangeAspect="1"/>
-          </p:cNvPicPr>
-          <p:nvPr/>
-        </p:nvPicPr>
-        <p:blipFill>
-          <a:blip r:embed="rId3">
-            <a:extLst>
-              <a:ext uri="{28A0092B-C50C-407E-A947-70E740481C1C}">
-                <a14:useLocalDpi xmlns:a14="http://schemas.microsoft.com/office/drawing/2010/main" val="0"/>
-              </a:ext>
-            </a:extLst>
-          </a:blip>
-          <a:stretch>
-            <a:fillRect/>
-          </a:stretch>
-        </p:blipFill>
-        <p:spPr>
-          <a:xfrm>
-            <a:off x="5910350" y="1615443"/>
-            <a:ext cx="3502468" cy="4936355"/>
-          </a:xfrm>
-          <a:prstGeom prst="rect">
-            <a:avLst/>
-          </a:prstGeom>
-        </p:spPr>
-      </p:pic>
+      <p:sp>
+        <p:nvSpPr>
+          <p:cNvPr id="20" name="TextBox 19"/>
+          <p:cNvSpPr txBox="1"/>
+          <p:nvPr/>
+        </p:nvSpPr>
+        <p:spPr>
+          <a:xfrm>
+            <a:off x="3564774" y="3785189"/>
+            <a:ext cx="3259975" cy="369332"/>
+          </a:xfrm>
+          <a:prstGeom prst="rect">
+            <a:avLst/>
+          </a:prstGeom>
+          <a:noFill/>
+        </p:spPr>
+        <p:txBody>
+          <a:bodyPr wrap="square" rtlCol="0">
+            <a:spAutoFit/>
+          </a:bodyPr>
+          <a:lstStyle/>
+          <a:p>
+            <a:r>
+              <a:rPr lang="ko-KR" altLang="en-US" dirty="0" smtClean="0">
+                <a:solidFill>
+                  <a:schemeClr val="tx1">
+                    <a:lumMod val="50000"/>
+                    <a:lumOff val="50000"/>
+                  </a:schemeClr>
+                </a:solidFill>
+              </a:rPr>
+              <a:t>리뷰 제목을 </a:t>
+            </a:r>
+            <a:r>
+              <a:rPr lang="ko-KR" altLang="en-US" dirty="0">
+                <a:solidFill>
+                  <a:schemeClr val="tx1">
+                    <a:lumMod val="50000"/>
+                    <a:lumOff val="50000"/>
+                  </a:schemeClr>
+                </a:solidFill>
+              </a:rPr>
+              <a:t>입력해 주세요</a:t>
+            </a:r>
+            <a:r>
+              <a:rPr lang="en-US" altLang="ko-KR" dirty="0">
+                <a:solidFill>
+                  <a:schemeClr val="tx1">
+                    <a:lumMod val="50000"/>
+                    <a:lumOff val="50000"/>
+                  </a:schemeClr>
+                </a:solidFill>
+              </a:rPr>
+              <a:t>.</a:t>
+            </a:r>
+            <a:endParaRPr lang="ko-KR" altLang="en-US" dirty="0">
+              <a:solidFill>
+                <a:schemeClr val="tx1">
+                  <a:lumMod val="50000"/>
+                  <a:lumOff val="50000"/>
+                </a:schemeClr>
+              </a:solidFill>
+            </a:endParaRPr>
+          </a:p>
+        </p:txBody>
+      </p:sp>
     </p:spTree>
     <p:extLst>
       <p:ext uri="{BB962C8B-B14F-4D97-AF65-F5344CB8AC3E}">
-        <p14:creationId xmlns:p14="http://schemas.microsoft.com/office/powerpoint/2010/main" val="3771536708"/>
+        <p14:creationId xmlns:p14="http://schemas.microsoft.com/office/powerpoint/2010/main" val="1499324614"/>
       </p:ext>
     </p:extLst>
   </p:cSld>
@@ -19615,6 +19812,126 @@
           <a:lstStyle/>
           <a:p>
             <a:r>
+              <a:rPr lang="en-US" altLang="ko-KR" dirty="0"/>
+              <a:t>LAYOUT – </a:t>
+            </a:r>
+            <a:r>
+              <a:rPr lang="ko-KR" altLang="en-US" dirty="0" smtClean="0"/>
+              <a:t>포인트 충전 </a:t>
+            </a:r>
+            <a:r>
+              <a:rPr lang="en-US" altLang="ko-KR" dirty="0" smtClean="0"/>
+              <a:t>2</a:t>
+            </a:r>
+            <a:endParaRPr lang="ko-KR" altLang="en-US" dirty="0"/>
+          </a:p>
+        </p:txBody>
+      </p:sp>
+      <p:pic>
+        <p:nvPicPr>
+          <p:cNvPr id="4" name="내용 개체 틀 3"/>
+          <p:cNvPicPr>
+            <a:picLocks noGrp="1" noChangeAspect="1"/>
+          </p:cNvPicPr>
+          <p:nvPr>
+            <p:ph idx="1"/>
+          </p:nvPr>
+        </p:nvPicPr>
+        <p:blipFill>
+          <a:blip r:embed="rId2">
+            <a:extLst>
+              <a:ext uri="{28A0092B-C50C-407E-A947-70E740481C1C}">
+                <a14:useLocalDpi xmlns:a14="http://schemas.microsoft.com/office/drawing/2010/main" val="0"/>
+              </a:ext>
+            </a:extLst>
+          </a:blip>
+          <a:stretch>
+            <a:fillRect/>
+          </a:stretch>
+        </p:blipFill>
+        <p:spPr>
+          <a:xfrm>
+            <a:off x="1676439" y="1540197"/>
+            <a:ext cx="4075968" cy="4936355"/>
+          </a:xfrm>
+        </p:spPr>
+      </p:pic>
+      <p:pic>
+        <p:nvPicPr>
+          <p:cNvPr id="5" name="그림 4"/>
+          <p:cNvPicPr>
+            <a:picLocks noChangeAspect="1"/>
+          </p:cNvPicPr>
+          <p:nvPr/>
+        </p:nvPicPr>
+        <p:blipFill>
+          <a:blip r:embed="rId3">
+            <a:extLst>
+              <a:ext uri="{28A0092B-C50C-407E-A947-70E740481C1C}">
+                <a14:useLocalDpi xmlns:a14="http://schemas.microsoft.com/office/drawing/2010/main" val="0"/>
+              </a:ext>
+            </a:extLst>
+          </a:blip>
+          <a:stretch>
+            <a:fillRect/>
+          </a:stretch>
+        </p:blipFill>
+        <p:spPr>
+          <a:xfrm>
+            <a:off x="5910350" y="1615443"/>
+            <a:ext cx="3502468" cy="4936355"/>
+          </a:xfrm>
+          <a:prstGeom prst="rect">
+            <a:avLst/>
+          </a:prstGeom>
+        </p:spPr>
+      </p:pic>
+    </p:spTree>
+    <p:extLst>
+      <p:ext uri="{BB962C8B-B14F-4D97-AF65-F5344CB8AC3E}">
+        <p14:creationId xmlns:p14="http://schemas.microsoft.com/office/powerpoint/2010/main" val="3771536708"/>
+      </p:ext>
+    </p:extLst>
+  </p:cSld>
+  <p:clrMapOvr>
+    <a:masterClrMapping/>
+  </p:clrMapOvr>
+</p:sld>
+</file>
+
+<file path=ppt/slides/slide28.xml><?xml version="1.0" encoding="utf-8"?>
+<p:sld xmlns:a="http://schemas.openxmlformats.org/drawingml/2006/main" xmlns:r="http://schemas.openxmlformats.org/officeDocument/2006/relationships" xmlns:p="http://schemas.openxmlformats.org/presentationml/2006/main">
+  <p:cSld>
+    <p:spTree>
+      <p:nvGrpSpPr>
+        <p:cNvPr id="1" name=""/>
+        <p:cNvGrpSpPr/>
+        <p:nvPr/>
+      </p:nvGrpSpPr>
+      <p:grpSpPr>
+        <a:xfrm>
+          <a:off x="0" y="0"/>
+          <a:ext cx="0" cy="0"/>
+          <a:chOff x="0" y="0"/>
+          <a:chExt cx="0" cy="0"/>
+        </a:xfrm>
+      </p:grpSpPr>
+      <p:sp>
+        <p:nvSpPr>
+          <p:cNvPr id="2" name="제목 1"/>
+          <p:cNvSpPr>
+            <a:spLocks noGrp="1"/>
+          </p:cNvSpPr>
+          <p:nvPr>
+            <p:ph type="title"/>
+          </p:nvPr>
+        </p:nvSpPr>
+        <p:spPr/>
+        <p:txBody>
+          <a:bodyPr/>
+          <a:lstStyle/>
+          <a:p>
+            <a:r>
               <a:rPr lang="ko-KR" altLang="en-US" dirty="0" smtClean="0"/>
               <a:t>프로젝트에 적용한 외부 </a:t>
             </a:r>
@@ -19666,10 +19983,37 @@
           </a:p>
           <a:p>
             <a:r>
+              <a:rPr lang="ko-KR" altLang="en-US" dirty="0" err="1" smtClean="0"/>
+              <a:t>아임포트</a:t>
+            </a:r>
+            <a:r>
               <a:rPr lang="en-US" altLang="ko-KR" dirty="0" smtClean="0"/>
               <a:t>(</a:t>
             </a:r>
             <a:r>
+              <a:rPr lang="ko-KR" altLang="en-US" dirty="0" err="1" smtClean="0"/>
+              <a:t>카카오페이</a:t>
+            </a:r>
+            <a:r>
+              <a:rPr lang="en-US" altLang="ko-KR" dirty="0" smtClean="0"/>
+              <a:t>)</a:t>
+            </a:r>
+            <a:r>
+              <a:rPr lang="ko-KR" altLang="en-US" dirty="0" smtClean="0"/>
+              <a:t> 결제 </a:t>
+            </a:r>
+            <a:r>
+              <a:rPr lang="en-US" altLang="ko-KR" dirty="0" smtClean="0"/>
+              <a:t>API</a:t>
+            </a:r>
+            <a:endParaRPr lang="en-US" altLang="ko-KR" dirty="0" smtClean="0"/>
+          </a:p>
+          <a:p>
+            <a:r>
+              <a:rPr lang="en-US" altLang="ko-KR" dirty="0" smtClean="0"/>
+              <a:t>(</a:t>
+            </a:r>
+            <a:r>
               <a:rPr lang="ko-KR" altLang="en-US" dirty="0" smtClean="0"/>
               <a:t>예정</a:t>
             </a:r>
@@ -19688,18 +20032,6 @@
             <a:r>
               <a:rPr lang="ko-KR" altLang="en-US" dirty="0" smtClean="0"/>
               <a:t>네이버 소셜 로그인 </a:t>
-            </a:r>
-            <a:r>
-              <a:rPr lang="en-US" altLang="ko-KR" dirty="0" smtClean="0"/>
-              <a:t>API, </a:t>
-            </a:r>
-            <a:r>
-              <a:rPr lang="ko-KR" altLang="en-US" dirty="0" err="1" smtClean="0"/>
-              <a:t>아임포트</a:t>
-            </a:r>
-            <a:r>
-              <a:rPr lang="ko-KR" altLang="en-US" dirty="0" smtClean="0"/>
-              <a:t> 결제 </a:t>
             </a:r>
             <a:r>
               <a:rPr lang="en-US" altLang="ko-KR" dirty="0" smtClean="0"/>
@@ -19722,7 +20054,7 @@
 </p:sld>
 </file>
 
-<file path=ppt/slides/slide28.xml><?xml version="1.0" encoding="utf-8"?>
+<file path=ppt/slides/slide29.xml><?xml version="1.0" encoding="utf-8"?>
 <p:sld xmlns:a="http://schemas.openxmlformats.org/drawingml/2006/main" xmlns:r="http://schemas.openxmlformats.org/officeDocument/2006/relationships" xmlns:p="http://schemas.openxmlformats.org/presentationml/2006/main">
   <p:cSld>
     <p:spTree>

--- a/202131205_김승진_실무게임프로그래밍_기획서.pptx
+++ b/202131205_김승진_실무게임프로그래밍_기획서.pptx
@@ -269,7 +269,7 @@
           <a:p>
             <a:fld id="{16DB16CA-D4AF-495C-A36B-A16844DE5D9E}" type="datetimeFigureOut">
               <a:rPr lang="ko-KR" altLang="en-US" smtClean="0"/>
-              <a:t>2022-10-06</a:t>
+              <a:t>2022-11-24</a:t>
             </a:fld>
             <a:endParaRPr lang="ko-KR" altLang="en-US"/>
           </a:p>
@@ -437,7 +437,7 @@
           <a:p>
             <a:fld id="{16DB16CA-D4AF-495C-A36B-A16844DE5D9E}" type="datetimeFigureOut">
               <a:rPr lang="ko-KR" altLang="en-US" smtClean="0"/>
-              <a:t>2022-10-06</a:t>
+              <a:t>2022-11-24</a:t>
             </a:fld>
             <a:endParaRPr lang="ko-KR" altLang="en-US"/>
           </a:p>
@@ -615,7 +615,7 @@
           <a:p>
             <a:fld id="{16DB16CA-D4AF-495C-A36B-A16844DE5D9E}" type="datetimeFigureOut">
               <a:rPr lang="ko-KR" altLang="en-US" smtClean="0"/>
-              <a:t>2022-10-06</a:t>
+              <a:t>2022-11-24</a:t>
             </a:fld>
             <a:endParaRPr lang="ko-KR" altLang="en-US"/>
           </a:p>
@@ -783,7 +783,7 @@
           <a:p>
             <a:fld id="{16DB16CA-D4AF-495C-A36B-A16844DE5D9E}" type="datetimeFigureOut">
               <a:rPr lang="ko-KR" altLang="en-US" smtClean="0"/>
-              <a:t>2022-10-06</a:t>
+              <a:t>2022-11-24</a:t>
             </a:fld>
             <a:endParaRPr lang="ko-KR" altLang="en-US"/>
           </a:p>
@@ -1028,7 +1028,7 @@
           <a:p>
             <a:fld id="{16DB16CA-D4AF-495C-A36B-A16844DE5D9E}" type="datetimeFigureOut">
               <a:rPr lang="ko-KR" altLang="en-US" smtClean="0"/>
-              <a:t>2022-10-06</a:t>
+              <a:t>2022-11-24</a:t>
             </a:fld>
             <a:endParaRPr lang="ko-KR" altLang="en-US"/>
           </a:p>
@@ -1257,7 +1257,7 @@
           <a:p>
             <a:fld id="{16DB16CA-D4AF-495C-A36B-A16844DE5D9E}" type="datetimeFigureOut">
               <a:rPr lang="ko-KR" altLang="en-US" smtClean="0"/>
-              <a:t>2022-10-06</a:t>
+              <a:t>2022-11-24</a:t>
             </a:fld>
             <a:endParaRPr lang="ko-KR" altLang="en-US"/>
           </a:p>
@@ -1621,7 +1621,7 @@
           <a:p>
             <a:fld id="{16DB16CA-D4AF-495C-A36B-A16844DE5D9E}" type="datetimeFigureOut">
               <a:rPr lang="ko-KR" altLang="en-US" smtClean="0"/>
-              <a:t>2022-10-06</a:t>
+              <a:t>2022-11-24</a:t>
             </a:fld>
             <a:endParaRPr lang="ko-KR" altLang="en-US"/>
           </a:p>
@@ -1738,7 +1738,7 @@
           <a:p>
             <a:fld id="{16DB16CA-D4AF-495C-A36B-A16844DE5D9E}" type="datetimeFigureOut">
               <a:rPr lang="ko-KR" altLang="en-US" smtClean="0"/>
-              <a:t>2022-10-06</a:t>
+              <a:t>2022-11-24</a:t>
             </a:fld>
             <a:endParaRPr lang="ko-KR" altLang="en-US"/>
           </a:p>
@@ -1833,7 +1833,7 @@
           <a:p>
             <a:fld id="{16DB16CA-D4AF-495C-A36B-A16844DE5D9E}" type="datetimeFigureOut">
               <a:rPr lang="ko-KR" altLang="en-US" smtClean="0"/>
-              <a:t>2022-10-06</a:t>
+              <a:t>2022-11-24</a:t>
             </a:fld>
             <a:endParaRPr lang="ko-KR" altLang="en-US"/>
           </a:p>
@@ -2108,7 +2108,7 @@
           <a:p>
             <a:fld id="{16DB16CA-D4AF-495C-A36B-A16844DE5D9E}" type="datetimeFigureOut">
               <a:rPr lang="ko-KR" altLang="en-US" smtClean="0"/>
-              <a:t>2022-10-06</a:t>
+              <a:t>2022-11-24</a:t>
             </a:fld>
             <a:endParaRPr lang="ko-KR" altLang="en-US"/>
           </a:p>
@@ -2360,7 +2360,7 @@
           <a:p>
             <a:fld id="{16DB16CA-D4AF-495C-A36B-A16844DE5D9E}" type="datetimeFigureOut">
               <a:rPr lang="ko-KR" altLang="en-US" smtClean="0"/>
-              <a:t>2022-10-06</a:t>
+              <a:t>2022-11-24</a:t>
             </a:fld>
             <a:endParaRPr lang="ko-KR" altLang="en-US"/>
           </a:p>
@@ -2571,7 +2571,7 @@
           <a:p>
             <a:fld id="{16DB16CA-D4AF-495C-A36B-A16844DE5D9E}" type="datetimeFigureOut">
               <a:rPr lang="ko-KR" altLang="en-US" smtClean="0"/>
-              <a:t>2022-10-06</a:t>
+              <a:t>2022-11-24</a:t>
             </a:fld>
             <a:endParaRPr lang="ko-KR" altLang="en-US"/>
           </a:p>
@@ -4181,8 +4181,8 @@
           <a:lstStyle/>
           <a:p>
             <a:r>
-              <a:rPr lang="ko-KR" altLang="en-US" b="1" smtClean="0"/>
-              <a:t>찜한가게</a:t>
+              <a:rPr lang="ko-KR" altLang="en-US" b="1" dirty="0" err="1" smtClean="0"/>
+              <a:t>매장등록</a:t>
             </a:r>
             <a:endParaRPr lang="ko-KR" altLang="en-US" b="1" dirty="0"/>
           </a:p>
@@ -4256,8 +4256,8 @@
         </p:nvSpPr>
         <p:spPr>
           <a:xfrm>
-            <a:off x="7605625" y="3481559"/>
-            <a:ext cx="1132263" cy="369332"/>
+            <a:off x="7488901" y="3481538"/>
+            <a:ext cx="1248987" cy="369332"/>
           </a:xfrm>
           <a:prstGeom prst="rect">
             <a:avLst/>
@@ -4272,7 +4272,7 @@
           <a:p>
             <a:r>
               <a:rPr lang="ko-KR" altLang="en-US" b="1" dirty="0" smtClean="0"/>
-              <a:t>선물함</a:t>
+              <a:t>쿠폰 발급</a:t>
             </a:r>
             <a:endParaRPr lang="ko-KR" altLang="en-US" b="1" dirty="0"/>
           </a:p>
@@ -6559,6 +6559,36 @@
               <a:rPr lang="ko-KR" altLang="en-US" sz="1100" b="1" dirty="0"/>
               <a:t>분</a:t>
             </a:r>
+          </a:p>
+        </p:txBody>
+      </p:sp>
+      <p:sp>
+        <p:nvSpPr>
+          <p:cNvPr id="37" name="TextBox 36"/>
+          <p:cNvSpPr txBox="1"/>
+          <p:nvPr/>
+        </p:nvSpPr>
+        <p:spPr>
+          <a:xfrm>
+            <a:off x="6384174" y="2597132"/>
+            <a:ext cx="1873125" cy="338554"/>
+          </a:xfrm>
+          <a:prstGeom prst="rect">
+            <a:avLst/>
+          </a:prstGeom>
+          <a:noFill/>
+        </p:spPr>
+        <p:txBody>
+          <a:bodyPr wrap="square" rtlCol="0">
+            <a:spAutoFit/>
+          </a:bodyPr>
+          <a:lstStyle/>
+          <a:p>
+            <a:r>
+              <a:rPr lang="ko-KR" altLang="en-US" sz="1600" b="1" dirty="0" err="1" smtClean="0"/>
+              <a:t>매장등록</a:t>
+            </a:r>
+            <a:endParaRPr lang="ko-KR" altLang="en-US" sz="1600" b="1" dirty="0"/>
           </a:p>
         </p:txBody>
       </p:sp>
@@ -20006,38 +20036,6 @@
               <a:rPr lang="en-US" altLang="ko-KR" dirty="0" smtClean="0"/>
               <a:t>API</a:t>
             </a:r>
-            <a:endParaRPr lang="en-US" altLang="ko-KR" dirty="0" smtClean="0"/>
-          </a:p>
-          <a:p>
-            <a:r>
-              <a:rPr lang="en-US" altLang="ko-KR" dirty="0" smtClean="0"/>
-              <a:t>(</a:t>
-            </a:r>
-            <a:r>
-              <a:rPr lang="ko-KR" altLang="en-US" dirty="0" smtClean="0"/>
-              <a:t>예정</a:t>
-            </a:r>
-            <a:r>
-              <a:rPr lang="en-US" altLang="ko-KR" dirty="0" smtClean="0"/>
-              <a:t>) – </a:t>
-            </a:r>
-            <a:r>
-              <a:rPr lang="ko-KR" altLang="en-US" dirty="0" smtClean="0"/>
-              <a:t>카카오</a:t>
-            </a:r>
-            <a:r>
-              <a:rPr lang="en-US" altLang="ko-KR" dirty="0" smtClean="0"/>
-              <a:t>/</a:t>
-            </a:r>
-            <a:r>
-              <a:rPr lang="ko-KR" altLang="en-US" dirty="0" smtClean="0"/>
-              <a:t>네이버 소셜 로그인 </a:t>
-            </a:r>
-            <a:r>
-              <a:rPr lang="en-US" altLang="ko-KR" dirty="0" smtClean="0"/>
-              <a:t>API</a:t>
-            </a:r>
-            <a:endParaRPr lang="ko-KR" altLang="en-US" dirty="0"/>
           </a:p>
         </p:txBody>
       </p:sp>
@@ -20227,163 +20225,486 @@
           </a:p>
         </p:txBody>
       </p:sp>
-      <p:sp>
-        <p:nvSpPr>
-          <p:cNvPr id="3" name="내용 개체 틀 2"/>
-          <p:cNvSpPr>
-            <a:spLocks noGrp="1"/>
-          </p:cNvSpPr>
+      <p:graphicFrame>
+        <p:nvGraphicFramePr>
+          <p:cNvPr id="7" name="내용 개체 틀 6"/>
+          <p:cNvGraphicFramePr>
+            <a:graphicFrameLocks noGrp="1"/>
+          </p:cNvGraphicFramePr>
           <p:nvPr>
             <p:ph idx="1"/>
+            <p:extLst>
+              <p:ext uri="{D42A27DB-BD31-4B8C-83A1-F6EECF244321}">
+                <p14:modId xmlns:p14="http://schemas.microsoft.com/office/powerpoint/2010/main" val="2810724018"/>
+              </p:ext>
+            </p:extLst>
           </p:nvPr>
-        </p:nvSpPr>
-        <p:spPr>
-          <a:xfrm>
-            <a:off x="838200" y="1596044"/>
-            <a:ext cx="10515600" cy="4580919"/>
-          </a:xfrm>
-        </p:spPr>
-        <p:txBody>
-          <a:bodyPr>
-            <a:normAutofit fontScale="92500" lnSpcReduction="10000"/>
-          </a:bodyPr>
-          <a:lstStyle/>
-          <a:p>
-            <a:pPr marL="0" indent="0">
-              <a:buNone/>
-            </a:pPr>
-            <a:r>
-              <a:rPr lang="en-US" altLang="ko-KR" sz="4000" dirty="0"/>
-              <a:t>#Frontend					#Database</a:t>
-            </a:r>
-          </a:p>
-          <a:p>
-            <a:pPr marL="0" indent="0">
-              <a:buNone/>
-            </a:pPr>
-            <a:r>
-              <a:rPr lang="en-US" altLang="ko-KR" dirty="0"/>
-              <a:t>-JSP							- MySQL</a:t>
-            </a:r>
-          </a:p>
-          <a:p>
-            <a:pPr>
-              <a:buFontTx/>
-              <a:buChar char="-"/>
-            </a:pPr>
-            <a:r>
-              <a:rPr lang="en-US" altLang="ko-KR" dirty="0"/>
-              <a:t>jQuery</a:t>
-            </a:r>
-          </a:p>
-          <a:p>
-            <a:pPr>
-              <a:buFontTx/>
-              <a:buChar char="-"/>
-            </a:pPr>
-            <a:r>
-              <a:rPr lang="en-US" altLang="ko-KR" dirty="0"/>
-              <a:t>CSS</a:t>
-            </a:r>
-          </a:p>
-          <a:p>
-            <a:pPr>
-              <a:buFontTx/>
-              <a:buChar char="-"/>
-            </a:pPr>
-            <a:r>
-              <a:rPr lang="en-US" altLang="ko-KR" dirty="0"/>
-              <a:t>JavaScript</a:t>
-            </a:r>
-          </a:p>
-          <a:p>
-            <a:pPr marL="0" indent="0">
-              <a:buNone/>
-            </a:pPr>
-            <a:r>
-              <a:rPr lang="en-US" altLang="ko-KR" sz="4000" dirty="0"/>
-              <a:t>#</a:t>
-            </a:r>
-            <a:r>
-              <a:rPr lang="en-US" altLang="ko-KR" sz="4000" dirty="0" smtClean="0"/>
-              <a:t>Backend					#Server</a:t>
-            </a:r>
-          </a:p>
-          <a:p>
-            <a:pPr marL="0" indent="0">
-              <a:buNone/>
-            </a:pPr>
-            <a:r>
-              <a:rPr lang="en-US" altLang="ko-KR" sz="4000" dirty="0" smtClean="0"/>
-              <a:t>-</a:t>
-            </a:r>
-            <a:r>
-              <a:rPr lang="en-US" altLang="ko-KR" dirty="0"/>
-              <a:t>J</a:t>
-            </a:r>
-            <a:r>
-              <a:rPr lang="en-US" altLang="ko-KR" dirty="0" smtClean="0"/>
-              <a:t>ava</a:t>
-            </a:r>
-            <a:r>
-              <a:rPr lang="en-US" altLang="ko-KR" sz="4000" dirty="0"/>
-              <a:t>					</a:t>
-            </a:r>
-            <a:r>
-              <a:rPr lang="en-US" altLang="ko-KR" sz="4000" dirty="0" smtClean="0"/>
-              <a:t>		</a:t>
-            </a:r>
-            <a:r>
-              <a:rPr lang="en-US" altLang="ko-KR" dirty="0" smtClean="0"/>
-              <a:t>- Apache Tomcat</a:t>
-            </a:r>
-          </a:p>
-          <a:p>
-            <a:pPr marL="0" indent="0">
-              <a:buNone/>
-            </a:pPr>
-            <a:r>
-              <a:rPr lang="en-US" altLang="ko-KR" sz="4000" dirty="0" smtClean="0"/>
-              <a:t>-</a:t>
-            </a:r>
-            <a:r>
-              <a:rPr lang="en-US" altLang="ko-KR" dirty="0" smtClean="0"/>
-              <a:t>Spring Boot				</a:t>
-            </a:r>
-          </a:p>
-          <a:p>
-            <a:pPr marL="0" indent="0">
-              <a:buNone/>
-            </a:pPr>
-            <a:r>
-              <a:rPr lang="en-US" altLang="ko-KR" dirty="0" smtClean="0"/>
-              <a:t>-</a:t>
-            </a:r>
-            <a:r>
-              <a:rPr lang="en-US" altLang="ko-KR" dirty="0" err="1"/>
-              <a:t>MyBatis</a:t>
-            </a:r>
-            <a:r>
-              <a:rPr lang="en-US" altLang="ko-KR" dirty="0"/>
-              <a:t> </a:t>
-            </a:r>
-            <a:r>
-              <a:rPr lang="en-US" altLang="ko-KR" dirty="0" err="1"/>
-              <a:t>FrameWork</a:t>
-            </a:r>
-            <a:endParaRPr lang="en-US" altLang="ko-KR" dirty="0"/>
-          </a:p>
-          <a:p>
-            <a:pPr marL="0" indent="0">
-              <a:buNone/>
-            </a:pPr>
-            <a:endParaRPr lang="en-US" altLang="ko-KR" dirty="0"/>
-          </a:p>
-          <a:p>
-            <a:endParaRPr lang="ko-KR" altLang="en-US" dirty="0"/>
-          </a:p>
-        </p:txBody>
-      </p:sp>
+        </p:nvGraphicFramePr>
+        <p:xfrm>
+          <a:off x="838200" y="1825626"/>
+          <a:ext cx="10515600" cy="4641675"/>
+        </p:xfrm>
+        <a:graphic>
+          <a:graphicData uri="http://schemas.openxmlformats.org/drawingml/2006/table">
+            <a:tbl>
+              <a:tblPr firstRow="1" bandRow="1">
+                <a:tableStyleId>{073A0DAA-6AF3-43AB-8588-CEC1D06C72B9}</a:tableStyleId>
+              </a:tblPr>
+              <a:tblGrid>
+                <a:gridCol w="2103120">
+                  <a:extLst>
+                    <a:ext uri="{9D8B030D-6E8A-4147-A177-3AD203B41FA5}">
+                      <a16:colId xmlns:a16="http://schemas.microsoft.com/office/drawing/2014/main" val="2153652438"/>
+                    </a:ext>
+                  </a:extLst>
+                </a:gridCol>
+                <a:gridCol w="2103120">
+                  <a:extLst>
+                    <a:ext uri="{9D8B030D-6E8A-4147-A177-3AD203B41FA5}">
+                      <a16:colId xmlns:a16="http://schemas.microsoft.com/office/drawing/2014/main" val="4185407906"/>
+                    </a:ext>
+                  </a:extLst>
+                </a:gridCol>
+                <a:gridCol w="2103120">
+                  <a:extLst>
+                    <a:ext uri="{9D8B030D-6E8A-4147-A177-3AD203B41FA5}">
+                      <a16:colId xmlns:a16="http://schemas.microsoft.com/office/drawing/2014/main" val="3312665591"/>
+                    </a:ext>
+                  </a:extLst>
+                </a:gridCol>
+                <a:gridCol w="2103120">
+                  <a:extLst>
+                    <a:ext uri="{9D8B030D-6E8A-4147-A177-3AD203B41FA5}">
+                      <a16:colId xmlns:a16="http://schemas.microsoft.com/office/drawing/2014/main" val="534224892"/>
+                    </a:ext>
+                  </a:extLst>
+                </a:gridCol>
+                <a:gridCol w="2103120">
+                  <a:extLst>
+                    <a:ext uri="{9D8B030D-6E8A-4147-A177-3AD203B41FA5}">
+                      <a16:colId xmlns:a16="http://schemas.microsoft.com/office/drawing/2014/main" val="747527091"/>
+                    </a:ext>
+                  </a:extLst>
+                </a:gridCol>
+              </a:tblGrid>
+              <a:tr h="928335">
+                <a:tc>
+                  <a:txBody>
+                    <a:bodyPr/>
+                    <a:lstStyle/>
+                    <a:p>
+                      <a:pPr latinLnBrk="1"/>
+                      <a:r>
+                        <a:rPr lang="en-US" altLang="ko-KR" dirty="0" smtClean="0"/>
+                        <a:t>Frontend</a:t>
+                      </a:r>
+                      <a:endParaRPr lang="ko-KR" altLang="en-US" dirty="0"/>
+                    </a:p>
+                  </a:txBody>
+                  <a:tcPr/>
+                </a:tc>
+                <a:tc>
+                  <a:txBody>
+                    <a:bodyPr/>
+                    <a:lstStyle/>
+                    <a:p>
+                      <a:pPr marL="0" marR="0" indent="0" algn="l" defTabSz="914400" rtl="0" eaLnBrk="1" fontAlgn="auto" latinLnBrk="1" hangingPunct="1">
+                        <a:lnSpc>
+                          <a:spcPct val="100000"/>
+                        </a:lnSpc>
+                        <a:spcBef>
+                          <a:spcPts val="0"/>
+                        </a:spcBef>
+                        <a:spcAft>
+                          <a:spcPts val="0"/>
+                        </a:spcAft>
+                        <a:buClrTx/>
+                        <a:buSzTx/>
+                        <a:buFontTx/>
+                        <a:buNone/>
+                        <a:tabLst/>
+                        <a:defRPr/>
+                      </a:pPr>
+                      <a:r>
+                        <a:rPr lang="en-US" altLang="ko-KR" dirty="0" smtClean="0"/>
+                        <a:t>Backend</a:t>
+                      </a:r>
+                      <a:endParaRPr lang="ko-KR" altLang="en-US" dirty="0" smtClean="0"/>
+                    </a:p>
+                  </a:txBody>
+                  <a:tcPr/>
+                </a:tc>
+                <a:tc>
+                  <a:txBody>
+                    <a:bodyPr/>
+                    <a:lstStyle/>
+                    <a:p>
+                      <a:pPr latinLnBrk="1"/>
+                      <a:r>
+                        <a:rPr lang="en-US" altLang="ko-KR" dirty="0" smtClean="0"/>
+                        <a:t>Database</a:t>
+                      </a:r>
+                      <a:endParaRPr lang="ko-KR" altLang="en-US" dirty="0"/>
+                    </a:p>
+                  </a:txBody>
+                  <a:tcPr/>
+                </a:tc>
+                <a:tc>
+                  <a:txBody>
+                    <a:bodyPr/>
+                    <a:lstStyle/>
+                    <a:p>
+                      <a:pPr latinLnBrk="1"/>
+                      <a:r>
+                        <a:rPr lang="en-US" altLang="ko-KR" dirty="0" smtClean="0"/>
+                        <a:t>Web</a:t>
+                      </a:r>
+                      <a:r>
+                        <a:rPr lang="en-US" altLang="ko-KR" baseline="0" dirty="0" smtClean="0"/>
+                        <a:t> </a:t>
+                      </a:r>
+                      <a:r>
+                        <a:rPr lang="en-US" altLang="ko-KR" dirty="0" smtClean="0"/>
+                        <a:t>Server</a:t>
+                      </a:r>
+                      <a:endParaRPr lang="ko-KR" altLang="en-US" dirty="0"/>
+                    </a:p>
+                  </a:txBody>
+                  <a:tcPr/>
+                </a:tc>
+                <a:tc>
+                  <a:txBody>
+                    <a:bodyPr/>
+                    <a:lstStyle/>
+                    <a:p>
+                      <a:pPr latinLnBrk="1"/>
+                      <a:r>
+                        <a:rPr lang="en-US" altLang="ko-KR" dirty="0" smtClean="0"/>
+                        <a:t>Deploy</a:t>
+                      </a:r>
+                      <a:endParaRPr lang="ko-KR" altLang="en-US" dirty="0"/>
+                    </a:p>
+                  </a:txBody>
+                  <a:tcPr/>
+                </a:tc>
+                <a:extLst>
+                  <a:ext uri="{0D108BD9-81ED-4DB2-BD59-A6C34878D82A}">
+                    <a16:rowId xmlns:a16="http://schemas.microsoft.com/office/drawing/2014/main" val="98704985"/>
+                  </a:ext>
+                </a:extLst>
+              </a:tr>
+              <a:tr h="928335">
+                <a:tc>
+                  <a:txBody>
+                    <a:bodyPr/>
+                    <a:lstStyle/>
+                    <a:p>
+                      <a:pPr latinLnBrk="1"/>
+                      <a:r>
+                        <a:rPr lang="en-US" altLang="ko-KR" sz="2000" b="1" dirty="0" smtClean="0"/>
+                        <a:t>Java</a:t>
+                      </a:r>
+                      <a:r>
+                        <a:rPr lang="en-US" altLang="ko-KR" sz="2000" b="1" baseline="0" dirty="0" smtClean="0"/>
+                        <a:t> Server Page</a:t>
+                      </a:r>
+                      <a:endParaRPr lang="ko-KR" altLang="en-US" sz="2000" b="1" dirty="0"/>
+                    </a:p>
+                  </a:txBody>
+                  <a:tcPr/>
+                </a:tc>
+                <a:tc>
+                  <a:txBody>
+                    <a:bodyPr/>
+                    <a:lstStyle/>
+                    <a:p>
+                      <a:pPr latinLnBrk="1"/>
+                      <a:r>
+                        <a:rPr lang="en-US" altLang="ko-KR" sz="2000" b="1" dirty="0" smtClean="0"/>
+                        <a:t>Java</a:t>
+                      </a:r>
+                      <a:endParaRPr lang="ko-KR" altLang="en-US" sz="2000" b="1" dirty="0"/>
+                    </a:p>
+                  </a:txBody>
+                  <a:tcPr/>
+                </a:tc>
+                <a:tc>
+                  <a:txBody>
+                    <a:bodyPr/>
+                    <a:lstStyle/>
+                    <a:p>
+                      <a:pPr latinLnBrk="1"/>
+                      <a:r>
+                        <a:rPr lang="en-US" altLang="ko-KR" sz="2000" b="1" dirty="0" smtClean="0"/>
+                        <a:t>MySQL</a:t>
+                      </a:r>
+                      <a:endParaRPr lang="ko-KR" altLang="en-US" sz="2000" b="1" dirty="0"/>
+                    </a:p>
+                  </a:txBody>
+                  <a:tcPr/>
+                </a:tc>
+                <a:tc>
+                  <a:txBody>
+                    <a:bodyPr/>
+                    <a:lstStyle/>
+                    <a:p>
+                      <a:pPr latinLnBrk="1"/>
+                      <a:r>
+                        <a:rPr lang="en-US" altLang="ko-KR" sz="2000" b="1" dirty="0" smtClean="0"/>
+                        <a:t>Apache</a:t>
+                      </a:r>
+                      <a:r>
+                        <a:rPr lang="en-US" altLang="ko-KR" sz="2000" b="1" baseline="0" dirty="0" smtClean="0"/>
+                        <a:t> Tomcat</a:t>
+                      </a:r>
+                      <a:endParaRPr lang="ko-KR" altLang="en-US" sz="2000" b="1" dirty="0"/>
+                    </a:p>
+                  </a:txBody>
+                  <a:tcPr/>
+                </a:tc>
+                <a:tc>
+                  <a:txBody>
+                    <a:bodyPr/>
+                    <a:lstStyle/>
+                    <a:p>
+                      <a:pPr latinLnBrk="1"/>
+                      <a:r>
+                        <a:rPr lang="en-US" altLang="ko-KR" sz="2000" b="1" dirty="0" smtClean="0"/>
+                        <a:t>AWS</a:t>
+                      </a:r>
+                      <a:r>
+                        <a:rPr lang="en-US" altLang="ko-KR" sz="2000" b="1" baseline="0" dirty="0" smtClean="0"/>
+                        <a:t> EC2</a:t>
+                      </a:r>
+                      <a:endParaRPr lang="ko-KR" altLang="en-US" sz="2000" b="1" dirty="0"/>
+                    </a:p>
+                  </a:txBody>
+                  <a:tcPr/>
+                </a:tc>
+                <a:extLst>
+                  <a:ext uri="{0D108BD9-81ED-4DB2-BD59-A6C34878D82A}">
+                    <a16:rowId xmlns:a16="http://schemas.microsoft.com/office/drawing/2014/main" val="4134360371"/>
+                  </a:ext>
+                </a:extLst>
+              </a:tr>
+              <a:tr h="928335">
+                <a:tc>
+                  <a:txBody>
+                    <a:bodyPr/>
+                    <a:lstStyle/>
+                    <a:p>
+                      <a:pPr latinLnBrk="1"/>
+                      <a:r>
+                        <a:rPr lang="en-US" altLang="ko-KR" sz="2000" b="1" dirty="0" smtClean="0"/>
+                        <a:t>jQuery</a:t>
+                      </a:r>
+                      <a:endParaRPr lang="ko-KR" altLang="en-US" sz="2000" b="1" dirty="0"/>
+                    </a:p>
+                  </a:txBody>
+                  <a:tcPr/>
+                </a:tc>
+                <a:tc>
+                  <a:txBody>
+                    <a:bodyPr/>
+                    <a:lstStyle/>
+                    <a:p>
+                      <a:pPr latinLnBrk="1"/>
+                      <a:r>
+                        <a:rPr lang="en-US" altLang="ko-KR" sz="2000" b="1" dirty="0" smtClean="0"/>
+                        <a:t>Spring Boot</a:t>
+                      </a:r>
+                      <a:endParaRPr lang="ko-KR" altLang="en-US" sz="2000" b="1" dirty="0"/>
+                    </a:p>
+                  </a:txBody>
+                  <a:tcPr/>
+                </a:tc>
+                <a:tc>
+                  <a:txBody>
+                    <a:bodyPr/>
+                    <a:lstStyle/>
+                    <a:p>
+                      <a:pPr latinLnBrk="1"/>
+                      <a:endParaRPr lang="ko-KR" altLang="en-US" sz="2000" b="1" dirty="0"/>
+                    </a:p>
+                  </a:txBody>
+                  <a:tcPr/>
+                </a:tc>
+                <a:tc>
+                  <a:txBody>
+                    <a:bodyPr/>
+                    <a:lstStyle/>
+                    <a:p>
+                      <a:pPr latinLnBrk="1"/>
+                      <a:endParaRPr lang="ko-KR" altLang="en-US" sz="2000" b="1"/>
+                    </a:p>
+                  </a:txBody>
+                  <a:tcPr/>
+                </a:tc>
+                <a:tc>
+                  <a:txBody>
+                    <a:bodyPr/>
+                    <a:lstStyle/>
+                    <a:p>
+                      <a:pPr latinLnBrk="1"/>
+                      <a:endParaRPr lang="ko-KR" altLang="en-US" sz="2000" b="1"/>
+                    </a:p>
+                  </a:txBody>
+                  <a:tcPr/>
+                </a:tc>
+                <a:extLst>
+                  <a:ext uri="{0D108BD9-81ED-4DB2-BD59-A6C34878D82A}">
+                    <a16:rowId xmlns:a16="http://schemas.microsoft.com/office/drawing/2014/main" val="2462109518"/>
+                  </a:ext>
+                </a:extLst>
+              </a:tr>
+              <a:tr h="928335">
+                <a:tc>
+                  <a:txBody>
+                    <a:bodyPr/>
+                    <a:lstStyle/>
+                    <a:p>
+                      <a:pPr latinLnBrk="1"/>
+                      <a:r>
+                        <a:rPr lang="en-US" altLang="ko-KR" sz="2000" b="1" dirty="0" smtClean="0"/>
+                        <a:t>JavaScript</a:t>
+                      </a:r>
+                      <a:endParaRPr lang="ko-KR" altLang="en-US" sz="2000" b="1" dirty="0"/>
+                    </a:p>
+                  </a:txBody>
+                  <a:tcPr/>
+                </a:tc>
+                <a:tc>
+                  <a:txBody>
+                    <a:bodyPr/>
+                    <a:lstStyle/>
+                    <a:p>
+                      <a:pPr latinLnBrk="1"/>
+                      <a:r>
+                        <a:rPr lang="en-US" altLang="ko-KR" sz="2000" b="1" dirty="0" err="1" smtClean="0"/>
+                        <a:t>MyBatis</a:t>
+                      </a:r>
+                      <a:r>
+                        <a:rPr lang="en-US" altLang="ko-KR" sz="2000" b="1" baseline="0" dirty="0" smtClean="0"/>
+                        <a:t> </a:t>
+                      </a:r>
+                      <a:r>
+                        <a:rPr lang="en-US" altLang="ko-KR" sz="2000" b="1" baseline="0" dirty="0" err="1" smtClean="0"/>
+                        <a:t>FrameWork</a:t>
+                      </a:r>
+                      <a:endParaRPr lang="ko-KR" altLang="en-US" sz="2000" b="1" dirty="0"/>
+                    </a:p>
+                  </a:txBody>
+                  <a:tcPr/>
+                </a:tc>
+                <a:tc>
+                  <a:txBody>
+                    <a:bodyPr/>
+                    <a:lstStyle/>
+                    <a:p>
+                      <a:pPr latinLnBrk="1"/>
+                      <a:endParaRPr lang="ko-KR" altLang="en-US" sz="2000" b="1"/>
+                    </a:p>
+                  </a:txBody>
+                  <a:tcPr/>
+                </a:tc>
+                <a:tc>
+                  <a:txBody>
+                    <a:bodyPr/>
+                    <a:lstStyle/>
+                    <a:p>
+                      <a:pPr latinLnBrk="1"/>
+                      <a:endParaRPr lang="ko-KR" altLang="en-US" sz="2000" b="1"/>
+                    </a:p>
+                  </a:txBody>
+                  <a:tcPr/>
+                </a:tc>
+                <a:tc>
+                  <a:txBody>
+                    <a:bodyPr/>
+                    <a:lstStyle/>
+                    <a:p>
+                      <a:pPr latinLnBrk="1"/>
+                      <a:endParaRPr lang="ko-KR" altLang="en-US" sz="2000" b="1"/>
+                    </a:p>
+                  </a:txBody>
+                  <a:tcPr/>
+                </a:tc>
+                <a:extLst>
+                  <a:ext uri="{0D108BD9-81ED-4DB2-BD59-A6C34878D82A}">
+                    <a16:rowId xmlns:a16="http://schemas.microsoft.com/office/drawing/2014/main" val="2886012185"/>
+                  </a:ext>
+                </a:extLst>
+              </a:tr>
+              <a:tr h="928335">
+                <a:tc>
+                  <a:txBody>
+                    <a:bodyPr/>
+                    <a:lstStyle/>
+                    <a:p>
+                      <a:pPr latinLnBrk="1"/>
+                      <a:r>
+                        <a:rPr lang="en-US" altLang="ko-KR" sz="2000" b="1" dirty="0" smtClean="0"/>
+                        <a:t>CSS</a:t>
+                      </a:r>
+                      <a:endParaRPr lang="ko-KR" altLang="en-US" sz="2000" b="1" dirty="0"/>
+                    </a:p>
+                  </a:txBody>
+                  <a:tcPr/>
+                </a:tc>
+                <a:tc>
+                  <a:txBody>
+                    <a:bodyPr/>
+                    <a:lstStyle/>
+                    <a:p>
+                      <a:pPr latinLnBrk="1"/>
+                      <a:endParaRPr lang="ko-KR" altLang="en-US" sz="2000" b="1" dirty="0"/>
+                    </a:p>
+                  </a:txBody>
+                  <a:tcPr/>
+                </a:tc>
+                <a:tc>
+                  <a:txBody>
+                    <a:bodyPr/>
+                    <a:lstStyle/>
+                    <a:p>
+                      <a:pPr latinLnBrk="1"/>
+                      <a:endParaRPr lang="ko-KR" altLang="en-US" sz="2000" b="1" dirty="0"/>
+                    </a:p>
+                  </a:txBody>
+                  <a:tcPr/>
+                </a:tc>
+                <a:tc>
+                  <a:txBody>
+                    <a:bodyPr/>
+                    <a:lstStyle/>
+                    <a:p>
+                      <a:pPr latinLnBrk="1"/>
+                      <a:endParaRPr lang="ko-KR" altLang="en-US" sz="2000" b="1" dirty="0"/>
+                    </a:p>
+                  </a:txBody>
+                  <a:tcPr/>
+                </a:tc>
+                <a:tc>
+                  <a:txBody>
+                    <a:bodyPr/>
+                    <a:lstStyle/>
+                    <a:p>
+                      <a:pPr latinLnBrk="1"/>
+                      <a:endParaRPr lang="ko-KR" altLang="en-US" sz="2000" b="1" dirty="0"/>
+                    </a:p>
+                  </a:txBody>
+                  <a:tcPr/>
+                </a:tc>
+                <a:extLst>
+                  <a:ext uri="{0D108BD9-81ED-4DB2-BD59-A6C34878D82A}">
+                    <a16:rowId xmlns:a16="http://schemas.microsoft.com/office/drawing/2014/main" val="1865466108"/>
+                  </a:ext>
+                </a:extLst>
+              </a:tr>
+            </a:tbl>
+          </a:graphicData>
+        </a:graphic>
+      </p:graphicFrame>
     </p:spTree>
     <p:extLst>
       <p:ext uri="{BB962C8B-B14F-4D97-AF65-F5344CB8AC3E}">

--- a/202131205_김승진_실무게임프로그래밍_기획서.pptx
+++ b/202131205_김승진_실무게임프로그래밍_기획서.pptx
@@ -269,7 +269,7 @@
           <a:p>
             <a:fld id="{16DB16CA-D4AF-495C-A36B-A16844DE5D9E}" type="datetimeFigureOut">
               <a:rPr lang="ko-KR" altLang="en-US" smtClean="0"/>
-              <a:t>2022-11-24</a:t>
+              <a:t>2022-12-01</a:t>
             </a:fld>
             <a:endParaRPr lang="ko-KR" altLang="en-US"/>
           </a:p>
@@ -437,7 +437,7 @@
           <a:p>
             <a:fld id="{16DB16CA-D4AF-495C-A36B-A16844DE5D9E}" type="datetimeFigureOut">
               <a:rPr lang="ko-KR" altLang="en-US" smtClean="0"/>
-              <a:t>2022-11-24</a:t>
+              <a:t>2022-12-01</a:t>
             </a:fld>
             <a:endParaRPr lang="ko-KR" altLang="en-US"/>
           </a:p>
@@ -615,7 +615,7 @@
           <a:p>
             <a:fld id="{16DB16CA-D4AF-495C-A36B-A16844DE5D9E}" type="datetimeFigureOut">
               <a:rPr lang="ko-KR" altLang="en-US" smtClean="0"/>
-              <a:t>2022-11-24</a:t>
+              <a:t>2022-12-01</a:t>
             </a:fld>
             <a:endParaRPr lang="ko-KR" altLang="en-US"/>
           </a:p>
@@ -783,7 +783,7 @@
           <a:p>
             <a:fld id="{16DB16CA-D4AF-495C-A36B-A16844DE5D9E}" type="datetimeFigureOut">
               <a:rPr lang="ko-KR" altLang="en-US" smtClean="0"/>
-              <a:t>2022-11-24</a:t>
+              <a:t>2022-12-01</a:t>
             </a:fld>
             <a:endParaRPr lang="ko-KR" altLang="en-US"/>
           </a:p>
@@ -1028,7 +1028,7 @@
           <a:p>
             <a:fld id="{16DB16CA-D4AF-495C-A36B-A16844DE5D9E}" type="datetimeFigureOut">
               <a:rPr lang="ko-KR" altLang="en-US" smtClean="0"/>
-              <a:t>2022-11-24</a:t>
+              <a:t>2022-12-01</a:t>
             </a:fld>
             <a:endParaRPr lang="ko-KR" altLang="en-US"/>
           </a:p>
@@ -1257,7 +1257,7 @@
           <a:p>
             <a:fld id="{16DB16CA-D4AF-495C-A36B-A16844DE5D9E}" type="datetimeFigureOut">
               <a:rPr lang="ko-KR" altLang="en-US" smtClean="0"/>
-              <a:t>2022-11-24</a:t>
+              <a:t>2022-12-01</a:t>
             </a:fld>
             <a:endParaRPr lang="ko-KR" altLang="en-US"/>
           </a:p>
@@ -1621,7 +1621,7 @@
           <a:p>
             <a:fld id="{16DB16CA-D4AF-495C-A36B-A16844DE5D9E}" type="datetimeFigureOut">
               <a:rPr lang="ko-KR" altLang="en-US" smtClean="0"/>
-              <a:t>2022-11-24</a:t>
+              <a:t>2022-12-01</a:t>
             </a:fld>
             <a:endParaRPr lang="ko-KR" altLang="en-US"/>
           </a:p>
@@ -1738,7 +1738,7 @@
           <a:p>
             <a:fld id="{16DB16CA-D4AF-495C-A36B-A16844DE5D9E}" type="datetimeFigureOut">
               <a:rPr lang="ko-KR" altLang="en-US" smtClean="0"/>
-              <a:t>2022-11-24</a:t>
+              <a:t>2022-12-01</a:t>
             </a:fld>
             <a:endParaRPr lang="ko-KR" altLang="en-US"/>
           </a:p>
@@ -1833,7 +1833,7 @@
           <a:p>
             <a:fld id="{16DB16CA-D4AF-495C-A36B-A16844DE5D9E}" type="datetimeFigureOut">
               <a:rPr lang="ko-KR" altLang="en-US" smtClean="0"/>
-              <a:t>2022-11-24</a:t>
+              <a:t>2022-12-01</a:t>
             </a:fld>
             <a:endParaRPr lang="ko-KR" altLang="en-US"/>
           </a:p>
@@ -2108,7 +2108,7 @@
           <a:p>
             <a:fld id="{16DB16CA-D4AF-495C-A36B-A16844DE5D9E}" type="datetimeFigureOut">
               <a:rPr lang="ko-KR" altLang="en-US" smtClean="0"/>
-              <a:t>2022-11-24</a:t>
+              <a:t>2022-12-01</a:t>
             </a:fld>
             <a:endParaRPr lang="ko-KR" altLang="en-US"/>
           </a:p>
@@ -2360,7 +2360,7 @@
           <a:p>
             <a:fld id="{16DB16CA-D4AF-495C-A36B-A16844DE5D9E}" type="datetimeFigureOut">
               <a:rPr lang="ko-KR" altLang="en-US" smtClean="0"/>
-              <a:t>2022-11-24</a:t>
+              <a:t>2022-12-01</a:t>
             </a:fld>
             <a:endParaRPr lang="ko-KR" altLang="en-US"/>
           </a:p>
@@ -2571,7 +2571,7 @@
           <a:p>
             <a:fld id="{16DB16CA-D4AF-495C-A36B-A16844DE5D9E}" type="datetimeFigureOut">
               <a:rPr lang="ko-KR" altLang="en-US" smtClean="0"/>
-              <a:t>2022-11-24</a:t>
+              <a:t>2022-12-01</a:t>
             </a:fld>
             <a:endParaRPr lang="ko-KR" altLang="en-US"/>
           </a:p>
@@ -20220,7 +20220,23 @@
           <a:p>
             <a:r>
               <a:rPr lang="ko-KR" altLang="en-US" dirty="0"/>
-              <a:t>프로젝트에 적용할 기술</a:t>
+              <a:t>프로젝트에 </a:t>
+            </a:r>
+            <a:r>
+              <a:rPr lang="ko-KR" altLang="en-US" dirty="0" smtClean="0"/>
+              <a:t>적용</a:t>
+            </a:r>
+            <a:r>
+              <a:rPr lang="ko-KR" altLang="en-US" dirty="0"/>
+              <a:t>한</a:t>
+            </a:r>
+            <a:r>
+              <a:rPr lang="ko-KR" altLang="en-US" dirty="0" smtClean="0"/>
+              <a:t> </a:t>
+            </a:r>
+            <a:r>
+              <a:rPr lang="ko-KR" altLang="en-US" dirty="0"/>
+              <a:t>기술</a:t>
             </a:r>
           </a:p>
         </p:txBody>
@@ -20235,7 +20251,7 @@
             <p:ph idx="1"/>
             <p:extLst>
               <p:ext uri="{D42A27DB-BD31-4B8C-83A1-F6EECF244321}">
-                <p14:modId xmlns:p14="http://schemas.microsoft.com/office/powerpoint/2010/main" val="2810724018"/>
+                <p14:modId xmlns:p14="http://schemas.microsoft.com/office/powerpoint/2010/main" val="3865993468"/>
               </p:ext>
             </p:extLst>
           </p:nvPr>
@@ -20546,7 +20562,11 @@
                     <a:lstStyle/>
                     <a:p>
                       <a:pPr latinLnBrk="1"/>
-                      <a:endParaRPr lang="ko-KR" altLang="en-US" sz="2000" b="1"/>
+                      <a:r>
+                        <a:rPr lang="en-US" altLang="ko-KR" sz="2000" b="1" dirty="0" smtClean="0"/>
+                        <a:t>AWS RDS</a:t>
+                      </a:r>
+                      <a:endParaRPr lang="ko-KR" altLang="en-US" sz="2000" b="1" dirty="0"/>
                     </a:p>
                   </a:txBody>
                   <a:tcPr/>
